--- a/reports/presentation/kinocto.pptx
+++ b/reports/presentation/kinocto.pptx
@@ -5,21 +5,43 @@
     <p:sldMasterId id="2147484076" r:id="rId1"/>
   </p:sldMasterIdLst>
   <p:notesMasterIdLst>
-    <p:notesMasterId r:id="rId11"/>
+    <p:notesMasterId r:id="rId33"/>
   </p:notesMasterIdLst>
   <p:handoutMasterIdLst>
-    <p:handoutMasterId r:id="rId12"/>
+    <p:handoutMasterId r:id="rId34"/>
   </p:handoutMasterIdLst>
   <p:sldIdLst>
     <p:sldId id="289" r:id="rId2"/>
     <p:sldId id="290" r:id="rId3"/>
-    <p:sldId id="317" r:id="rId4"/>
-    <p:sldId id="291" r:id="rId5"/>
-    <p:sldId id="319" r:id="rId6"/>
-    <p:sldId id="320" r:id="rId7"/>
-    <p:sldId id="321" r:id="rId8"/>
-    <p:sldId id="318" r:id="rId9"/>
-    <p:sldId id="316" r:id="rId10"/>
+    <p:sldId id="291" r:id="rId4"/>
+    <p:sldId id="322" r:id="rId5"/>
+    <p:sldId id="323" r:id="rId6"/>
+    <p:sldId id="324" r:id="rId7"/>
+    <p:sldId id="325" r:id="rId8"/>
+    <p:sldId id="326" r:id="rId9"/>
+    <p:sldId id="319" r:id="rId10"/>
+    <p:sldId id="328" r:id="rId11"/>
+    <p:sldId id="329" r:id="rId12"/>
+    <p:sldId id="330" r:id="rId13"/>
+    <p:sldId id="331" r:id="rId14"/>
+    <p:sldId id="327" r:id="rId15"/>
+    <p:sldId id="349" r:id="rId16"/>
+    <p:sldId id="346" r:id="rId17"/>
+    <p:sldId id="344" r:id="rId18"/>
+    <p:sldId id="345" r:id="rId19"/>
+    <p:sldId id="340" r:id="rId20"/>
+    <p:sldId id="341" r:id="rId21"/>
+    <p:sldId id="320" r:id="rId22"/>
+    <p:sldId id="336" r:id="rId23"/>
+    <p:sldId id="337" r:id="rId24"/>
+    <p:sldId id="338" r:id="rId25"/>
+    <p:sldId id="339" r:id="rId26"/>
+    <p:sldId id="321" r:id="rId27"/>
+    <p:sldId id="342" r:id="rId28"/>
+    <p:sldId id="333" r:id="rId29"/>
+    <p:sldId id="335" r:id="rId30"/>
+    <p:sldId id="343" r:id="rId31"/>
+    <p:sldId id="316" r:id="rId32"/>
   </p:sldIdLst>
   <p:sldSz cx="9144000" cy="6858000" type="screen4x3"/>
   <p:notesSz cx="6858000" cy="9144000"/>
@@ -118,6 +140,36 @@
       </a:defRPr>
     </a:lvl9pPr>
   </p:defaultTextStyle>
+  <p:extLst>
+    <p:ext uri="{EFAFB233-063F-42B5-8137-9DF3F51BA10A}">
+      <p15:sldGuideLst xmlns:p15="http://schemas.microsoft.com/office/powerpoint/2012/main">
+        <p15:guide id="1" orient="horz" pos="2160">
+          <p15:clr>
+            <a:srgbClr val="A4A3A4"/>
+          </p15:clr>
+        </p15:guide>
+        <p15:guide id="2" pos="2880">
+          <p15:clr>
+            <a:srgbClr val="A4A3A4"/>
+          </p15:clr>
+        </p15:guide>
+      </p15:sldGuideLst>
+    </p:ext>
+    <p:ext uri="{2D200454-40CA-4A62-9FC3-DE9A4176ACB9}">
+      <p15:notesGuideLst xmlns:p15="http://schemas.microsoft.com/office/powerpoint/2012/main">
+        <p15:guide id="1" orient="horz" pos="2880">
+          <p15:clr>
+            <a:srgbClr val="A4A3A4"/>
+          </p15:clr>
+        </p15:guide>
+        <p15:guide id="2" pos="2160">
+          <p15:clr>
+            <a:srgbClr val="A4A3A4"/>
+          </p15:clr>
+        </p15:guide>
+      </p15:notesGuideLst>
+    </p:ext>
+  </p:extLst>
 </p:presentation>
 </file>
 
@@ -125,9 +177,950 @@
 <p:cmAuthorLst xmlns:a="http://schemas.openxmlformats.org/drawingml/2006/main" xmlns:r="http://schemas.openxmlformats.org/officeDocument/2006/relationships" xmlns:p="http://schemas.openxmlformats.org/presentationml/2006/main">
   <p:cmAuthor id="0" name="Etudiant" initials="E" lastIdx="1" clrIdx="0"/>
   <p:cmAuthor id="1" name="Simon Grenier" initials="SG" lastIdx="4" clrIdx="1"/>
-  <p:cmAuthor id="2" name="Francis Valois" initials="FV" lastIdx="6" clrIdx="2"/>
+  <p:cmAuthor id="2" name="Francis Valois" initials="FV" lastIdx="32" clrIdx="2"/>
   <p:cmAuthor id="3" name="Marc-André Lapointe" initials="" lastIdx="2" clrIdx="3"/>
 </p:cmAuthorLst>
+</file>
+
+<file path=ppt/charts/chart1.xml><?xml version="1.0" encoding="utf-8"?>
+<c:chartSpace xmlns:c="http://schemas.openxmlformats.org/drawingml/2006/chart" xmlns:a="http://schemas.openxmlformats.org/drawingml/2006/main" xmlns:r="http://schemas.openxmlformats.org/officeDocument/2006/relationships">
+  <c:date1904 val="0"/>
+  <c:lang val="en-US"/>
+  <c:roundedCorners val="0"/>
+  <mc:AlternateContent xmlns:mc="http://schemas.openxmlformats.org/markup-compatibility/2006">
+    <mc:Choice xmlns:c14="http://schemas.microsoft.com/office/drawing/2007/8/2/chart" Requires="c14">
+      <c14:style val="102"/>
+    </mc:Choice>
+    <mc:Fallback>
+      <c:style val="2"/>
+    </mc:Fallback>
+  </mc:AlternateContent>
+  <c:chart>
+    <c:autoTitleDeleted val="0"/>
+    <c:plotArea>
+      <c:layout>
+        <c:manualLayout>
+          <c:layoutTarget val="inner"/>
+          <c:xMode val="edge"/>
+          <c:yMode val="edge"/>
+          <c:x val="0.11486647012342373"/>
+          <c:y val="0.1582697033616636"/>
+          <c:w val="0.73179207327873419"/>
+          <c:h val="0.63123104879415048"/>
+        </c:manualLayout>
+      </c:layout>
+      <c:scatterChart>
+        <c:scatterStyle val="smoothMarker"/>
+        <c:varyColors val="0"/>
+        <c:ser>
+          <c:idx val="0"/>
+          <c:order val="0"/>
+          <c:tx>
+            <c:v>Consigne</c:v>
+          </c:tx>
+          <c:marker>
+            <c:symbol val="none"/>
+          </c:marker>
+          <c:xVal>
+            <c:numRef>
+              <c:f>[asservissement.xlsx]Sheet9!$A$1:$A$44</c:f>
+              <c:numCache>
+                <c:formatCode>General</c:formatCode>
+                <c:ptCount val="44"/>
+                <c:pt idx="0">
+                  <c:v>0</c:v>
+                </c:pt>
+                <c:pt idx="1">
+                  <c:v>1</c:v>
+                </c:pt>
+                <c:pt idx="2">
+                  <c:v>2</c:v>
+                </c:pt>
+                <c:pt idx="3">
+                  <c:v>3</c:v>
+                </c:pt>
+                <c:pt idx="4">
+                  <c:v>9</c:v>
+                </c:pt>
+                <c:pt idx="5">
+                  <c:v>10</c:v>
+                </c:pt>
+                <c:pt idx="6">
+                  <c:v>11</c:v>
+                </c:pt>
+                <c:pt idx="7">
+                  <c:v>12</c:v>
+                </c:pt>
+                <c:pt idx="8">
+                  <c:v>13</c:v>
+                </c:pt>
+                <c:pt idx="9">
+                  <c:v>14</c:v>
+                </c:pt>
+                <c:pt idx="10">
+                  <c:v>15</c:v>
+                </c:pt>
+                <c:pt idx="11">
+                  <c:v>16</c:v>
+                </c:pt>
+                <c:pt idx="12">
+                  <c:v>17</c:v>
+                </c:pt>
+                <c:pt idx="13">
+                  <c:v>18</c:v>
+                </c:pt>
+                <c:pt idx="14">
+                  <c:v>19</c:v>
+                </c:pt>
+                <c:pt idx="15">
+                  <c:v>20</c:v>
+                </c:pt>
+                <c:pt idx="16">
+                  <c:v>21</c:v>
+                </c:pt>
+                <c:pt idx="17">
+                  <c:v>22</c:v>
+                </c:pt>
+                <c:pt idx="18">
+                  <c:v>23</c:v>
+                </c:pt>
+                <c:pt idx="19">
+                  <c:v>24</c:v>
+                </c:pt>
+                <c:pt idx="20">
+                  <c:v>25</c:v>
+                </c:pt>
+                <c:pt idx="21">
+                  <c:v>26</c:v>
+                </c:pt>
+                <c:pt idx="22">
+                  <c:v>27</c:v>
+                </c:pt>
+                <c:pt idx="23">
+                  <c:v>28</c:v>
+                </c:pt>
+                <c:pt idx="24">
+                  <c:v>29</c:v>
+                </c:pt>
+                <c:pt idx="25">
+                  <c:v>30</c:v>
+                </c:pt>
+                <c:pt idx="26">
+                  <c:v>31</c:v>
+                </c:pt>
+                <c:pt idx="27">
+                  <c:v>32</c:v>
+                </c:pt>
+                <c:pt idx="28">
+                  <c:v>33</c:v>
+                </c:pt>
+                <c:pt idx="29">
+                  <c:v>34</c:v>
+                </c:pt>
+              </c:numCache>
+            </c:numRef>
+          </c:xVal>
+          <c:yVal>
+            <c:numRef>
+              <c:f>[asservissement.xlsx]Sheet9!$C$1:$C$44</c:f>
+              <c:numCache>
+                <c:formatCode>General</c:formatCode>
+                <c:ptCount val="44"/>
+                <c:pt idx="0">
+                  <c:v>0</c:v>
+                </c:pt>
+                <c:pt idx="1">
+                  <c:v>6400</c:v>
+                </c:pt>
+                <c:pt idx="2">
+                  <c:v>6400</c:v>
+                </c:pt>
+                <c:pt idx="3">
+                  <c:v>6400</c:v>
+                </c:pt>
+                <c:pt idx="4">
+                  <c:v>6400</c:v>
+                </c:pt>
+                <c:pt idx="5">
+                  <c:v>6400</c:v>
+                </c:pt>
+                <c:pt idx="6">
+                  <c:v>6400</c:v>
+                </c:pt>
+                <c:pt idx="7">
+                  <c:v>6400</c:v>
+                </c:pt>
+                <c:pt idx="8">
+                  <c:v>6400</c:v>
+                </c:pt>
+                <c:pt idx="9">
+                  <c:v>6400</c:v>
+                </c:pt>
+                <c:pt idx="10">
+                  <c:v>6400</c:v>
+                </c:pt>
+                <c:pt idx="11">
+                  <c:v>6400</c:v>
+                </c:pt>
+                <c:pt idx="12">
+                  <c:v>6400</c:v>
+                </c:pt>
+                <c:pt idx="13">
+                  <c:v>6400</c:v>
+                </c:pt>
+                <c:pt idx="14">
+                  <c:v>6400</c:v>
+                </c:pt>
+                <c:pt idx="15">
+                  <c:v>6400</c:v>
+                </c:pt>
+                <c:pt idx="16">
+                  <c:v>6400</c:v>
+                </c:pt>
+                <c:pt idx="17">
+                  <c:v>6400</c:v>
+                </c:pt>
+                <c:pt idx="18">
+                  <c:v>6400</c:v>
+                </c:pt>
+                <c:pt idx="19">
+                  <c:v>6400</c:v>
+                </c:pt>
+                <c:pt idx="20">
+                  <c:v>6400</c:v>
+                </c:pt>
+                <c:pt idx="21">
+                  <c:v>6400</c:v>
+                </c:pt>
+                <c:pt idx="22">
+                  <c:v>6400</c:v>
+                </c:pt>
+                <c:pt idx="23">
+                  <c:v>6400</c:v>
+                </c:pt>
+                <c:pt idx="24">
+                  <c:v>6400</c:v>
+                </c:pt>
+                <c:pt idx="25">
+                  <c:v>6400</c:v>
+                </c:pt>
+                <c:pt idx="26">
+                  <c:v>6400</c:v>
+                </c:pt>
+                <c:pt idx="27">
+                  <c:v>6400</c:v>
+                </c:pt>
+                <c:pt idx="28">
+                  <c:v>6400</c:v>
+                </c:pt>
+                <c:pt idx="29">
+                  <c:v>6400</c:v>
+                </c:pt>
+              </c:numCache>
+            </c:numRef>
+          </c:yVal>
+          <c:smooth val="1"/>
+        </c:ser>
+        <c:ser>
+          <c:idx val="1"/>
+          <c:order val="1"/>
+          <c:tx>
+            <c:v>Réponse</c:v>
+          </c:tx>
+          <c:marker>
+            <c:symbol val="none"/>
+          </c:marker>
+          <c:xVal>
+            <c:numRef>
+              <c:f>[asservissement.xlsx]Sheet9!$A$1:$A$44</c:f>
+              <c:numCache>
+                <c:formatCode>General</c:formatCode>
+                <c:ptCount val="44"/>
+                <c:pt idx="0">
+                  <c:v>0</c:v>
+                </c:pt>
+                <c:pt idx="1">
+                  <c:v>1</c:v>
+                </c:pt>
+                <c:pt idx="2">
+                  <c:v>2</c:v>
+                </c:pt>
+                <c:pt idx="3">
+                  <c:v>3</c:v>
+                </c:pt>
+                <c:pt idx="4">
+                  <c:v>9</c:v>
+                </c:pt>
+                <c:pt idx="5">
+                  <c:v>10</c:v>
+                </c:pt>
+                <c:pt idx="6">
+                  <c:v>11</c:v>
+                </c:pt>
+                <c:pt idx="7">
+                  <c:v>12</c:v>
+                </c:pt>
+                <c:pt idx="8">
+                  <c:v>13</c:v>
+                </c:pt>
+                <c:pt idx="9">
+                  <c:v>14</c:v>
+                </c:pt>
+                <c:pt idx="10">
+                  <c:v>15</c:v>
+                </c:pt>
+                <c:pt idx="11">
+                  <c:v>16</c:v>
+                </c:pt>
+                <c:pt idx="12">
+                  <c:v>17</c:v>
+                </c:pt>
+                <c:pt idx="13">
+                  <c:v>18</c:v>
+                </c:pt>
+                <c:pt idx="14">
+                  <c:v>19</c:v>
+                </c:pt>
+                <c:pt idx="15">
+                  <c:v>20</c:v>
+                </c:pt>
+                <c:pt idx="16">
+                  <c:v>21</c:v>
+                </c:pt>
+                <c:pt idx="17">
+                  <c:v>22</c:v>
+                </c:pt>
+                <c:pt idx="18">
+                  <c:v>23</c:v>
+                </c:pt>
+                <c:pt idx="19">
+                  <c:v>24</c:v>
+                </c:pt>
+                <c:pt idx="20">
+                  <c:v>25</c:v>
+                </c:pt>
+                <c:pt idx="21">
+                  <c:v>26</c:v>
+                </c:pt>
+                <c:pt idx="22">
+                  <c:v>27</c:v>
+                </c:pt>
+                <c:pt idx="23">
+                  <c:v>28</c:v>
+                </c:pt>
+                <c:pt idx="24">
+                  <c:v>29</c:v>
+                </c:pt>
+                <c:pt idx="25">
+                  <c:v>30</c:v>
+                </c:pt>
+                <c:pt idx="26">
+                  <c:v>31</c:v>
+                </c:pt>
+                <c:pt idx="27">
+                  <c:v>32</c:v>
+                </c:pt>
+                <c:pt idx="28">
+                  <c:v>33</c:v>
+                </c:pt>
+                <c:pt idx="29">
+                  <c:v>34</c:v>
+                </c:pt>
+              </c:numCache>
+            </c:numRef>
+          </c:xVal>
+          <c:yVal>
+            <c:numRef>
+              <c:f>[asservissement.xlsx]Sheet9!$P$1:$P$44</c:f>
+              <c:numCache>
+                <c:formatCode>General</c:formatCode>
+                <c:ptCount val="44"/>
+                <c:pt idx="0">
+                  <c:v>0</c:v>
+                </c:pt>
+                <c:pt idx="1">
+                  <c:v>0</c:v>
+                </c:pt>
+                <c:pt idx="2">
+                  <c:v>3590</c:v>
+                </c:pt>
+                <c:pt idx="3">
+                  <c:v>6170</c:v>
+                </c:pt>
+                <c:pt idx="4">
+                  <c:v>6230</c:v>
+                </c:pt>
+                <c:pt idx="5">
+                  <c:v>6340</c:v>
+                </c:pt>
+                <c:pt idx="6">
+                  <c:v>6830</c:v>
+                </c:pt>
+                <c:pt idx="7">
+                  <c:v>6760</c:v>
+                </c:pt>
+                <c:pt idx="8">
+                  <c:v>6400</c:v>
+                </c:pt>
+                <c:pt idx="9">
+                  <c:v>6260</c:v>
+                </c:pt>
+                <c:pt idx="10">
+                  <c:v>6300</c:v>
+                </c:pt>
+                <c:pt idx="11">
+                  <c:v>6230</c:v>
+                </c:pt>
+                <c:pt idx="12">
+                  <c:v>6220</c:v>
+                </c:pt>
+                <c:pt idx="13">
+                  <c:v>6270</c:v>
+                </c:pt>
+                <c:pt idx="14">
+                  <c:v>6340</c:v>
+                </c:pt>
+                <c:pt idx="15">
+                  <c:v>6290</c:v>
+                </c:pt>
+                <c:pt idx="16">
+                  <c:v>6380</c:v>
+                </c:pt>
+                <c:pt idx="17">
+                  <c:v>6460</c:v>
+                </c:pt>
+                <c:pt idx="18">
+                  <c:v>6480</c:v>
+                </c:pt>
+                <c:pt idx="19">
+                  <c:v>6360</c:v>
+                </c:pt>
+                <c:pt idx="20">
+                  <c:v>6280</c:v>
+                </c:pt>
+                <c:pt idx="21">
+                  <c:v>6320</c:v>
+                </c:pt>
+                <c:pt idx="22">
+                  <c:v>6360</c:v>
+                </c:pt>
+                <c:pt idx="23">
+                  <c:v>6320</c:v>
+                </c:pt>
+                <c:pt idx="24">
+                  <c:v>6260</c:v>
+                </c:pt>
+                <c:pt idx="25">
+                  <c:v>6300</c:v>
+                </c:pt>
+                <c:pt idx="26">
+                  <c:v>6490</c:v>
+                </c:pt>
+                <c:pt idx="27">
+                  <c:v>6510</c:v>
+                </c:pt>
+                <c:pt idx="28">
+                  <c:v>6430</c:v>
+                </c:pt>
+                <c:pt idx="29">
+                  <c:v>6410</c:v>
+                </c:pt>
+                <c:pt idx="30">
+                  <c:v>6430</c:v>
+                </c:pt>
+                <c:pt idx="31">
+                  <c:v>6330</c:v>
+                </c:pt>
+                <c:pt idx="32">
+                  <c:v>6310</c:v>
+                </c:pt>
+                <c:pt idx="33">
+                  <c:v>6330</c:v>
+                </c:pt>
+              </c:numCache>
+            </c:numRef>
+          </c:yVal>
+          <c:smooth val="1"/>
+        </c:ser>
+        <c:dLbls>
+          <c:showLegendKey val="0"/>
+          <c:showVal val="0"/>
+          <c:showCatName val="0"/>
+          <c:showSerName val="0"/>
+          <c:showPercent val="0"/>
+          <c:showBubbleSize val="0"/>
+        </c:dLbls>
+        <c:axId val="1242703392"/>
+        <c:axId val="1242710464"/>
+      </c:scatterChart>
+      <c:valAx>
+        <c:axId val="1242703392"/>
+        <c:scaling>
+          <c:orientation val="minMax"/>
+          <c:max val="20"/>
+        </c:scaling>
+        <c:delete val="0"/>
+        <c:axPos val="b"/>
+        <c:title>
+          <c:tx>
+            <c:rich>
+              <a:bodyPr/>
+              <a:lstStyle/>
+              <a:p>
+                <a:pPr>
+                  <a:defRPr sz="1200"/>
+                </a:pPr>
+                <a:r>
+                  <a:rPr lang="en-US" sz="1200" dirty="0"/>
+                  <a:t>Temps</a:t>
+                </a:r>
+                <a:r>
+                  <a:rPr lang="en-US" sz="1200" baseline="0" dirty="0"/>
+                  <a:t> (s)</a:t>
+                </a:r>
+                <a:endParaRPr lang="en-US" sz="1200" dirty="0"/>
+              </a:p>
+            </c:rich>
+          </c:tx>
+          <c:layout>
+            <c:manualLayout>
+              <c:xMode val="edge"/>
+              <c:yMode val="edge"/>
+              <c:x val="0.70779224446117928"/>
+              <c:y val="0.87084349288454499"/>
+            </c:manualLayout>
+          </c:layout>
+          <c:overlay val="0"/>
+        </c:title>
+        <c:numFmt formatCode="General" sourceLinked="1"/>
+        <c:majorTickMark val="out"/>
+        <c:minorTickMark val="none"/>
+        <c:tickLblPos val="nextTo"/>
+        <c:crossAx val="1242710464"/>
+        <c:crosses val="autoZero"/>
+        <c:crossBetween val="midCat"/>
+        <c:dispUnits>
+          <c:custUnit val="10"/>
+        </c:dispUnits>
+      </c:valAx>
+      <c:valAx>
+        <c:axId val="1242710464"/>
+        <c:scaling>
+          <c:orientation val="minMax"/>
+          <c:max val="7000"/>
+          <c:min val="0"/>
+        </c:scaling>
+        <c:delete val="0"/>
+        <c:axPos val="l"/>
+        <c:majorGridlines/>
+        <c:title>
+          <c:tx>
+            <c:rich>
+              <a:bodyPr rot="0" vert="horz"/>
+              <a:lstStyle/>
+              <a:p>
+                <a:pPr>
+                  <a:defRPr sz="1200"/>
+                </a:pPr>
+                <a:r>
+                  <a:rPr lang="en-US" sz="1200" dirty="0" err="1"/>
+                  <a:t>Vitesse</a:t>
+                </a:r>
+                <a:r>
+                  <a:rPr lang="en-US" sz="1200" dirty="0"/>
+                  <a:t> </a:t>
+                </a:r>
+              </a:p>
+              <a:p>
+                <a:pPr>
+                  <a:defRPr sz="1200"/>
+                </a:pPr>
+                <a:r>
+                  <a:rPr lang="en-US" sz="1200" dirty="0"/>
+                  <a:t>(tour</a:t>
+                </a:r>
+                <a:r>
+                  <a:rPr lang="en-US" sz="1200" baseline="30000" dirty="0"/>
+                  <a:t>-1</a:t>
+                </a:r>
+                <a:r>
+                  <a:rPr lang="en-US" sz="1200" dirty="0"/>
+                  <a:t> s</a:t>
+                </a:r>
+                <a:r>
+                  <a:rPr lang="en-US" sz="1200" baseline="30000" dirty="0"/>
+                  <a:t>-1</a:t>
+                </a:r>
+                <a:r>
+                  <a:rPr lang="en-US" sz="1200" dirty="0"/>
+                  <a:t>)</a:t>
+                </a:r>
+              </a:p>
+            </c:rich>
+          </c:tx>
+          <c:layout>
+            <c:manualLayout>
+              <c:xMode val="edge"/>
+              <c:yMode val="edge"/>
+              <c:x val="0.12674738728503043"/>
+              <c:y val="2.6340831535445405E-3"/>
+            </c:manualLayout>
+          </c:layout>
+          <c:overlay val="0"/>
+        </c:title>
+        <c:numFmt formatCode="General" sourceLinked="1"/>
+        <c:majorTickMark val="out"/>
+        <c:minorTickMark val="none"/>
+        <c:tickLblPos val="nextTo"/>
+        <c:crossAx val="1242703392"/>
+        <c:crosses val="autoZero"/>
+        <c:crossBetween val="midCat"/>
+      </c:valAx>
+    </c:plotArea>
+    <c:legend>
+      <c:legendPos val="b"/>
+      <c:layout>
+        <c:manualLayout>
+          <c:xMode val="edge"/>
+          <c:yMode val="edge"/>
+          <c:x val="0.27163182387100909"/>
+          <c:y val="0.88259190881691429"/>
+          <c:w val="0.46142980362318486"/>
+          <c:h val="4.1951246140132209E-2"/>
+        </c:manualLayout>
+      </c:layout>
+      <c:overlay val="0"/>
+    </c:legend>
+    <c:plotVisOnly val="1"/>
+    <c:dispBlanksAs val="gap"/>
+    <c:showDLblsOverMax val="0"/>
+  </c:chart>
+  <c:externalData r:id="rId1">
+    <c:autoUpdate val="0"/>
+  </c:externalData>
+</c:chartSpace>
+</file>
+
+<file path=ppt/comments/comment1.xml><?xml version="1.0" encoding="utf-8"?>
+<p:cmLst xmlns:a="http://schemas.openxmlformats.org/drawingml/2006/main" xmlns:r="http://schemas.openxmlformats.org/officeDocument/2006/relationships" xmlns:p="http://schemas.openxmlformats.org/presentationml/2006/main">
+  <p:cm authorId="2" dt="2013-02-25T15:22:56.739" idx="9">
+    <p:pos x="5075" y="217"/>
+    <p:text>DT</p:text>
+    <p:extLst>
+      <p:ext uri="{C676402C-5697-4E1C-873F-D02D1690AC5C}">
+        <p15:threadingInfo xmlns:p15="http://schemas.microsoft.com/office/powerpoint/2012/main" timeZoneBias="300"/>
+      </p:ext>
+    </p:extLst>
+  </p:cm>
+</p:cmLst>
+</file>
+
+<file path=ppt/comments/comment10.xml><?xml version="1.0" encoding="utf-8"?>
+<p:cmLst xmlns:a="http://schemas.openxmlformats.org/drawingml/2006/main" xmlns:r="http://schemas.openxmlformats.org/officeDocument/2006/relationships" xmlns:p="http://schemas.openxmlformats.org/presentationml/2006/main">
+  <p:cm authorId="2" dt="2013-02-25T17:33:39.239" idx="19">
+    <p:pos x="10" y="10"/>
+    <p:text>FV</p:text>
+    <p:extLst>
+      <p:ext uri="{C676402C-5697-4E1C-873F-D02D1690AC5C}">
+        <p15:threadingInfo xmlns:p15="http://schemas.microsoft.com/office/powerpoint/2012/main" timeZoneBias="300"/>
+      </p:ext>
+    </p:extLst>
+  </p:cm>
+</p:cmLst>
+</file>
+
+<file path=ppt/comments/comment11.xml><?xml version="1.0" encoding="utf-8"?>
+<p:cmLst xmlns:a="http://schemas.openxmlformats.org/drawingml/2006/main" xmlns:r="http://schemas.openxmlformats.org/officeDocument/2006/relationships" xmlns:p="http://schemas.openxmlformats.org/presentationml/2006/main">
+  <p:cm authorId="2" dt="2013-02-25T17:33:43.085" idx="20">
+    <p:pos x="10" y="10"/>
+    <p:text>FV</p:text>
+    <p:extLst>
+      <p:ext uri="{C676402C-5697-4E1C-873F-D02D1690AC5C}">
+        <p15:threadingInfo xmlns:p15="http://schemas.microsoft.com/office/powerpoint/2012/main" timeZoneBias="300"/>
+      </p:ext>
+    </p:extLst>
+  </p:cm>
+</p:cmLst>
+</file>
+
+<file path=ppt/comments/comment12.xml><?xml version="1.0" encoding="utf-8"?>
+<p:cmLst xmlns:a="http://schemas.openxmlformats.org/drawingml/2006/main" xmlns:r="http://schemas.openxmlformats.org/officeDocument/2006/relationships" xmlns:p="http://schemas.openxmlformats.org/presentationml/2006/main">
+  <p:cm authorId="2" dt="2013-02-25T17:33:45.918" idx="21">
+    <p:pos x="10" y="10"/>
+    <p:text>IM</p:text>
+    <p:extLst>
+      <p:ext uri="{C676402C-5697-4E1C-873F-D02D1690AC5C}">
+        <p15:threadingInfo xmlns:p15="http://schemas.microsoft.com/office/powerpoint/2012/main" timeZoneBias="300"/>
+      </p:ext>
+    </p:extLst>
+  </p:cm>
+</p:cmLst>
+</file>
+
+<file path=ppt/comments/comment13.xml><?xml version="1.0" encoding="utf-8"?>
+<p:cmLst xmlns:a="http://schemas.openxmlformats.org/drawingml/2006/main" xmlns:r="http://schemas.openxmlformats.org/officeDocument/2006/relationships" xmlns:p="http://schemas.openxmlformats.org/presentationml/2006/main">
+  <p:cm authorId="2" dt="2013-02-25T17:33:59.676" idx="22">
+    <p:pos x="10" y="10"/>
+    <p:text>IM</p:text>
+    <p:extLst>
+      <p:ext uri="{C676402C-5697-4E1C-873F-D02D1690AC5C}">
+        <p15:threadingInfo xmlns:p15="http://schemas.microsoft.com/office/powerpoint/2012/main" timeZoneBias="300"/>
+      </p:ext>
+    </p:extLst>
+  </p:cm>
+</p:cmLst>
+</file>
+
+<file path=ppt/comments/comment14.xml><?xml version="1.0" encoding="utf-8"?>
+<p:cmLst xmlns:a="http://schemas.openxmlformats.org/drawingml/2006/main" xmlns:r="http://schemas.openxmlformats.org/officeDocument/2006/relationships" xmlns:p="http://schemas.openxmlformats.org/presentationml/2006/main">
+  <p:cm authorId="2" dt="2013-02-25T17:34:04.239" idx="23">
+    <p:pos x="10" y="10"/>
+    <p:text>PB</p:text>
+    <p:extLst>
+      <p:ext uri="{C676402C-5697-4E1C-873F-D02D1690AC5C}">
+        <p15:threadingInfo xmlns:p15="http://schemas.microsoft.com/office/powerpoint/2012/main" timeZoneBias="300"/>
+      </p:ext>
+    </p:extLst>
+  </p:cm>
+</p:cmLst>
+</file>
+
+<file path=ppt/comments/comment15.xml><?xml version="1.0" encoding="utf-8"?>
+<p:cmLst xmlns:a="http://schemas.openxmlformats.org/drawingml/2006/main" xmlns:r="http://schemas.openxmlformats.org/officeDocument/2006/relationships" xmlns:p="http://schemas.openxmlformats.org/presentationml/2006/main">
+  <p:cm authorId="2" dt="2013-02-25T17:34:10.434" idx="24">
+    <p:pos x="10" y="10"/>
+    <p:text>PB</p:text>
+    <p:extLst>
+      <p:ext uri="{C676402C-5697-4E1C-873F-D02D1690AC5C}">
+        <p15:threadingInfo xmlns:p15="http://schemas.microsoft.com/office/powerpoint/2012/main" timeZoneBias="300"/>
+      </p:ext>
+    </p:extLst>
+  </p:cm>
+</p:cmLst>
+</file>
+
+<file path=ppt/comments/comment16.xml><?xml version="1.0" encoding="utf-8"?>
+<p:cmLst xmlns:a="http://schemas.openxmlformats.org/drawingml/2006/main" xmlns:r="http://schemas.openxmlformats.org/officeDocument/2006/relationships" xmlns:p="http://schemas.openxmlformats.org/presentationml/2006/main">
+  <p:cm authorId="2" dt="2013-02-25T17:34:17.441" idx="25">
+    <p:pos x="10" y="10"/>
+    <p:text>OS</p:text>
+    <p:extLst>
+      <p:ext uri="{C676402C-5697-4E1C-873F-D02D1690AC5C}">
+        <p15:threadingInfo xmlns:p15="http://schemas.microsoft.com/office/powerpoint/2012/main" timeZoneBias="300"/>
+      </p:ext>
+    </p:extLst>
+  </p:cm>
+</p:cmLst>
+</file>
+
+<file path=ppt/comments/comment17.xml><?xml version="1.0" encoding="utf-8"?>
+<p:cmLst xmlns:a="http://schemas.openxmlformats.org/drawingml/2006/main" xmlns:r="http://schemas.openxmlformats.org/officeDocument/2006/relationships" xmlns:p="http://schemas.openxmlformats.org/presentationml/2006/main">
+  <p:cm authorId="2" dt="2013-02-25T17:34:21.379" idx="26">
+    <p:pos x="10" y="10"/>
+    <p:text>OS</p:text>
+    <p:extLst>
+      <p:ext uri="{C676402C-5697-4E1C-873F-D02D1690AC5C}">
+        <p15:threadingInfo xmlns:p15="http://schemas.microsoft.com/office/powerpoint/2012/main" timeZoneBias="300"/>
+      </p:ext>
+    </p:extLst>
+  </p:cm>
+</p:cmLst>
+</file>
+
+<file path=ppt/comments/comment18.xml><?xml version="1.0" encoding="utf-8"?>
+<p:cmLst xmlns:a="http://schemas.openxmlformats.org/drawingml/2006/main" xmlns:r="http://schemas.openxmlformats.org/officeDocument/2006/relationships" xmlns:p="http://schemas.openxmlformats.org/presentationml/2006/main">
+  <p:cm authorId="2" dt="2013-02-25T17:34:25.048" idx="27">
+    <p:pos x="10" y="10"/>
+    <p:text>OS</p:text>
+    <p:extLst>
+      <p:ext uri="{C676402C-5697-4E1C-873F-D02D1690AC5C}">
+        <p15:threadingInfo xmlns:p15="http://schemas.microsoft.com/office/powerpoint/2012/main" timeZoneBias="300"/>
+      </p:ext>
+    </p:extLst>
+  </p:cm>
+</p:cmLst>
+</file>
+
+<file path=ppt/comments/comment19.xml><?xml version="1.0" encoding="utf-8"?>
+<p:cmLst xmlns:a="http://schemas.openxmlformats.org/drawingml/2006/main" xmlns:r="http://schemas.openxmlformats.org/officeDocument/2006/relationships" xmlns:p="http://schemas.openxmlformats.org/presentationml/2006/main">
+  <p:cm authorId="2" dt="2013-02-25T17:34:29.426" idx="28">
+    <p:pos x="10" y="10"/>
+    <p:text>OS</p:text>
+    <p:extLst>
+      <p:ext uri="{C676402C-5697-4E1C-873F-D02D1690AC5C}">
+        <p15:threadingInfo xmlns:p15="http://schemas.microsoft.com/office/powerpoint/2012/main" timeZoneBias="300"/>
+      </p:ext>
+    </p:extLst>
+  </p:cm>
+</p:cmLst>
+</file>
+
+<file path=ppt/comments/comment2.xml><?xml version="1.0" encoding="utf-8"?>
+<p:cmLst xmlns:a="http://schemas.openxmlformats.org/drawingml/2006/main" xmlns:r="http://schemas.openxmlformats.org/officeDocument/2006/relationships" xmlns:p="http://schemas.openxmlformats.org/presentationml/2006/main">
+  <p:cm authorId="2" dt="2013-02-25T15:23:14.966" idx="11">
+    <p:pos x="5415" y="259"/>
+    <p:text>EA</p:text>
+    <p:extLst>
+      <p:ext uri="{C676402C-5697-4E1C-873F-D02D1690AC5C}">
+        <p15:threadingInfo xmlns:p15="http://schemas.microsoft.com/office/powerpoint/2012/main" timeZoneBias="300"/>
+      </p:ext>
+    </p:extLst>
+  </p:cm>
+</p:cmLst>
+</file>
+
+<file path=ppt/comments/comment20.xml><?xml version="1.0" encoding="utf-8"?>
+<p:cmLst xmlns:a="http://schemas.openxmlformats.org/drawingml/2006/main" xmlns:r="http://schemas.openxmlformats.org/officeDocument/2006/relationships" xmlns:p="http://schemas.openxmlformats.org/presentationml/2006/main">
+  <p:cm authorId="2" dt="2013-02-25T17:34:35.435" idx="29">
+    <p:pos x="10" y="10"/>
+    <p:text>PB</p:text>
+    <p:extLst>
+      <p:ext uri="{C676402C-5697-4E1C-873F-D02D1690AC5C}">
+        <p15:threadingInfo xmlns:p15="http://schemas.microsoft.com/office/powerpoint/2012/main" timeZoneBias="300"/>
+      </p:ext>
+    </p:extLst>
+  </p:cm>
+</p:cmLst>
+</file>
+
+<file path=ppt/comments/comment21.xml><?xml version="1.0" encoding="utf-8"?>
+<p:cmLst xmlns:a="http://schemas.openxmlformats.org/drawingml/2006/main" xmlns:r="http://schemas.openxmlformats.org/officeDocument/2006/relationships" xmlns:p="http://schemas.openxmlformats.org/presentationml/2006/main">
+  <p:cm authorId="2" dt="2013-02-25T17:34:38.421" idx="30">
+    <p:pos x="10" y="10"/>
+    <p:text>DF</p:text>
+    <p:extLst>
+      <p:ext uri="{C676402C-5697-4E1C-873F-D02D1690AC5C}">
+        <p15:threadingInfo xmlns:p15="http://schemas.microsoft.com/office/powerpoint/2012/main" timeZoneBias="300"/>
+      </p:ext>
+    </p:extLst>
+  </p:cm>
+</p:cmLst>
+</file>
+
+<file path=ppt/comments/comment22.xml><?xml version="1.0" encoding="utf-8"?>
+<p:cmLst xmlns:a="http://schemas.openxmlformats.org/drawingml/2006/main" xmlns:r="http://schemas.openxmlformats.org/officeDocument/2006/relationships" xmlns:p="http://schemas.openxmlformats.org/presentationml/2006/main">
+  <p:cm authorId="2" dt="2013-02-25T17:34:44.480" idx="31">
+    <p:pos x="10" y="10"/>
+    <p:text>DF</p:text>
+    <p:extLst>
+      <p:ext uri="{C676402C-5697-4E1C-873F-D02D1690AC5C}">
+        <p15:threadingInfo xmlns:p15="http://schemas.microsoft.com/office/powerpoint/2012/main" timeZoneBias="300"/>
+      </p:ext>
+    </p:extLst>
+  </p:cm>
+</p:cmLst>
+</file>
+
+<file path=ppt/comments/comment23.xml><?xml version="1.0" encoding="utf-8"?>
+<p:cmLst xmlns:a="http://schemas.openxmlformats.org/drawingml/2006/main" xmlns:r="http://schemas.openxmlformats.org/officeDocument/2006/relationships" xmlns:p="http://schemas.openxmlformats.org/presentationml/2006/main">
+  <p:cm authorId="2" dt="2013-02-25T17:34:46.813" idx="32">
+    <p:pos x="10" y="10"/>
+    <p:text>PB</p:text>
+    <p:extLst>
+      <p:ext uri="{C676402C-5697-4E1C-873F-D02D1690AC5C}">
+        <p15:threadingInfo xmlns:p15="http://schemas.microsoft.com/office/powerpoint/2012/main" timeZoneBias="300"/>
+      </p:ext>
+    </p:extLst>
+  </p:cm>
+</p:cmLst>
+</file>
+
+<file path=ppt/comments/comment3.xml><?xml version="1.0" encoding="utf-8"?>
+<p:cmLst xmlns:a="http://schemas.openxmlformats.org/drawingml/2006/main" xmlns:r="http://schemas.openxmlformats.org/officeDocument/2006/relationships" xmlns:p="http://schemas.openxmlformats.org/presentationml/2006/main">
+  <p:cm authorId="2" dt="2013-02-25T15:23:39.582" idx="12">
+    <p:pos x="5272" y="257"/>
+    <p:text>EA</p:text>
+    <p:extLst>
+      <p:ext uri="{C676402C-5697-4E1C-873F-D02D1690AC5C}">
+        <p15:threadingInfo xmlns:p15="http://schemas.microsoft.com/office/powerpoint/2012/main" timeZoneBias="300"/>
+      </p:ext>
+    </p:extLst>
+  </p:cm>
+</p:cmLst>
+</file>
+
+<file path=ppt/comments/comment4.xml><?xml version="1.0" encoding="utf-8"?>
+<p:cmLst xmlns:a="http://schemas.openxmlformats.org/drawingml/2006/main" xmlns:r="http://schemas.openxmlformats.org/officeDocument/2006/relationships" xmlns:p="http://schemas.openxmlformats.org/presentationml/2006/main">
+  <p:cm authorId="2" dt="2013-02-25T15:23:48.031" idx="13">
+    <p:pos x="5325" y="242"/>
+    <p:text>EA</p:text>
+    <p:extLst>
+      <p:ext uri="{C676402C-5697-4E1C-873F-D02D1690AC5C}">
+        <p15:threadingInfo xmlns:p15="http://schemas.microsoft.com/office/powerpoint/2012/main" timeZoneBias="300"/>
+      </p:ext>
+    </p:extLst>
+  </p:cm>
+</p:cmLst>
+</file>
+
+<file path=ppt/comments/comment5.xml><?xml version="1.0" encoding="utf-8"?>
+<p:cmLst xmlns:a="http://schemas.openxmlformats.org/drawingml/2006/main" xmlns:r="http://schemas.openxmlformats.org/officeDocument/2006/relationships" xmlns:p="http://schemas.openxmlformats.org/presentationml/2006/main">
+  <p:cm authorId="2" dt="2013-02-25T15:23:57.751" idx="14">
+    <p:pos x="5376" y="260"/>
+    <p:text>EA</p:text>
+    <p:extLst>
+      <p:ext uri="{C676402C-5697-4E1C-873F-D02D1690AC5C}">
+        <p15:threadingInfo xmlns:p15="http://schemas.microsoft.com/office/powerpoint/2012/main" timeZoneBias="300"/>
+      </p:ext>
+    </p:extLst>
+  </p:cm>
+</p:cmLst>
+</file>
+
+<file path=ppt/comments/comment6.xml><?xml version="1.0" encoding="utf-8"?>
+<p:cmLst xmlns:a="http://schemas.openxmlformats.org/drawingml/2006/main" xmlns:r="http://schemas.openxmlformats.org/officeDocument/2006/relationships" xmlns:p="http://schemas.openxmlformats.org/presentationml/2006/main">
+  <p:cm authorId="2" dt="2013-02-25T15:24:27.253" idx="15">
+    <p:pos x="5377" y="234"/>
+    <p:text>PLB</p:text>
+    <p:extLst>
+      <p:ext uri="{C676402C-5697-4E1C-873F-D02D1690AC5C}">
+        <p15:threadingInfo xmlns:p15="http://schemas.microsoft.com/office/powerpoint/2012/main" timeZoneBias="300"/>
+      </p:ext>
+    </p:extLst>
+  </p:cm>
+</p:cmLst>
+</file>
+
+<file path=ppt/comments/comment7.xml><?xml version="1.0" encoding="utf-8"?>
+<p:cmLst xmlns:a="http://schemas.openxmlformats.org/drawingml/2006/main" xmlns:r="http://schemas.openxmlformats.org/officeDocument/2006/relationships" xmlns:p="http://schemas.openxmlformats.org/presentationml/2006/main">
+  <p:cm authorId="2" dt="2013-02-25T15:24:40.609" idx="16">
+    <p:pos x="5313" y="235"/>
+    <p:text>PLB</p:text>
+    <p:extLst>
+      <p:ext uri="{C676402C-5697-4E1C-873F-D02D1690AC5C}">
+        <p15:threadingInfo xmlns:p15="http://schemas.microsoft.com/office/powerpoint/2012/main" timeZoneBias="300"/>
+      </p:ext>
+    </p:extLst>
+  </p:cm>
+</p:cmLst>
+</file>
+
+<file path=ppt/comments/comment8.xml><?xml version="1.0" encoding="utf-8"?>
+<p:cmLst xmlns:a="http://schemas.openxmlformats.org/drawingml/2006/main" xmlns:r="http://schemas.openxmlformats.org/officeDocument/2006/relationships" xmlns:p="http://schemas.openxmlformats.org/presentationml/2006/main">
+  <p:cm authorId="2" dt="2013-02-25T15:24:48.258" idx="17">
+    <p:pos x="5307" y="248"/>
+    <p:text>DT</p:text>
+    <p:extLst>
+      <p:ext uri="{C676402C-5697-4E1C-873F-D02D1690AC5C}">
+        <p15:threadingInfo xmlns:p15="http://schemas.microsoft.com/office/powerpoint/2012/main" timeZoneBias="300"/>
+      </p:ext>
+    </p:extLst>
+  </p:cm>
+</p:cmLst>
+</file>
+
+<file path=ppt/comments/comment9.xml><?xml version="1.0" encoding="utf-8"?>
+<p:cmLst xmlns:a="http://schemas.openxmlformats.org/drawingml/2006/main" xmlns:r="http://schemas.openxmlformats.org/officeDocument/2006/relationships" xmlns:p="http://schemas.openxmlformats.org/presentationml/2006/main">
+  <p:cm authorId="2" dt="2013-02-25T15:24:57.450" idx="18">
+    <p:pos x="5426" y="260"/>
+    <p:text>DT</p:text>
+    <p:extLst>
+      <p:ext uri="{C676402C-5697-4E1C-873F-D02D1690AC5C}">
+        <p15:threadingInfo xmlns:p15="http://schemas.microsoft.com/office/powerpoint/2012/main" timeZoneBias="300"/>
+      </p:ext>
+    </p:extLst>
+  </p:cm>
+</p:cmLst>
 </file>
 
 <file path=ppt/handoutMasters/handoutMaster1.xml><?xml version="1.0" encoding="utf-8"?>
@@ -213,7 +1206,7 @@
             <a:fld id="{381DA2EF-BD8E-7540-8292-FDE805AE340C}" type="datetimeFigureOut">
               <a:rPr lang="en-US" smtClean="0"/>
               <a:pPr/>
-              <a:t>2013-02-13</a:t>
+              <a:t>2/25/2013</a:t>
             </a:fld>
             <a:endParaRPr lang="en-US"/>
           </a:p>
@@ -380,7 +1373,7 @@
             <a:fld id="{2D05A41B-3834-2942-A655-D365844A6823}" type="datetimeFigureOut">
               <a:rPr lang="en-US" smtClean="0"/>
               <a:pPr/>
-              <a:t>2013-02-13</a:t>
+              <a:t>2/25/2013</a:t>
             </a:fld>
             <a:endParaRPr lang="en-US"/>
           </a:p>
@@ -869,7 +1862,7 @@
             <a:fld id="{1B7D6F30-1720-D44A-AAAC-31BBD1F6EF97}" type="datetimeFigureOut">
               <a:rPr lang="en-US" smtClean="0"/>
               <a:pPr/>
-              <a:t>2013-02-13</a:t>
+              <a:t>2/25/2013</a:t>
             </a:fld>
             <a:endParaRPr lang="en-US"/>
           </a:p>
@@ -1200,7 +2193,7 @@
             <a:fld id="{1B7D6F30-1720-D44A-AAAC-31BBD1F6EF97}" type="datetimeFigureOut">
               <a:rPr lang="en-US" smtClean="0"/>
               <a:pPr/>
-              <a:t>2013-02-13</a:t>
+              <a:t>2/25/2013</a:t>
             </a:fld>
             <a:endParaRPr lang="en-US"/>
           </a:p>
@@ -1487,7 +2480,7 @@
             <a:fld id="{1B7D6F30-1720-D44A-AAAC-31BBD1F6EF97}" type="datetimeFigureOut">
               <a:rPr lang="en-US" smtClean="0"/>
               <a:pPr/>
-              <a:t>2013-02-13</a:t>
+              <a:t>2/25/2013</a:t>
             </a:fld>
             <a:endParaRPr lang="en-US"/>
           </a:p>
@@ -1790,7 +2783,7 @@
             <a:fld id="{1B7D6F30-1720-D44A-AAAC-31BBD1F6EF97}" type="datetimeFigureOut">
               <a:rPr lang="en-US" smtClean="0"/>
               <a:pPr/>
-              <a:t>2013-02-13</a:t>
+              <a:t>2/25/2013</a:t>
             </a:fld>
             <a:endParaRPr lang="en-US"/>
           </a:p>
@@ -2128,7 +3121,7 @@
             <a:fld id="{1B7D6F30-1720-D44A-AAAC-31BBD1F6EF97}" type="datetimeFigureOut">
               <a:rPr lang="en-US" smtClean="0"/>
               <a:pPr/>
-              <a:t>2013-02-13</a:t>
+              <a:t>2/25/2013</a:t>
             </a:fld>
             <a:endParaRPr lang="en-US"/>
           </a:p>
@@ -2388,7 +3381,7 @@
             <a:fld id="{1B7D6F30-1720-D44A-AAAC-31BBD1F6EF97}" type="datetimeFigureOut">
               <a:rPr lang="en-US" smtClean="0"/>
               <a:pPr/>
-              <a:t>2013-02-13</a:t>
+              <a:t>2/25/2013</a:t>
             </a:fld>
             <a:endParaRPr lang="en-US"/>
           </a:p>
@@ -2577,7 +3570,7 @@
             <a:fld id="{1B7D6F30-1720-D44A-AAAC-31BBD1F6EF97}" type="datetimeFigureOut">
               <a:rPr lang="en-US" smtClean="0"/>
               <a:pPr/>
-              <a:t>2013-02-13</a:t>
+              <a:t>2/25/2013</a:t>
             </a:fld>
             <a:endParaRPr lang="en-US"/>
           </a:p>
@@ -2761,7 +3754,7 @@
             <a:fld id="{1B7D6F30-1720-D44A-AAAC-31BBD1F6EF97}" type="datetimeFigureOut">
               <a:rPr lang="en-US" smtClean="0"/>
               <a:pPr/>
-              <a:t>2013-02-13</a:t>
+              <a:t>2/25/2013</a:t>
             </a:fld>
             <a:endParaRPr lang="en-US"/>
           </a:p>
@@ -3040,7 +4033,7 @@
             <a:fld id="{1B7D6F30-1720-D44A-AAAC-31BBD1F6EF97}" type="datetimeFigureOut">
               <a:rPr lang="en-US" smtClean="0"/>
               <a:pPr/>
-              <a:t>2013-02-13</a:t>
+              <a:t>2/25/2013</a:t>
             </a:fld>
             <a:endParaRPr lang="en-US"/>
           </a:p>
@@ -3356,7 +4349,7 @@
             <a:fld id="{1B7D6F30-1720-D44A-AAAC-31BBD1F6EF97}" type="datetimeFigureOut">
               <a:rPr lang="en-US" smtClean="0"/>
               <a:pPr/>
-              <a:t>2013-02-13</a:t>
+              <a:t>2/25/2013</a:t>
             </a:fld>
             <a:endParaRPr lang="en-US"/>
           </a:p>
@@ -3658,7 +4651,7 @@
             <a:fld id="{1B7D6F30-1720-D44A-AAAC-31BBD1F6EF97}" type="datetimeFigureOut">
               <a:rPr lang="en-US" smtClean="0"/>
               <a:pPr/>
-              <a:t>2013-02-13</a:t>
+              <a:t>2/25/2013</a:t>
             </a:fld>
             <a:endParaRPr lang="en-US"/>
           </a:p>
@@ -4098,7 +5091,7 @@
             <a:fld id="{1B7D6F30-1720-D44A-AAAC-31BBD1F6EF97}" type="datetimeFigureOut">
               <a:rPr lang="en-US" smtClean="0"/>
               <a:pPr/>
-              <a:t>2013-02-13</a:t>
+              <a:t>2/25/2013</a:t>
             </a:fld>
             <a:endParaRPr lang="en-US"/>
           </a:p>
@@ -4454,7 +5447,7 @@
             <a:fld id="{1B7D6F30-1720-D44A-AAAC-31BBD1F6EF97}" type="datetimeFigureOut">
               <a:rPr lang="en-US" smtClean="0"/>
               <a:pPr/>
-              <a:t>2013-02-13</a:t>
+              <a:t>2/25/2013</a:t>
             </a:fld>
             <a:endParaRPr lang="en-US"/>
           </a:p>
@@ -4554,7 +5547,7 @@
             <a:fld id="{1B7D6F30-1720-D44A-AAAC-31BBD1F6EF97}" type="datetimeFigureOut">
               <a:rPr lang="en-US" smtClean="0"/>
               <a:pPr/>
-              <a:t>2013-02-13</a:t>
+              <a:t>2/25/2013</a:t>
             </a:fld>
             <a:endParaRPr lang="en-US"/>
           </a:p>
@@ -4901,7 +5894,7 @@
             <a:fld id="{1B7D6F30-1720-D44A-AAAC-31BBD1F6EF97}" type="datetimeFigureOut">
               <a:rPr lang="en-US" smtClean="0"/>
               <a:pPr/>
-              <a:t>2013-02-13</a:t>
+              <a:t>2/25/2013</a:t>
             </a:fld>
             <a:endParaRPr lang="en-US"/>
           </a:p>
@@ -5123,7 +6116,7 @@
             <a:fld id="{1B7D6F30-1720-D44A-AAAC-31BBD1F6EF97}" type="datetimeFigureOut">
               <a:rPr lang="en-US" smtClean="0"/>
               <a:pPr/>
-              <a:t>2013-02-13</a:t>
+              <a:t>2/25/2013</a:t>
             </a:fld>
             <a:endParaRPr lang="en-US"/>
           </a:p>
@@ -5676,6 +6669,9 @@
           </p:cNvSpPr>
           <p:nvPr>
             <p:ph type="ctrTitle"/>
+            <p:custDataLst>
+              <p:tags r:id="rId1"/>
+            </p:custDataLst>
           </p:nvPr>
         </p:nvSpPr>
         <p:spPr>
@@ -5708,6 +6704,9 @@
           </p:cNvSpPr>
           <p:nvPr>
             <p:ph type="subTitle" idx="1"/>
+            <p:custDataLst>
+              <p:tags r:id="rId2"/>
+            </p:custDataLst>
           </p:nvPr>
         </p:nvSpPr>
         <p:spPr>
@@ -5770,7 +6769,6 @@
               <a:rPr lang="en-US" dirty="0" smtClean="0"/>
               <a:t>Diane Fournier</a:t>
             </a:r>
-            <a:endParaRPr lang="en-US" dirty="0" smtClean="0"/>
           </a:p>
           <a:p>
             <a:pPr marL="285750" indent="-285750">
@@ -5800,7 +6798,6 @@
               <a:rPr lang="en-US" dirty="0" smtClean="0"/>
               <a:t>Olivier Sylvain</a:t>
             </a:r>
-            <a:endParaRPr lang="en-US" dirty="0" smtClean="0"/>
           </a:p>
           <a:p>
             <a:pPr marL="285750" indent="-285750">
@@ -5826,7 +6823,6 @@
               <a:rPr lang="en-US" dirty="0" smtClean="0"/>
               <a:t>Francis Valois</a:t>
             </a:r>
-            <a:endParaRPr lang="en-US" dirty="0" smtClean="0"/>
           </a:p>
         </p:txBody>
       </p:sp>
@@ -5851,7 +6847,2869 @@
   <p:timing>
     <p:tnLst>
       <p:par>
-        <p:cTn xmlns:p14="http://schemas.microsoft.com/office/powerpoint/2010/main" id="1" dur="indefinite" restart="never" nodeType="tmRoot"/>
+        <p:cTn id="1" dur="indefinite" restart="never" nodeType="tmRoot"/>
+      </p:par>
+    </p:tnLst>
+  </p:timing>
+</p:sld>
+</file>
+
+<file path=ppt/slides/slide10.xml><?xml version="1.0" encoding="utf-8"?>
+<p:sld xmlns:a="http://schemas.openxmlformats.org/drawingml/2006/main" xmlns:r="http://schemas.openxmlformats.org/officeDocument/2006/relationships" xmlns:p="http://schemas.openxmlformats.org/presentationml/2006/main">
+  <p:cSld>
+    <p:spTree>
+      <p:nvGrpSpPr>
+        <p:cNvPr id="1" name=""/>
+        <p:cNvGrpSpPr/>
+        <p:nvPr/>
+      </p:nvGrpSpPr>
+      <p:grpSpPr>
+        <a:xfrm>
+          <a:off x="0" y="0"/>
+          <a:ext cx="0" cy="0"/>
+          <a:chOff x="0" y="0"/>
+          <a:chExt cx="0" cy="0"/>
+        </a:xfrm>
+      </p:grpSpPr>
+      <p:sp>
+        <p:nvSpPr>
+          <p:cNvPr id="2" name="Titre 1"/>
+          <p:cNvSpPr>
+            <a:spLocks noGrp="1"/>
+          </p:cNvSpPr>
+          <p:nvPr>
+            <p:ph type="title"/>
+            <p:custDataLst>
+              <p:tags r:id="rId1"/>
+            </p:custDataLst>
+          </p:nvPr>
+        </p:nvSpPr>
+        <p:spPr/>
+        <p:txBody>
+          <a:bodyPr>
+            <a:normAutofit/>
+          </a:bodyPr>
+          <a:lstStyle/>
+          <a:p>
+            <a:r>
+              <a:rPr lang="en-CA" dirty="0" err="1" smtClean="0"/>
+              <a:t>Commandes</a:t>
+            </a:r>
+            <a:r>
+              <a:rPr lang="en-CA" dirty="0" smtClean="0"/>
+              <a:t> aux </a:t>
+            </a:r>
+            <a:r>
+              <a:rPr lang="en-CA" dirty="0" err="1" smtClean="0"/>
+              <a:t>moteurs</a:t>
+            </a:r>
+            <a:endParaRPr lang="fr-FR" dirty="0"/>
+          </a:p>
+        </p:txBody>
+      </p:sp>
+      <p:sp>
+        <p:nvSpPr>
+          <p:cNvPr id="3" name="Espace réservé du contenu 2"/>
+          <p:cNvSpPr>
+            <a:spLocks noGrp="1"/>
+          </p:cNvSpPr>
+          <p:nvPr>
+            <p:ph idx="1"/>
+            <p:custDataLst>
+              <p:tags r:id="rId2"/>
+            </p:custDataLst>
+          </p:nvPr>
+        </p:nvSpPr>
+        <p:spPr>
+          <a:xfrm>
+            <a:off x="1167160" y="1692418"/>
+            <a:ext cx="7664605" cy="4833073"/>
+          </a:xfrm>
+        </p:spPr>
+        <p:txBody>
+          <a:bodyPr>
+            <a:normAutofit fontScale="85000" lnSpcReduction="10000"/>
+          </a:bodyPr>
+          <a:lstStyle/>
+          <a:p>
+            <a:pPr marL="0" indent="0">
+              <a:lnSpc>
+                <a:spcPct val="160000"/>
+              </a:lnSpc>
+              <a:buNone/>
+            </a:pPr>
+            <a:r>
+              <a:rPr lang="en-CA" b="1" dirty="0" err="1" smtClean="0"/>
+              <a:t>Commandes</a:t>
+            </a:r>
+            <a:r>
+              <a:rPr lang="en-CA" b="1" dirty="0" smtClean="0"/>
+              <a:t> </a:t>
+            </a:r>
+            <a:r>
+              <a:rPr lang="en-CA" b="1" dirty="0" err="1" smtClean="0"/>
+              <a:t>robustes</a:t>
+            </a:r>
+            <a:r>
+              <a:rPr lang="en-CA" b="1" dirty="0" smtClean="0"/>
+              <a:t> </a:t>
+            </a:r>
+            <a:r>
+              <a:rPr lang="en-CA" b="1" dirty="0" err="1"/>
+              <a:t>t</a:t>
+            </a:r>
+            <a:r>
+              <a:rPr lang="en-CA" b="1" dirty="0" err="1" smtClean="0"/>
+              <a:t>ransmises</a:t>
+            </a:r>
+            <a:r>
+              <a:rPr lang="en-CA" b="1" dirty="0" smtClean="0"/>
+              <a:t> par le </a:t>
+            </a:r>
+            <a:r>
+              <a:rPr lang="en-CA" b="1" dirty="0" err="1" smtClean="0"/>
+              <a:t>microcontrôleur</a:t>
+            </a:r>
+            <a:endParaRPr lang="en-CA" dirty="0" smtClean="0"/>
+          </a:p>
+          <a:p>
+            <a:pPr>
+              <a:lnSpc>
+                <a:spcPct val="160000"/>
+              </a:lnSpc>
+            </a:pPr>
+            <a:r>
+              <a:rPr lang="en-CA" dirty="0" err="1" smtClean="0"/>
+              <a:t>Asservissement</a:t>
+            </a:r>
+            <a:r>
+              <a:rPr lang="en-CA" dirty="0" smtClean="0"/>
+              <a:t> en </a:t>
+            </a:r>
+            <a:r>
+              <a:rPr lang="en-CA" dirty="0" err="1" smtClean="0"/>
+              <a:t>vitesse</a:t>
+            </a:r>
+            <a:endParaRPr lang="en-CA" dirty="0" smtClean="0"/>
+          </a:p>
+          <a:p>
+            <a:pPr lvl="1">
+              <a:lnSpc>
+                <a:spcPct val="160000"/>
+              </a:lnSpc>
+            </a:pPr>
+            <a:r>
+              <a:rPr lang="en-CA" dirty="0" smtClean="0"/>
+              <a:t>Synchronisation </a:t>
+            </a:r>
+            <a:r>
+              <a:rPr lang="en-CA" dirty="0" smtClean="0"/>
+              <a:t>des </a:t>
+            </a:r>
+            <a:r>
+              <a:rPr lang="en-CA" dirty="0" err="1" smtClean="0"/>
+              <a:t>roues</a:t>
+            </a:r>
+            <a:endParaRPr lang="en-CA" dirty="0" smtClean="0"/>
+          </a:p>
+          <a:p>
+            <a:pPr lvl="1">
+              <a:lnSpc>
+                <a:spcPct val="160000"/>
+              </a:lnSpc>
+            </a:pPr>
+            <a:r>
+              <a:rPr lang="en-CA" dirty="0" err="1" smtClean="0"/>
+              <a:t>Ajustement</a:t>
+            </a:r>
+            <a:r>
+              <a:rPr lang="en-CA" dirty="0" smtClean="0"/>
+              <a:t> de la </a:t>
+            </a:r>
+            <a:r>
+              <a:rPr lang="en-CA" dirty="0" err="1" smtClean="0"/>
+              <a:t>consigne</a:t>
+            </a:r>
+            <a:r>
+              <a:rPr lang="en-CA" dirty="0" smtClean="0"/>
+              <a:t> </a:t>
+            </a:r>
+            <a:r>
+              <a:rPr lang="en-CA" dirty="0" err="1" smtClean="0"/>
+              <a:t>selon</a:t>
+            </a:r>
+            <a:r>
+              <a:rPr lang="en-CA" dirty="0" smtClean="0"/>
+              <a:t> la position pour limiter les </a:t>
+            </a:r>
+            <a:r>
+              <a:rPr lang="en-CA" dirty="0" err="1" smtClean="0"/>
+              <a:t>dépassements</a:t>
+            </a:r>
+            <a:endParaRPr lang="en-CA" dirty="0" smtClean="0"/>
+          </a:p>
+          <a:p>
+            <a:pPr>
+              <a:lnSpc>
+                <a:spcPct val="160000"/>
+              </a:lnSpc>
+            </a:pPr>
+            <a:r>
+              <a:rPr lang="en-CA" dirty="0" err="1" smtClean="0"/>
+              <a:t>Fréquence</a:t>
+            </a:r>
+            <a:r>
+              <a:rPr lang="en-CA" dirty="0" smtClean="0"/>
+              <a:t> </a:t>
+            </a:r>
+            <a:r>
+              <a:rPr lang="en-CA" dirty="0" err="1" smtClean="0"/>
+              <a:t>adéquate</a:t>
+            </a:r>
+            <a:r>
+              <a:rPr lang="en-CA" dirty="0" smtClean="0"/>
+              <a:t> de </a:t>
+            </a:r>
+            <a:r>
+              <a:rPr lang="en-CA" dirty="0" err="1" smtClean="0"/>
+              <a:t>l’asservissement</a:t>
+            </a:r>
+            <a:endParaRPr lang="en-CA" dirty="0" smtClean="0"/>
+          </a:p>
+          <a:p>
+            <a:pPr lvl="1">
+              <a:lnSpc>
+                <a:spcPct val="160000"/>
+              </a:lnSpc>
+            </a:pPr>
+            <a:r>
+              <a:rPr lang="en-CA" dirty="0" smtClean="0"/>
+              <a:t>Utilisation </a:t>
+            </a:r>
+            <a:r>
+              <a:rPr lang="en-CA" dirty="0" err="1" smtClean="0"/>
+              <a:t>d’une</a:t>
+            </a:r>
+            <a:r>
+              <a:rPr lang="en-CA" dirty="0" smtClean="0"/>
+              <a:t> </a:t>
+            </a:r>
+            <a:r>
+              <a:rPr lang="en-CA" dirty="0" err="1" smtClean="0"/>
+              <a:t>minuterie</a:t>
+            </a:r>
+            <a:r>
+              <a:rPr lang="en-CA" dirty="0" smtClean="0"/>
+              <a:t> </a:t>
+            </a:r>
+            <a:r>
+              <a:rPr lang="en-CA" dirty="0" err="1" smtClean="0"/>
+              <a:t>périodique</a:t>
+            </a:r>
+            <a:endParaRPr lang="en-CA" dirty="0" smtClean="0"/>
+          </a:p>
+          <a:p>
+            <a:pPr lvl="1">
+              <a:lnSpc>
+                <a:spcPct val="160000"/>
+              </a:lnSpc>
+            </a:pPr>
+            <a:r>
+              <a:rPr lang="en-CA" dirty="0" err="1" smtClean="0"/>
+              <a:t>Dois</a:t>
+            </a:r>
+            <a:r>
+              <a:rPr lang="en-CA" dirty="0" smtClean="0"/>
+              <a:t> </a:t>
+            </a:r>
+            <a:r>
+              <a:rPr lang="en-CA" dirty="0" smtClean="0"/>
+              <a:t>respecter </a:t>
+            </a:r>
+            <a:r>
+              <a:rPr lang="en-CA" dirty="0" err="1" smtClean="0"/>
+              <a:t>certaines</a:t>
+            </a:r>
+            <a:r>
+              <a:rPr lang="en-CA" dirty="0" smtClean="0"/>
+              <a:t> </a:t>
+            </a:r>
+            <a:r>
+              <a:rPr lang="en-CA" dirty="0" err="1" smtClean="0"/>
+              <a:t>contraintes</a:t>
+            </a:r>
+            <a:r>
+              <a:rPr lang="en-CA" dirty="0" smtClean="0"/>
+              <a:t> de temps </a:t>
+            </a:r>
+            <a:r>
+              <a:rPr lang="en-CA" dirty="0" err="1" smtClean="0"/>
+              <a:t>d’exécution</a:t>
+            </a:r>
+            <a:r>
+              <a:rPr lang="en-CA" dirty="0" smtClean="0"/>
+              <a:t> et de </a:t>
+            </a:r>
+            <a:r>
+              <a:rPr lang="en-CA" dirty="0" err="1" smtClean="0"/>
+              <a:t>précision</a:t>
+            </a:r>
+            <a:endParaRPr lang="en-CA" dirty="0" smtClean="0"/>
+          </a:p>
+          <a:p>
+            <a:pPr lvl="1">
+              <a:lnSpc>
+                <a:spcPct val="160000"/>
+              </a:lnSpc>
+            </a:pPr>
+            <a:r>
+              <a:rPr lang="en-CA" dirty="0" smtClean="0"/>
+              <a:t>Limiter les </a:t>
+            </a:r>
+            <a:r>
+              <a:rPr lang="en-CA" dirty="0" err="1" smtClean="0"/>
+              <a:t>changements</a:t>
+            </a:r>
+            <a:r>
+              <a:rPr lang="en-CA" dirty="0" smtClean="0"/>
+              <a:t> </a:t>
+            </a:r>
+            <a:r>
+              <a:rPr lang="en-CA" dirty="0" err="1" smtClean="0"/>
+              <a:t>brusques</a:t>
+            </a:r>
+            <a:r>
+              <a:rPr lang="en-CA" dirty="0" smtClean="0"/>
+              <a:t> de </a:t>
+            </a:r>
+            <a:r>
+              <a:rPr lang="en-CA" dirty="0" err="1" smtClean="0"/>
+              <a:t>commandes</a:t>
+            </a:r>
+            <a:endParaRPr lang="en-CA" dirty="0" smtClean="0"/>
+          </a:p>
+          <a:p>
+            <a:pPr lvl="2">
+              <a:lnSpc>
+                <a:spcPct val="160000"/>
+              </a:lnSpc>
+            </a:pPr>
+            <a:r>
+              <a:rPr lang="en-CA" dirty="0" err="1" smtClean="0"/>
+              <a:t>Tienir</a:t>
+            </a:r>
+            <a:r>
+              <a:rPr lang="en-CA" dirty="0" smtClean="0"/>
+              <a:t> </a:t>
+            </a:r>
+            <a:r>
+              <a:rPr lang="en-CA" dirty="0" err="1" smtClean="0"/>
+              <a:t>compte</a:t>
+            </a:r>
+            <a:r>
+              <a:rPr lang="en-CA" dirty="0" smtClean="0"/>
+              <a:t> du temps de </a:t>
+            </a:r>
+            <a:r>
+              <a:rPr lang="en-CA" dirty="0" err="1" smtClean="0"/>
+              <a:t>réponse</a:t>
+            </a:r>
+            <a:r>
+              <a:rPr lang="en-CA" dirty="0" smtClean="0"/>
+              <a:t> des </a:t>
+            </a:r>
+            <a:r>
+              <a:rPr lang="en-CA" dirty="0" err="1" smtClean="0"/>
+              <a:t>moteurs</a:t>
+            </a:r>
+            <a:endParaRPr lang="en-CA" dirty="0"/>
+          </a:p>
+        </p:txBody>
+      </p:sp>
+    </p:spTree>
+    <p:extLst>
+      <p:ext uri="{BB962C8B-B14F-4D97-AF65-F5344CB8AC3E}">
+        <p14:creationId xmlns:p14="http://schemas.microsoft.com/office/powerpoint/2010/main" val="2111505387"/>
+      </p:ext>
+    </p:extLst>
+  </p:cSld>
+  <p:clrMapOvr>
+    <a:masterClrMapping/>
+  </p:clrMapOvr>
+  <mc:AlternateContent xmlns:mc="http://schemas.openxmlformats.org/markup-compatibility/2006" xmlns:p14="http://schemas.microsoft.com/office/powerpoint/2010/main">
+    <mc:Choice Requires="p14">
+      <p:transition p14:dur="0"/>
+    </mc:Choice>
+    <mc:Fallback xmlns="">
+      <p:transition/>
+    </mc:Fallback>
+  </mc:AlternateContent>
+  <p:timing>
+    <p:tnLst>
+      <p:par>
+        <p:cTn id="1" dur="indefinite" restart="never" nodeType="tmRoot"/>
+      </p:par>
+    </p:tnLst>
+  </p:timing>
+</p:sld>
+</file>
+
+<file path=ppt/slides/slide11.xml><?xml version="1.0" encoding="utf-8"?>
+<p:sld xmlns:a="http://schemas.openxmlformats.org/drawingml/2006/main" xmlns:r="http://schemas.openxmlformats.org/officeDocument/2006/relationships" xmlns:p="http://schemas.openxmlformats.org/presentationml/2006/main">
+  <p:cSld>
+    <p:spTree>
+      <p:nvGrpSpPr>
+        <p:cNvPr id="1" name=""/>
+        <p:cNvGrpSpPr/>
+        <p:nvPr/>
+      </p:nvGrpSpPr>
+      <p:grpSpPr>
+        <a:xfrm>
+          <a:off x="0" y="0"/>
+          <a:ext cx="0" cy="0"/>
+          <a:chOff x="0" y="0"/>
+          <a:chExt cx="0" cy="0"/>
+        </a:xfrm>
+      </p:grpSpPr>
+      <p:sp>
+        <p:nvSpPr>
+          <p:cNvPr id="2" name="Titre 1"/>
+          <p:cNvSpPr>
+            <a:spLocks noGrp="1"/>
+          </p:cNvSpPr>
+          <p:nvPr>
+            <p:ph type="title"/>
+            <p:custDataLst>
+              <p:tags r:id="rId1"/>
+            </p:custDataLst>
+          </p:nvPr>
+        </p:nvSpPr>
+        <p:spPr/>
+        <p:txBody>
+          <a:bodyPr>
+            <a:normAutofit fontScale="90000"/>
+          </a:bodyPr>
+          <a:lstStyle/>
+          <a:p>
+            <a:r>
+              <a:rPr lang="fr-FR" dirty="0" smtClean="0"/>
+              <a:t>Asservissement des roues côté électronique</a:t>
+            </a:r>
+            <a:endParaRPr lang="fr-FR" dirty="0"/>
+          </a:p>
+        </p:txBody>
+      </p:sp>
+      <p:sp>
+        <p:nvSpPr>
+          <p:cNvPr id="3" name="Espace réservé du contenu 2"/>
+          <p:cNvSpPr>
+            <a:spLocks noGrp="1"/>
+          </p:cNvSpPr>
+          <p:nvPr>
+            <p:ph idx="1"/>
+            <p:custDataLst>
+              <p:tags r:id="rId2"/>
+            </p:custDataLst>
+          </p:nvPr>
+        </p:nvSpPr>
+        <p:spPr>
+          <a:xfrm>
+            <a:off x="1129989" y="1881187"/>
+            <a:ext cx="6709085" cy="4357688"/>
+          </a:xfrm>
+        </p:spPr>
+        <p:txBody>
+          <a:bodyPr>
+            <a:normAutofit fontScale="92500"/>
+          </a:bodyPr>
+          <a:lstStyle/>
+          <a:p>
+            <a:pPr>
+              <a:lnSpc>
+                <a:spcPct val="160000"/>
+              </a:lnSpc>
+            </a:pPr>
+            <a:r>
+              <a:rPr lang="en-CA" dirty="0" err="1"/>
+              <a:t>Mesures</a:t>
+            </a:r>
+            <a:r>
+              <a:rPr lang="en-CA" dirty="0"/>
+              <a:t> positions/</a:t>
+            </a:r>
+            <a:r>
+              <a:rPr lang="en-CA" dirty="0" err="1"/>
+              <a:t>vitesses</a:t>
+            </a:r>
+            <a:endParaRPr lang="en-CA" dirty="0"/>
+          </a:p>
+          <a:p>
+            <a:pPr lvl="1">
+              <a:lnSpc>
+                <a:spcPct val="160000"/>
+              </a:lnSpc>
+            </a:pPr>
+            <a:r>
+              <a:rPr lang="en-CA" dirty="0"/>
+              <a:t>2 QEI </a:t>
+            </a:r>
+            <a:r>
+              <a:rPr lang="en-CA" dirty="0" smtClean="0"/>
+              <a:t>du </a:t>
+            </a:r>
+            <a:r>
+              <a:rPr lang="en-CA" dirty="0" err="1" smtClean="0"/>
+              <a:t>microcontrôleur</a:t>
+            </a:r>
+            <a:endParaRPr lang="en-CA" dirty="0"/>
+          </a:p>
+          <a:p>
+            <a:pPr lvl="1">
+              <a:lnSpc>
+                <a:spcPct val="160000"/>
+              </a:lnSpc>
+            </a:pPr>
+            <a:r>
+              <a:rPr lang="en-CA" dirty="0"/>
+              <a:t>2 </a:t>
+            </a:r>
+            <a:r>
+              <a:rPr lang="en-CA" dirty="0" smtClean="0"/>
+              <a:t>interfaces </a:t>
+            </a:r>
+            <a:r>
+              <a:rPr lang="en-CA" dirty="0" err="1" smtClean="0"/>
+              <a:t>d’encodeurs</a:t>
+            </a:r>
+            <a:r>
+              <a:rPr lang="en-CA" dirty="0" smtClean="0"/>
+              <a:t> en quadrature </a:t>
+            </a:r>
+            <a:r>
+              <a:rPr lang="en-CA" dirty="0" err="1" smtClean="0"/>
+              <a:t>logicielles</a:t>
+            </a:r>
+            <a:endParaRPr lang="en-CA" dirty="0"/>
+          </a:p>
+          <a:p>
+            <a:pPr lvl="2">
+              <a:lnSpc>
+                <a:spcPct val="160000"/>
+              </a:lnSpc>
+            </a:pPr>
+            <a:r>
+              <a:rPr lang="en-CA" dirty="0" err="1" smtClean="0"/>
+              <a:t>Très</a:t>
+            </a:r>
+            <a:r>
+              <a:rPr lang="en-CA" dirty="0" smtClean="0"/>
+              <a:t> </a:t>
+            </a:r>
+            <a:r>
+              <a:rPr lang="en-CA" dirty="0" err="1" smtClean="0"/>
+              <a:t>courtes</a:t>
+            </a:r>
+            <a:r>
+              <a:rPr lang="en-CA" dirty="0" smtClean="0"/>
+              <a:t> interruptions</a:t>
+            </a:r>
+          </a:p>
+          <a:p>
+            <a:pPr lvl="2">
+              <a:lnSpc>
+                <a:spcPct val="160000"/>
+              </a:lnSpc>
+            </a:pPr>
+            <a:r>
+              <a:rPr lang="en-CA" dirty="0" smtClean="0"/>
+              <a:t>Utilise </a:t>
+            </a:r>
+            <a:r>
+              <a:rPr lang="en-CA" dirty="0" err="1" smtClean="0"/>
+              <a:t>une</a:t>
+            </a:r>
+            <a:r>
+              <a:rPr lang="en-CA" dirty="0" smtClean="0"/>
+              <a:t> machine à </a:t>
+            </a:r>
+            <a:r>
+              <a:rPr lang="en-CA" dirty="0" err="1" smtClean="0"/>
+              <a:t>états</a:t>
+            </a:r>
+            <a:r>
+              <a:rPr lang="en-CA" dirty="0" smtClean="0"/>
+              <a:t> simple</a:t>
+            </a:r>
+          </a:p>
+          <a:p>
+            <a:pPr>
+              <a:lnSpc>
+                <a:spcPct val="160000"/>
+              </a:lnSpc>
+            </a:pPr>
+            <a:r>
+              <a:rPr lang="en-CA" dirty="0" smtClean="0"/>
+              <a:t>PID</a:t>
+            </a:r>
+          </a:p>
+          <a:p>
+            <a:pPr lvl="1">
+              <a:lnSpc>
+                <a:spcPct val="160000"/>
+              </a:lnSpc>
+            </a:pPr>
+            <a:r>
+              <a:rPr lang="en-CA" dirty="0" err="1"/>
+              <a:t>Fonction</a:t>
+            </a:r>
+            <a:r>
+              <a:rPr lang="en-CA" dirty="0"/>
+              <a:t> </a:t>
+            </a:r>
+            <a:r>
+              <a:rPr lang="en-CA" dirty="0" err="1"/>
+              <a:t>logicielle</a:t>
+            </a:r>
+            <a:r>
+              <a:rPr lang="en-CA" dirty="0"/>
+              <a:t> </a:t>
+            </a:r>
+            <a:r>
+              <a:rPr lang="en-CA" dirty="0" err="1" smtClean="0"/>
+              <a:t>rapide</a:t>
+            </a:r>
+            <a:r>
+              <a:rPr lang="en-CA" dirty="0" smtClean="0"/>
+              <a:t> à </a:t>
+            </a:r>
+            <a:r>
+              <a:rPr lang="en-CA" dirty="0" err="1" smtClean="0"/>
+              <a:t>exécuter</a:t>
+            </a:r>
+            <a:endParaRPr lang="en-CA" dirty="0" smtClean="0"/>
+          </a:p>
+          <a:p>
+            <a:pPr lvl="1">
+              <a:lnSpc>
+                <a:spcPct val="160000"/>
+              </a:lnSpc>
+            </a:pPr>
+            <a:r>
+              <a:rPr lang="en-CA" dirty="0" smtClean="0"/>
+              <a:t>Utilise les </a:t>
+            </a:r>
+            <a:r>
+              <a:rPr lang="en-CA" dirty="0" err="1" smtClean="0"/>
+              <a:t>paramètres</a:t>
+            </a:r>
+            <a:r>
+              <a:rPr lang="en-CA" dirty="0" smtClean="0"/>
+              <a:t> qui </a:t>
+            </a:r>
+            <a:r>
+              <a:rPr lang="en-CA" dirty="0" err="1" smtClean="0"/>
+              <a:t>maximisent</a:t>
+            </a:r>
+            <a:r>
+              <a:rPr lang="en-CA" dirty="0" smtClean="0"/>
+              <a:t> </a:t>
+            </a:r>
+            <a:r>
+              <a:rPr lang="en-CA" dirty="0" smtClean="0"/>
+              <a:t>les performances</a:t>
+            </a:r>
+          </a:p>
+          <a:p>
+            <a:pPr marL="0" indent="0">
+              <a:buNone/>
+            </a:pPr>
+            <a:endParaRPr lang="fr-FR" dirty="0"/>
+          </a:p>
+        </p:txBody>
+      </p:sp>
+      <p:pic>
+        <p:nvPicPr>
+          <p:cNvPr id="2050" name="Picture 2"/>
+          <p:cNvPicPr>
+            <a:picLocks noChangeAspect="1" noChangeArrowheads="1"/>
+          </p:cNvPicPr>
+          <p:nvPr>
+            <p:custDataLst>
+              <p:tags r:id="rId3"/>
+            </p:custDataLst>
+          </p:nvPr>
+        </p:nvPicPr>
+        <p:blipFill>
+          <a:blip r:embed="rId5">
+            <a:extLst>
+              <a:ext uri="{28A0092B-C50C-407E-A947-70E740481C1C}">
+                <a14:useLocalDpi xmlns:a14="http://schemas.microsoft.com/office/drawing/2010/main" val="0"/>
+              </a:ext>
+            </a:extLst>
+          </a:blip>
+          <a:srcRect/>
+          <a:stretch>
+            <a:fillRect/>
+          </a:stretch>
+        </p:blipFill>
+        <p:spPr bwMode="auto">
+          <a:xfrm>
+            <a:off x="6486239" y="3478178"/>
+            <a:ext cx="2276475" cy="2105025"/>
+          </a:xfrm>
+          <a:prstGeom prst="rect">
+            <a:avLst/>
+          </a:prstGeom>
+          <a:noFill/>
+          <a:ln>
+            <a:noFill/>
+          </a:ln>
+          <a:effectLst/>
+          <a:extLst>
+            <a:ext uri="{909E8E84-426E-40DD-AFC4-6F175D3DCCD1}">
+              <a14:hiddenFill xmlns:a14="http://schemas.microsoft.com/office/drawing/2010/main">
+                <a:solidFill>
+                  <a:schemeClr val="accent1"/>
+                </a:solidFill>
+              </a14:hiddenFill>
+            </a:ext>
+            <a:ext uri="{91240B29-F687-4F45-9708-019B960494DF}">
+              <a14:hiddenLine xmlns:a14="http://schemas.microsoft.com/office/drawing/2010/main" w="9525">
+                <a:solidFill>
+                  <a:schemeClr val="tx1"/>
+                </a:solidFill>
+                <a:miter lim="800000"/>
+                <a:headEnd/>
+                <a:tailEnd/>
+              </a14:hiddenLine>
+            </a:ext>
+            <a:ext uri="{AF507438-7753-43E0-B8FC-AC1667EBCBE1}">
+              <a14:hiddenEffects xmlns:a14="http://schemas.microsoft.com/office/drawing/2010/main">
+                <a:effectLst>
+                  <a:outerShdw dist="35921" dir="2700000" algn="ctr" rotWithShape="0">
+                    <a:schemeClr val="bg2"/>
+                  </a:outerShdw>
+                </a:effectLst>
+              </a14:hiddenEffects>
+            </a:ext>
+          </a:extLst>
+        </p:spPr>
+      </p:pic>
+    </p:spTree>
+    <p:extLst>
+      <p:ext uri="{BB962C8B-B14F-4D97-AF65-F5344CB8AC3E}">
+        <p14:creationId xmlns:p14="http://schemas.microsoft.com/office/powerpoint/2010/main" val="3427063203"/>
+      </p:ext>
+    </p:extLst>
+  </p:cSld>
+  <p:clrMapOvr>
+    <a:masterClrMapping/>
+  </p:clrMapOvr>
+  <mc:AlternateContent xmlns:mc="http://schemas.openxmlformats.org/markup-compatibility/2006" xmlns:p14="http://schemas.microsoft.com/office/powerpoint/2010/main">
+    <mc:Choice Requires="p14">
+      <p:transition p14:dur="0"/>
+    </mc:Choice>
+    <mc:Fallback xmlns="">
+      <p:transition/>
+    </mc:Fallback>
+  </mc:AlternateContent>
+  <p:timing>
+    <p:tnLst>
+      <p:par>
+        <p:cTn id="1" dur="indefinite" restart="never" nodeType="tmRoot"/>
+      </p:par>
+    </p:tnLst>
+  </p:timing>
+</p:sld>
+</file>
+
+<file path=ppt/slides/slide12.xml><?xml version="1.0" encoding="utf-8"?>
+<p:sld xmlns:a="http://schemas.openxmlformats.org/drawingml/2006/main" xmlns:r="http://schemas.openxmlformats.org/officeDocument/2006/relationships" xmlns:p="http://schemas.openxmlformats.org/presentationml/2006/main">
+  <p:cSld>
+    <p:spTree>
+      <p:nvGrpSpPr>
+        <p:cNvPr id="1" name=""/>
+        <p:cNvGrpSpPr/>
+        <p:nvPr/>
+      </p:nvGrpSpPr>
+      <p:grpSpPr>
+        <a:xfrm>
+          <a:off x="0" y="0"/>
+          <a:ext cx="0" cy="0"/>
+          <a:chOff x="0" y="0"/>
+          <a:chExt cx="0" cy="0"/>
+        </a:xfrm>
+      </p:grpSpPr>
+      <p:sp>
+        <p:nvSpPr>
+          <p:cNvPr id="2" name="Title 1"/>
+          <p:cNvSpPr>
+            <a:spLocks noGrp="1"/>
+          </p:cNvSpPr>
+          <p:nvPr>
+            <p:ph type="title"/>
+            <p:custDataLst>
+              <p:tags r:id="rId1"/>
+            </p:custDataLst>
+          </p:nvPr>
+        </p:nvSpPr>
+        <p:spPr/>
+        <p:txBody>
+          <a:bodyPr/>
+          <a:lstStyle/>
+          <a:p>
+            <a:r>
+              <a:rPr lang="en-CA" dirty="0" err="1" smtClean="0"/>
+              <a:t>Asservissement</a:t>
+            </a:r>
+            <a:r>
+              <a:rPr lang="en-CA" dirty="0" smtClean="0"/>
+              <a:t> des </a:t>
+            </a:r>
+            <a:r>
+              <a:rPr lang="en-CA" dirty="0" err="1" smtClean="0"/>
+              <a:t>roues</a:t>
+            </a:r>
+            <a:endParaRPr lang="en-US" dirty="0"/>
+          </a:p>
+        </p:txBody>
+      </p:sp>
+      <p:sp>
+        <p:nvSpPr>
+          <p:cNvPr id="5" name="Espace réservé du contenu 2"/>
+          <p:cNvSpPr>
+            <a:spLocks noGrp="1"/>
+          </p:cNvSpPr>
+          <p:nvPr>
+            <p:ph idx="1"/>
+            <p:custDataLst>
+              <p:tags r:id="rId2"/>
+            </p:custDataLst>
+          </p:nvPr>
+        </p:nvSpPr>
+        <p:spPr>
+          <a:xfrm>
+            <a:off x="1100473" y="4031087"/>
+            <a:ext cx="7890614" cy="2614412"/>
+          </a:xfrm>
+        </p:spPr>
+        <p:txBody>
+          <a:bodyPr>
+            <a:normAutofit/>
+          </a:bodyPr>
+          <a:lstStyle/>
+          <a:p>
+            <a:pPr marL="0" indent="0">
+              <a:lnSpc>
+                <a:spcPct val="160000"/>
+              </a:lnSpc>
+              <a:buNone/>
+            </a:pPr>
+            <a:r>
+              <a:rPr lang="fr-FR" b="1" dirty="0" smtClean="0"/>
+              <a:t>Réalisation d’un outil de CAO</a:t>
+            </a:r>
+            <a:endParaRPr lang="fr-FR" dirty="0"/>
+          </a:p>
+          <a:p>
+            <a:r>
+              <a:rPr lang="fr-FR" dirty="0" smtClean="0"/>
+              <a:t>Représenter le comportement du système</a:t>
+            </a:r>
+          </a:p>
+          <a:p>
+            <a:r>
+              <a:rPr lang="fr-FR" dirty="0" smtClean="0"/>
+              <a:t>Optimiser le modèle au moyen d’essais</a:t>
+            </a:r>
+          </a:p>
+          <a:p>
+            <a:r>
+              <a:rPr lang="fr-FR" dirty="0" smtClean="0"/>
+              <a:t>Validation pratique des paramètres obtenus</a:t>
+            </a:r>
+          </a:p>
+        </p:txBody>
+      </p:sp>
+      <p:pic>
+        <p:nvPicPr>
+          <p:cNvPr id="2051" name="Picture 3"/>
+          <p:cNvPicPr>
+            <a:picLocks noChangeAspect="1" noChangeArrowheads="1"/>
+          </p:cNvPicPr>
+          <p:nvPr>
+            <p:custDataLst>
+              <p:tags r:id="rId3"/>
+            </p:custDataLst>
+          </p:nvPr>
+        </p:nvPicPr>
+        <p:blipFill>
+          <a:blip r:embed="rId5">
+            <a:extLst>
+              <a:ext uri="{28A0092B-C50C-407E-A947-70E740481C1C}">
+                <a14:useLocalDpi xmlns:a14="http://schemas.microsoft.com/office/drawing/2010/main" val="0"/>
+              </a:ext>
+            </a:extLst>
+          </a:blip>
+          <a:srcRect/>
+          <a:stretch>
+            <a:fillRect/>
+          </a:stretch>
+        </p:blipFill>
+        <p:spPr bwMode="auto">
+          <a:xfrm>
+            <a:off x="1100473" y="2014174"/>
+            <a:ext cx="7142006" cy="1338136"/>
+          </a:xfrm>
+          <a:prstGeom prst="rect">
+            <a:avLst/>
+          </a:prstGeom>
+          <a:noFill/>
+          <a:ln>
+            <a:noFill/>
+          </a:ln>
+          <a:effectLst/>
+          <a:extLst>
+            <a:ext uri="{909E8E84-426E-40DD-AFC4-6F175D3DCCD1}">
+              <a14:hiddenFill xmlns:a14="http://schemas.microsoft.com/office/drawing/2010/main">
+                <a:solidFill>
+                  <a:schemeClr val="accent1"/>
+                </a:solidFill>
+              </a14:hiddenFill>
+            </a:ext>
+            <a:ext uri="{91240B29-F687-4F45-9708-019B960494DF}">
+              <a14:hiddenLine xmlns:a14="http://schemas.microsoft.com/office/drawing/2010/main" w="9525">
+                <a:solidFill>
+                  <a:schemeClr val="tx1"/>
+                </a:solidFill>
+                <a:miter lim="800000"/>
+                <a:headEnd/>
+                <a:tailEnd/>
+              </a14:hiddenLine>
+            </a:ext>
+            <a:ext uri="{AF507438-7753-43E0-B8FC-AC1667EBCBE1}">
+              <a14:hiddenEffects xmlns:a14="http://schemas.microsoft.com/office/drawing/2010/main">
+                <a:effectLst>
+                  <a:outerShdw dist="35921" dir="2700000" algn="ctr" rotWithShape="0">
+                    <a:schemeClr val="bg2"/>
+                  </a:outerShdw>
+                </a:effectLst>
+              </a14:hiddenEffects>
+            </a:ext>
+          </a:extLst>
+        </p:spPr>
+      </p:pic>
+    </p:spTree>
+    <p:extLst>
+      <p:ext uri="{BB962C8B-B14F-4D97-AF65-F5344CB8AC3E}">
+        <p14:creationId xmlns:p14="http://schemas.microsoft.com/office/powerpoint/2010/main" val="2546660166"/>
+      </p:ext>
+    </p:extLst>
+  </p:cSld>
+  <p:clrMapOvr>
+    <a:masterClrMapping/>
+  </p:clrMapOvr>
+  <mc:AlternateContent xmlns:mc="http://schemas.openxmlformats.org/markup-compatibility/2006" xmlns:p14="http://schemas.microsoft.com/office/powerpoint/2010/main">
+    <mc:Choice Requires="p14">
+      <p:transition p14:dur="0"/>
+    </mc:Choice>
+    <mc:Fallback xmlns="">
+      <p:transition/>
+    </mc:Fallback>
+  </mc:AlternateContent>
+  <p:timing>
+    <p:tnLst>
+      <p:par>
+        <p:cTn id="1" dur="indefinite" restart="never" nodeType="tmRoot"/>
+      </p:par>
+    </p:tnLst>
+  </p:timing>
+</p:sld>
+</file>
+
+<file path=ppt/slides/slide13.xml><?xml version="1.0" encoding="utf-8"?>
+<p:sld xmlns:a="http://schemas.openxmlformats.org/drawingml/2006/main" xmlns:r="http://schemas.openxmlformats.org/officeDocument/2006/relationships" xmlns:p="http://schemas.openxmlformats.org/presentationml/2006/main">
+  <p:cSld>
+    <p:spTree>
+      <p:nvGrpSpPr>
+        <p:cNvPr id="1" name=""/>
+        <p:cNvGrpSpPr/>
+        <p:nvPr/>
+      </p:nvGrpSpPr>
+      <p:grpSpPr>
+        <a:xfrm>
+          <a:off x="0" y="0"/>
+          <a:ext cx="0" cy="0"/>
+          <a:chOff x="0" y="0"/>
+          <a:chExt cx="0" cy="0"/>
+        </a:xfrm>
+      </p:grpSpPr>
+      <p:sp>
+        <p:nvSpPr>
+          <p:cNvPr id="3" name="Title 2"/>
+          <p:cNvSpPr>
+            <a:spLocks noGrp="1"/>
+          </p:cNvSpPr>
+          <p:nvPr>
+            <p:ph type="title"/>
+            <p:custDataLst>
+              <p:tags r:id="rId1"/>
+            </p:custDataLst>
+          </p:nvPr>
+        </p:nvSpPr>
+        <p:spPr/>
+        <p:txBody>
+          <a:bodyPr/>
+          <a:lstStyle/>
+          <a:p>
+            <a:endParaRPr lang="en-US"/>
+          </a:p>
+        </p:txBody>
+      </p:sp>
+      <p:sp>
+        <p:nvSpPr>
+          <p:cNvPr id="9" name="Title 1"/>
+          <p:cNvSpPr txBox="1">
+            <a:spLocks/>
+          </p:cNvSpPr>
+          <p:nvPr>
+            <p:custDataLst>
+              <p:tags r:id="rId2"/>
+            </p:custDataLst>
+          </p:nvPr>
+        </p:nvSpPr>
+        <p:spPr>
+          <a:xfrm>
+            <a:off x="0" y="700526"/>
+            <a:ext cx="8913813" cy="914400"/>
+          </a:xfrm>
+          <a:prstGeom prst="rect">
+            <a:avLst/>
+          </a:prstGeom>
+          <a:solidFill>
+            <a:schemeClr val="tx2"/>
+          </a:solidFill>
+        </p:spPr>
+        <p:txBody>
+          <a:bodyPr vert="horz" lIns="1188720" tIns="45720" rIns="274320" bIns="45720" rtlCol="0" anchor="ctr">
+            <a:normAutofit/>
+          </a:bodyPr>
+          <a:lstStyle>
+            <a:lvl1pPr marL="0" indent="0" algn="l" defTabSz="914400" rtl="0" eaLnBrk="1" latinLnBrk="0" hangingPunct="1">
+              <a:spcBef>
+                <a:spcPct val="0"/>
+              </a:spcBef>
+              <a:buNone/>
+              <a:defRPr sz="3600" kern="1200">
+                <a:solidFill>
+                  <a:schemeClr val="bg1"/>
+                </a:solidFill>
+                <a:latin typeface="+mj-lt"/>
+                <a:ea typeface="+mj-ea"/>
+                <a:cs typeface="+mj-cs"/>
+              </a:defRPr>
+            </a:lvl1pPr>
+          </a:lstStyle>
+          <a:p>
+            <a:r>
+              <a:rPr lang="en-CA" smtClean="0"/>
+              <a:t>Asservissement des roues</a:t>
+            </a:r>
+            <a:endParaRPr lang="en-US" dirty="0"/>
+          </a:p>
+        </p:txBody>
+      </p:sp>
+      <p:graphicFrame>
+        <p:nvGraphicFramePr>
+          <p:cNvPr id="10" name="Chart 9"/>
+          <p:cNvGraphicFramePr>
+            <a:graphicFrameLocks noGrp="1"/>
+          </p:cNvGraphicFramePr>
+          <p:nvPr>
+            <p:custDataLst>
+              <p:tags r:id="rId3"/>
+            </p:custDataLst>
+            <p:extLst/>
+          </p:nvPr>
+        </p:nvGraphicFramePr>
+        <p:xfrm>
+          <a:off x="0" y="1614928"/>
+          <a:ext cx="4958366" cy="2918436"/>
+        </p:xfrm>
+        <a:graphic>
+          <a:graphicData uri="http://schemas.openxmlformats.org/drawingml/2006/chart">
+            <c:chart xmlns:c="http://schemas.openxmlformats.org/drawingml/2006/chart" xmlns:r="http://schemas.openxmlformats.org/officeDocument/2006/relationships" r:id="rId7"/>
+          </a:graphicData>
+        </a:graphic>
+      </p:graphicFrame>
+      <p:sp>
+        <p:nvSpPr>
+          <p:cNvPr id="11" name="Espace réservé du contenu 2"/>
+          <p:cNvSpPr>
+            <a:spLocks noGrp="1"/>
+          </p:cNvSpPr>
+          <p:nvPr>
+            <p:ph idx="1"/>
+            <p:custDataLst>
+              <p:tags r:id="rId4"/>
+            </p:custDataLst>
+          </p:nvPr>
+        </p:nvSpPr>
+        <p:spPr>
+          <a:xfrm>
+            <a:off x="4635062" y="1614926"/>
+            <a:ext cx="4356025" cy="5030573"/>
+          </a:xfrm>
+        </p:spPr>
+        <p:txBody>
+          <a:bodyPr>
+            <a:normAutofit/>
+          </a:bodyPr>
+          <a:lstStyle/>
+          <a:p>
+            <a:pPr marL="0" indent="0">
+              <a:lnSpc>
+                <a:spcPct val="160000"/>
+              </a:lnSpc>
+              <a:buNone/>
+            </a:pPr>
+            <a:r>
+              <a:rPr lang="fr-FR" b="1" dirty="0" smtClean="0"/>
+              <a:t>Optimiser la réponse des roues</a:t>
+            </a:r>
+            <a:endParaRPr lang="fr-FR" b="1" dirty="0"/>
+          </a:p>
+          <a:p>
+            <a:r>
+              <a:rPr lang="fr-FR" dirty="0" smtClean="0"/>
+              <a:t>Obtenir la réponse la plus rapide possible</a:t>
+            </a:r>
+          </a:p>
+          <a:p>
+            <a:r>
+              <a:rPr lang="fr-FR" dirty="0" smtClean="0"/>
+              <a:t>Minimiser le dépassement</a:t>
+            </a:r>
+          </a:p>
+          <a:p>
+            <a:r>
+              <a:rPr lang="fr-FR" dirty="0" smtClean="0"/>
+              <a:t>Limiter les ondulations</a:t>
+            </a:r>
+          </a:p>
+          <a:p>
+            <a:r>
+              <a:rPr lang="fr-FR" dirty="0" smtClean="0"/>
+              <a:t>Maximiser la stabilité en charge</a:t>
+            </a:r>
+          </a:p>
+          <a:p>
+            <a:r>
+              <a:rPr lang="fr-FR" dirty="0" smtClean="0"/>
+              <a:t>Ajout de filtres de consigne</a:t>
+            </a:r>
+          </a:p>
+          <a:p>
+            <a:r>
+              <a:rPr lang="fr-FR" dirty="0" smtClean="0"/>
+              <a:t>Essais combinés avec CAO</a:t>
+            </a:r>
+          </a:p>
+          <a:p>
+            <a:endParaRPr lang="fr-FR" dirty="0" smtClean="0"/>
+          </a:p>
+        </p:txBody>
+      </p:sp>
+      <p:pic>
+        <p:nvPicPr>
+          <p:cNvPr id="1026" name="Picture 2"/>
+          <p:cNvPicPr>
+            <a:picLocks noChangeAspect="1" noChangeArrowheads="1"/>
+          </p:cNvPicPr>
+          <p:nvPr>
+            <p:custDataLst>
+              <p:tags r:id="rId5"/>
+            </p:custDataLst>
+          </p:nvPr>
+        </p:nvPicPr>
+        <p:blipFill>
+          <a:blip r:embed="rId8">
+            <a:extLst>
+              <a:ext uri="{28A0092B-C50C-407E-A947-70E740481C1C}">
+                <a14:useLocalDpi xmlns:a14="http://schemas.microsoft.com/office/drawing/2010/main" val="0"/>
+              </a:ext>
+            </a:extLst>
+          </a:blip>
+          <a:srcRect/>
+          <a:stretch>
+            <a:fillRect/>
+          </a:stretch>
+        </p:blipFill>
+        <p:spPr bwMode="auto">
+          <a:xfrm>
+            <a:off x="327939" y="4346621"/>
+            <a:ext cx="3868270" cy="2324636"/>
+          </a:xfrm>
+          <a:prstGeom prst="rect">
+            <a:avLst/>
+          </a:prstGeom>
+          <a:noFill/>
+          <a:ln>
+            <a:noFill/>
+          </a:ln>
+          <a:effectLst/>
+          <a:extLst>
+            <a:ext uri="{909E8E84-426E-40DD-AFC4-6F175D3DCCD1}">
+              <a14:hiddenFill xmlns:a14="http://schemas.microsoft.com/office/drawing/2010/main">
+                <a:solidFill>
+                  <a:schemeClr val="accent1"/>
+                </a:solidFill>
+              </a14:hiddenFill>
+            </a:ext>
+            <a:ext uri="{91240B29-F687-4F45-9708-019B960494DF}">
+              <a14:hiddenLine xmlns:a14="http://schemas.microsoft.com/office/drawing/2010/main" w="9525">
+                <a:solidFill>
+                  <a:schemeClr val="tx1"/>
+                </a:solidFill>
+                <a:miter lim="800000"/>
+                <a:headEnd/>
+                <a:tailEnd/>
+              </a14:hiddenLine>
+            </a:ext>
+            <a:ext uri="{AF507438-7753-43E0-B8FC-AC1667EBCBE1}">
+              <a14:hiddenEffects xmlns:a14="http://schemas.microsoft.com/office/drawing/2010/main">
+                <a:effectLst>
+                  <a:outerShdw dist="35921" dir="2700000" algn="ctr" rotWithShape="0">
+                    <a:schemeClr val="bg2"/>
+                  </a:outerShdw>
+                </a:effectLst>
+              </a14:hiddenEffects>
+            </a:ext>
+          </a:extLst>
+        </p:spPr>
+      </p:pic>
+    </p:spTree>
+    <p:extLst>
+      <p:ext uri="{BB962C8B-B14F-4D97-AF65-F5344CB8AC3E}">
+        <p14:creationId xmlns:p14="http://schemas.microsoft.com/office/powerpoint/2010/main" val="3298022362"/>
+      </p:ext>
+    </p:extLst>
+  </p:cSld>
+  <p:clrMapOvr>
+    <a:masterClrMapping/>
+  </p:clrMapOvr>
+  <mc:AlternateContent xmlns:mc="http://schemas.openxmlformats.org/markup-compatibility/2006" xmlns:p14="http://schemas.microsoft.com/office/powerpoint/2010/main">
+    <mc:Choice Requires="p14">
+      <p:transition p14:dur="0"/>
+    </mc:Choice>
+    <mc:Fallback xmlns="">
+      <p:transition/>
+    </mc:Fallback>
+  </mc:AlternateContent>
+  <p:timing>
+    <p:tnLst>
+      <p:par>
+        <p:cTn id="1" dur="indefinite" restart="never" nodeType="tmRoot"/>
+      </p:par>
+    </p:tnLst>
+  </p:timing>
+</p:sld>
+</file>
+
+<file path=ppt/slides/slide14.xml><?xml version="1.0" encoding="utf-8"?>
+<p:sld xmlns:a="http://schemas.openxmlformats.org/drawingml/2006/main" xmlns:r="http://schemas.openxmlformats.org/officeDocument/2006/relationships" xmlns:p="http://schemas.openxmlformats.org/presentationml/2006/main">
+  <p:cSld>
+    <p:spTree>
+      <p:nvGrpSpPr>
+        <p:cNvPr id="1" name=""/>
+        <p:cNvGrpSpPr/>
+        <p:nvPr/>
+      </p:nvGrpSpPr>
+      <p:grpSpPr>
+        <a:xfrm>
+          <a:off x="0" y="0"/>
+          <a:ext cx="0" cy="0"/>
+          <a:chOff x="0" y="0"/>
+          <a:chExt cx="0" cy="0"/>
+        </a:xfrm>
+      </p:grpSpPr>
+      <p:sp>
+        <p:nvSpPr>
+          <p:cNvPr id="2" name="Titre 1"/>
+          <p:cNvSpPr>
+            <a:spLocks noGrp="1"/>
+          </p:cNvSpPr>
+          <p:nvPr>
+            <p:ph type="title"/>
+            <p:custDataLst>
+              <p:tags r:id="rId1"/>
+            </p:custDataLst>
+          </p:nvPr>
+        </p:nvSpPr>
+        <p:spPr/>
+        <p:txBody>
+          <a:bodyPr/>
+          <a:lstStyle/>
+          <a:p>
+            <a:r>
+              <a:rPr lang="fr-FR" dirty="0" smtClean="0"/>
+              <a:t>Vision</a:t>
+            </a:r>
+            <a:endParaRPr lang="fr-FR" dirty="0"/>
+          </a:p>
+        </p:txBody>
+      </p:sp>
+      <p:sp>
+        <p:nvSpPr>
+          <p:cNvPr id="9" name="Espace réservé du contenu 2"/>
+          <p:cNvSpPr>
+            <a:spLocks noGrp="1"/>
+          </p:cNvSpPr>
+          <p:nvPr>
+            <p:ph idx="1"/>
+            <p:custDataLst>
+              <p:tags r:id="rId2"/>
+            </p:custDataLst>
+          </p:nvPr>
+        </p:nvSpPr>
+        <p:spPr>
+          <a:xfrm>
+            <a:off x="1114424" y="2595562"/>
+            <a:ext cx="7610476" cy="3670767"/>
+          </a:xfrm>
+        </p:spPr>
+        <p:txBody>
+          <a:bodyPr/>
+          <a:lstStyle/>
+          <a:p>
+            <a:r>
+              <a:rPr lang="fr-FR" dirty="0" smtClean="0"/>
+              <a:t>Détection des obstacles</a:t>
+            </a:r>
+            <a:endParaRPr lang="fr-FR" dirty="0" smtClean="0"/>
+          </a:p>
+          <a:p>
+            <a:r>
+              <a:rPr lang="fr-FR" dirty="0" smtClean="0"/>
+              <a:t>Transformation des distances</a:t>
+            </a:r>
+            <a:endParaRPr lang="fr-FR" dirty="0" smtClean="0"/>
+          </a:p>
+          <a:p>
+            <a:r>
+              <a:rPr lang="fr-FR" dirty="0" smtClean="0"/>
+              <a:t>Orientation du robot</a:t>
+            </a:r>
+            <a:endParaRPr lang="fr-FR" dirty="0" smtClean="0"/>
+          </a:p>
+          <a:p>
+            <a:r>
+              <a:rPr lang="fr-FR" dirty="0" smtClean="0"/>
+              <a:t>Repères pour l’orientation du robot</a:t>
+            </a:r>
+          </a:p>
+          <a:p>
+            <a:r>
+              <a:rPr lang="fr-FR" dirty="0" smtClean="0"/>
+              <a:t>Extraction d’un </a:t>
+            </a:r>
+            <a:r>
+              <a:rPr lang="fr-FR" dirty="0" err="1" smtClean="0"/>
+              <a:t>sudocube</a:t>
+            </a:r>
+            <a:endParaRPr lang="fr-FR" dirty="0" smtClean="0"/>
+          </a:p>
+        </p:txBody>
+      </p:sp>
+    </p:spTree>
+    <p:extLst>
+      <p:ext uri="{BB962C8B-B14F-4D97-AF65-F5344CB8AC3E}">
+        <p14:creationId xmlns:p14="http://schemas.microsoft.com/office/powerpoint/2010/main" val="88521514"/>
+      </p:ext>
+    </p:extLst>
+  </p:cSld>
+  <p:clrMapOvr>
+    <a:masterClrMapping/>
+  </p:clrMapOvr>
+  <mc:AlternateContent xmlns:mc="http://schemas.openxmlformats.org/markup-compatibility/2006" xmlns:p14="http://schemas.microsoft.com/office/powerpoint/2010/main">
+    <mc:Choice Requires="p14">
+      <p:transition p14:dur="0"/>
+    </mc:Choice>
+    <mc:Fallback xmlns="">
+      <p:transition/>
+    </mc:Fallback>
+  </mc:AlternateContent>
+  <p:timing>
+    <p:tnLst>
+      <p:par>
+        <p:cTn id="1" dur="indefinite" restart="never" nodeType="tmRoot"/>
+      </p:par>
+    </p:tnLst>
+  </p:timing>
+</p:sld>
+</file>
+
+<file path=ppt/slides/slide15.xml><?xml version="1.0" encoding="utf-8"?>
+<p:sld xmlns:a="http://schemas.openxmlformats.org/drawingml/2006/main" xmlns:r="http://schemas.openxmlformats.org/officeDocument/2006/relationships" xmlns:p="http://schemas.openxmlformats.org/presentationml/2006/main">
+  <p:cSld>
+    <p:spTree>
+      <p:nvGrpSpPr>
+        <p:cNvPr id="1" name=""/>
+        <p:cNvGrpSpPr/>
+        <p:nvPr/>
+      </p:nvGrpSpPr>
+      <p:grpSpPr>
+        <a:xfrm>
+          <a:off x="0" y="0"/>
+          <a:ext cx="0" cy="0"/>
+          <a:chOff x="0" y="0"/>
+          <a:chExt cx="0" cy="0"/>
+        </a:xfrm>
+      </p:grpSpPr>
+      <p:sp>
+        <p:nvSpPr>
+          <p:cNvPr id="2" name="Titre 1"/>
+          <p:cNvSpPr>
+            <a:spLocks noGrp="1"/>
+          </p:cNvSpPr>
+          <p:nvPr>
+            <p:ph type="title"/>
+            <p:custDataLst>
+              <p:tags r:id="rId1"/>
+            </p:custDataLst>
+          </p:nvPr>
+        </p:nvSpPr>
+        <p:spPr/>
+        <p:txBody>
+          <a:bodyPr>
+            <a:normAutofit/>
+          </a:bodyPr>
+          <a:lstStyle/>
+          <a:p>
+            <a:r>
+              <a:rPr lang="fr-FR" dirty="0" smtClean="0"/>
+              <a:t>Détection des obstacles</a:t>
+            </a:r>
+            <a:endParaRPr lang="fr-FR" dirty="0"/>
+          </a:p>
+        </p:txBody>
+      </p:sp>
+      <p:sp>
+        <p:nvSpPr>
+          <p:cNvPr id="11" name="Espace réservé du contenu 2"/>
+          <p:cNvSpPr>
+            <a:spLocks noGrp="1"/>
+          </p:cNvSpPr>
+          <p:nvPr>
+            <p:ph idx="1"/>
+            <p:custDataLst>
+              <p:tags r:id="rId2"/>
+            </p:custDataLst>
+          </p:nvPr>
+        </p:nvSpPr>
+        <p:spPr>
+          <a:xfrm>
+            <a:off x="3815115" y="1882200"/>
+            <a:ext cx="5098698" cy="4530075"/>
+          </a:xfrm>
+        </p:spPr>
+        <p:txBody>
+          <a:bodyPr>
+            <a:normAutofit lnSpcReduction="10000"/>
+          </a:bodyPr>
+          <a:lstStyle/>
+          <a:p>
+            <a:r>
+              <a:rPr lang="fr-FR" dirty="0" smtClean="0"/>
+              <a:t>Les obstacles : </a:t>
+            </a:r>
+          </a:p>
+          <a:p>
+            <a:pPr lvl="1"/>
+            <a:r>
+              <a:rPr lang="fr-FR" dirty="0"/>
+              <a:t>S</a:t>
+            </a:r>
+            <a:r>
+              <a:rPr lang="fr-FR" dirty="0" smtClean="0"/>
+              <a:t>itués seulement dans une petite zone sur l’image de 640x480 px (zone grise)</a:t>
+            </a:r>
+          </a:p>
+          <a:p>
+            <a:pPr lvl="1"/>
+            <a:r>
+              <a:rPr lang="fr-FR" dirty="0" smtClean="0"/>
+              <a:t>Situés </a:t>
+            </a:r>
+            <a:r>
+              <a:rPr lang="fr-FR" dirty="0"/>
+              <a:t>approximativement entre 0.8m et </a:t>
+            </a:r>
+            <a:r>
+              <a:rPr lang="fr-FR" dirty="0" smtClean="0"/>
+              <a:t>1.6m</a:t>
+            </a:r>
+          </a:p>
+          <a:p>
+            <a:pPr lvl="1"/>
+            <a:r>
+              <a:rPr lang="fr-FR" dirty="0" smtClean="0"/>
+              <a:t>Possèdent </a:t>
+            </a:r>
+            <a:r>
+              <a:rPr lang="fr-FR" dirty="0"/>
+              <a:t>une hauteur de </a:t>
+            </a:r>
+            <a:r>
+              <a:rPr lang="fr-FR" dirty="0" smtClean="0"/>
+              <a:t>X pixels – Ajustement en fonction de la distance</a:t>
+            </a:r>
+          </a:p>
+          <a:p>
+            <a:r>
+              <a:rPr lang="fr-FR" dirty="0" smtClean="0"/>
+              <a:t>Avec ces données, il suffit d’isoler les deux obstacles </a:t>
+            </a:r>
+            <a:r>
+              <a:rPr lang="fr-FR" dirty="0"/>
+              <a:t>(cercles rouges</a:t>
+            </a:r>
+            <a:r>
+              <a:rPr lang="fr-FR" dirty="0" smtClean="0"/>
+              <a:t>) et de mesurer plusieurs points pour obtenir la bonne position des obstacles par rapport à la Kinect</a:t>
+            </a:r>
+            <a:endParaRPr lang="fr-FR" dirty="0"/>
+          </a:p>
+        </p:txBody>
+      </p:sp>
+      <p:grpSp>
+        <p:nvGrpSpPr>
+          <p:cNvPr id="10" name="Group 9"/>
+          <p:cNvGrpSpPr/>
+          <p:nvPr>
+            <p:custDataLst>
+              <p:tags r:id="rId3"/>
+            </p:custDataLst>
+          </p:nvPr>
+        </p:nvGrpSpPr>
+        <p:grpSpPr>
+          <a:xfrm>
+            <a:off x="140705" y="2240398"/>
+            <a:ext cx="3523597" cy="2642698"/>
+            <a:chOff x="397656" y="3561747"/>
+            <a:chExt cx="3523597" cy="2642698"/>
+          </a:xfrm>
+        </p:grpSpPr>
+        <p:grpSp>
+          <p:nvGrpSpPr>
+            <p:cNvPr id="5" name="Group 4"/>
+            <p:cNvGrpSpPr/>
+            <p:nvPr/>
+          </p:nvGrpSpPr>
+          <p:grpSpPr>
+            <a:xfrm>
+              <a:off x="397656" y="3561747"/>
+              <a:ext cx="3523597" cy="2642698"/>
+              <a:chOff x="456267" y="3647393"/>
+              <a:chExt cx="3523597" cy="2642698"/>
+            </a:xfrm>
+          </p:grpSpPr>
+          <p:pic>
+            <p:nvPicPr>
+              <p:cNvPr id="16" name="Image 15"/>
+              <p:cNvPicPr>
+                <a:picLocks noChangeAspect="1"/>
+              </p:cNvPicPr>
+              <p:nvPr/>
+            </p:nvPicPr>
+            <p:blipFill>
+              <a:blip r:embed="rId5">
+                <a:extLst>
+                  <a:ext uri="{28A0092B-C50C-407E-A947-70E740481C1C}">
+                    <a14:useLocalDpi xmlns:a14="http://schemas.microsoft.com/office/drawing/2010/main" val="0"/>
+                  </a:ext>
+                </a:extLst>
+              </a:blip>
+              <a:stretch>
+                <a:fillRect/>
+              </a:stretch>
+            </p:blipFill>
+            <p:spPr>
+              <a:xfrm>
+                <a:off x="456267" y="3647393"/>
+                <a:ext cx="3523597" cy="2642698"/>
+              </a:xfrm>
+              <a:prstGeom prst="rect">
+                <a:avLst/>
+              </a:prstGeom>
+            </p:spPr>
+          </p:pic>
+          <p:sp>
+            <p:nvSpPr>
+              <p:cNvPr id="9" name="Rectangle 8"/>
+              <p:cNvSpPr/>
+              <p:nvPr/>
+            </p:nvSpPr>
+            <p:spPr>
+              <a:xfrm>
+                <a:off x="1401412" y="4356929"/>
+                <a:ext cx="2253566" cy="1020534"/>
+              </a:xfrm>
+              <a:prstGeom prst="rect">
+                <a:avLst/>
+              </a:prstGeom>
+              <a:solidFill>
+                <a:srgbClr val="808080">
+                  <a:alpha val="61961"/>
+                </a:srgbClr>
+              </a:solidFill>
+              <a:ln>
+                <a:noFill/>
+              </a:ln>
+            </p:spPr>
+            <p:style>
+              <a:lnRef idx="1">
+                <a:schemeClr val="dk1"/>
+              </a:lnRef>
+              <a:fillRef idx="3">
+                <a:schemeClr val="dk1"/>
+              </a:fillRef>
+              <a:effectRef idx="2">
+                <a:schemeClr val="dk1"/>
+              </a:effectRef>
+              <a:fontRef idx="minor">
+                <a:schemeClr val="lt1"/>
+              </a:fontRef>
+            </p:style>
+            <p:txBody>
+              <a:bodyPr rtlCol="0" anchor="ctr"/>
+              <a:lstStyle/>
+              <a:p>
+                <a:pPr algn="ctr"/>
+                <a:endParaRPr lang="fr-CA"/>
+              </a:p>
+            </p:txBody>
+          </p:sp>
+        </p:grpSp>
+        <p:sp>
+          <p:nvSpPr>
+            <p:cNvPr id="6" name="Oval 5"/>
+            <p:cNvSpPr/>
+            <p:nvPr/>
+          </p:nvSpPr>
+          <p:spPr>
+            <a:xfrm>
+              <a:off x="2206564" y="4363567"/>
+              <a:ext cx="351064" cy="881743"/>
+            </a:xfrm>
+            <a:prstGeom prst="ellipse">
+              <a:avLst/>
+            </a:prstGeom>
+            <a:noFill/>
+            <a:ln>
+              <a:solidFill>
+                <a:srgbClr val="FF0000"/>
+              </a:solidFill>
+            </a:ln>
+          </p:spPr>
+          <p:style>
+            <a:lnRef idx="1">
+              <a:schemeClr val="accent1"/>
+            </a:lnRef>
+            <a:fillRef idx="3">
+              <a:schemeClr val="accent1"/>
+            </a:fillRef>
+            <a:effectRef idx="2">
+              <a:schemeClr val="accent1"/>
+            </a:effectRef>
+            <a:fontRef idx="minor">
+              <a:schemeClr val="lt1"/>
+            </a:fontRef>
+          </p:style>
+          <p:txBody>
+            <a:bodyPr rtlCol="0" anchor="ctr"/>
+            <a:lstStyle/>
+            <a:p>
+              <a:pPr algn="ctr"/>
+              <a:endParaRPr lang="fr-CA"/>
+            </a:p>
+          </p:txBody>
+        </p:sp>
+        <p:sp>
+          <p:nvSpPr>
+            <p:cNvPr id="14" name="Oval 13"/>
+            <p:cNvSpPr/>
+            <p:nvPr/>
+          </p:nvSpPr>
+          <p:spPr>
+            <a:xfrm>
+              <a:off x="2642509" y="4340679"/>
+              <a:ext cx="351064" cy="881743"/>
+            </a:xfrm>
+            <a:prstGeom prst="ellipse">
+              <a:avLst/>
+            </a:prstGeom>
+            <a:noFill/>
+            <a:ln>
+              <a:solidFill>
+                <a:srgbClr val="FF0000"/>
+              </a:solidFill>
+            </a:ln>
+          </p:spPr>
+          <p:style>
+            <a:lnRef idx="1">
+              <a:schemeClr val="accent1"/>
+            </a:lnRef>
+            <a:fillRef idx="3">
+              <a:schemeClr val="accent1"/>
+            </a:fillRef>
+            <a:effectRef idx="2">
+              <a:schemeClr val="accent1"/>
+            </a:effectRef>
+            <a:fontRef idx="minor">
+              <a:schemeClr val="lt1"/>
+            </a:fontRef>
+          </p:style>
+          <p:txBody>
+            <a:bodyPr rtlCol="0" anchor="ctr"/>
+            <a:lstStyle/>
+            <a:p>
+              <a:pPr algn="ctr"/>
+              <a:endParaRPr lang="fr-CA"/>
+            </a:p>
+          </p:txBody>
+        </p:sp>
+      </p:grpSp>
+    </p:spTree>
+    <p:extLst>
+      <p:ext uri="{BB962C8B-B14F-4D97-AF65-F5344CB8AC3E}">
+        <p14:creationId xmlns:p14="http://schemas.microsoft.com/office/powerpoint/2010/main" val="850534244"/>
+      </p:ext>
+    </p:extLst>
+  </p:cSld>
+  <p:clrMapOvr>
+    <a:masterClrMapping/>
+  </p:clrMapOvr>
+  <mc:AlternateContent xmlns:mc="http://schemas.openxmlformats.org/markup-compatibility/2006">
+    <mc:Choice xmlns:p14="http://schemas.microsoft.com/office/powerpoint/2010/main" Requires="p14">
+      <p:transition p14:dur="10"/>
+    </mc:Choice>
+    <mc:Fallback>
+      <p:transition/>
+    </mc:Fallback>
+  </mc:AlternateContent>
+  <p:timing>
+    <p:tnLst>
+      <p:par>
+        <p:cTn id="1" dur="indefinite" restart="never" nodeType="tmRoot"/>
+      </p:par>
+    </p:tnLst>
+  </p:timing>
+</p:sld>
+</file>
+
+<file path=ppt/slides/slide16.xml><?xml version="1.0" encoding="utf-8"?>
+<p:sld xmlns:a="http://schemas.openxmlformats.org/drawingml/2006/main" xmlns:r="http://schemas.openxmlformats.org/officeDocument/2006/relationships" xmlns:p="http://schemas.openxmlformats.org/presentationml/2006/main">
+  <p:cSld>
+    <p:spTree>
+      <p:nvGrpSpPr>
+        <p:cNvPr id="1" name=""/>
+        <p:cNvGrpSpPr/>
+        <p:nvPr/>
+      </p:nvGrpSpPr>
+      <p:grpSpPr>
+        <a:xfrm>
+          <a:off x="0" y="0"/>
+          <a:ext cx="0" cy="0"/>
+          <a:chOff x="0" y="0"/>
+          <a:chExt cx="0" cy="0"/>
+        </a:xfrm>
+      </p:grpSpPr>
+      <p:sp>
+        <p:nvSpPr>
+          <p:cNvPr id="2" name="Titre 1"/>
+          <p:cNvSpPr>
+            <a:spLocks noGrp="1"/>
+          </p:cNvSpPr>
+          <p:nvPr>
+            <p:ph type="title"/>
+            <p:custDataLst>
+              <p:tags r:id="rId1"/>
+            </p:custDataLst>
+          </p:nvPr>
+        </p:nvSpPr>
+        <p:spPr/>
+        <p:txBody>
+          <a:bodyPr>
+            <a:normAutofit/>
+          </a:bodyPr>
+          <a:lstStyle/>
+          <a:p>
+            <a:r>
+              <a:rPr lang="fr-FR" dirty="0" smtClean="0"/>
+              <a:t>Transformation des distances</a:t>
+            </a:r>
+            <a:endParaRPr lang="fr-FR" dirty="0"/>
+          </a:p>
+        </p:txBody>
+      </p:sp>
+      <p:sp>
+        <p:nvSpPr>
+          <p:cNvPr id="4" name="Espace réservé du contenu 2"/>
+          <p:cNvSpPr>
+            <a:spLocks noGrp="1"/>
+          </p:cNvSpPr>
+          <p:nvPr>
+            <p:ph idx="1"/>
+            <p:custDataLst>
+              <p:tags r:id="rId2"/>
+            </p:custDataLst>
+          </p:nvPr>
+        </p:nvSpPr>
+        <p:spPr>
+          <a:xfrm>
+            <a:off x="3369148" y="1870725"/>
+            <a:ext cx="5437414" cy="4530075"/>
+          </a:xfrm>
+        </p:spPr>
+        <p:txBody>
+          <a:bodyPr>
+            <a:normAutofit fontScale="92500" lnSpcReduction="10000"/>
+          </a:bodyPr>
+          <a:lstStyle/>
+          <a:p>
+            <a:r>
+              <a:rPr lang="fr-FR" dirty="0" smtClean="0"/>
+              <a:t>Données obtenues de la Kinect (vert)</a:t>
+            </a:r>
+          </a:p>
+          <a:p>
+            <a:pPr lvl="1"/>
+            <a:r>
+              <a:rPr lang="fr-FR" dirty="0" smtClean="0"/>
+              <a:t>Distance D entre l’objectif et la cible</a:t>
+            </a:r>
+          </a:p>
+          <a:p>
+            <a:pPr lvl="1"/>
+            <a:r>
+              <a:rPr lang="fr-FR" dirty="0" smtClean="0"/>
+              <a:t>Distance Z entre le plan de la </a:t>
+            </a:r>
+            <a:r>
+              <a:rPr lang="fr-FR" dirty="0"/>
+              <a:t>K</a:t>
+            </a:r>
+            <a:r>
+              <a:rPr lang="fr-FR" dirty="0" smtClean="0"/>
+              <a:t>inect et la cible</a:t>
+            </a:r>
+          </a:p>
+          <a:p>
+            <a:pPr lvl="1"/>
+            <a:r>
+              <a:rPr lang="fr-FR" dirty="0" smtClean="0"/>
+              <a:t>Distance X sur le plan de la </a:t>
+            </a:r>
+            <a:r>
+              <a:rPr lang="fr-FR" dirty="0"/>
+              <a:t>K</a:t>
+            </a:r>
+            <a:r>
+              <a:rPr lang="fr-FR" dirty="0" smtClean="0"/>
+              <a:t>inect entre l’objectif et la ligne perpendiculaire Z</a:t>
+            </a:r>
+          </a:p>
+          <a:p>
+            <a:r>
+              <a:rPr lang="fr-FR" dirty="0" smtClean="0"/>
+              <a:t>Position de la Kinect sur la table (rouge)</a:t>
+            </a:r>
+          </a:p>
+          <a:p>
+            <a:pPr lvl="1"/>
+            <a:r>
+              <a:rPr lang="fr-FR" dirty="0" smtClean="0"/>
+              <a:t>Position en X et Y par rapport au point 0.0</a:t>
+            </a:r>
+          </a:p>
+          <a:p>
+            <a:pPr lvl="1"/>
+            <a:r>
+              <a:rPr lang="fr-FR" dirty="0" smtClean="0"/>
+              <a:t>Angle entre la Kinect et le plan X de la table</a:t>
+            </a:r>
+            <a:endParaRPr lang="fr-FR" dirty="0" smtClean="0"/>
+          </a:p>
+          <a:p>
+            <a:r>
+              <a:rPr lang="fr-FR" dirty="0" smtClean="0"/>
+              <a:t>Distance réelle de l’objet sur le plan de la table (bleu)</a:t>
+            </a:r>
+          </a:p>
+          <a:p>
+            <a:pPr lvl="1"/>
+            <a:r>
+              <a:rPr lang="fr-FR" dirty="0" smtClean="0"/>
+              <a:t>Obtenues à l’aide de règles de trigonométrie et des données de la Kinect</a:t>
+            </a:r>
+            <a:endParaRPr lang="fr-FR" dirty="0" smtClean="0"/>
+          </a:p>
+        </p:txBody>
+      </p:sp>
+      <p:grpSp>
+        <p:nvGrpSpPr>
+          <p:cNvPr id="20" name="Group 19"/>
+          <p:cNvGrpSpPr/>
+          <p:nvPr>
+            <p:custDataLst>
+              <p:tags r:id="rId3"/>
+            </p:custDataLst>
+          </p:nvPr>
+        </p:nvGrpSpPr>
+        <p:grpSpPr>
+          <a:xfrm>
+            <a:off x="511610" y="2098231"/>
+            <a:ext cx="2685162" cy="3908227"/>
+            <a:chOff x="495282" y="2383971"/>
+            <a:chExt cx="2685162" cy="3908227"/>
+          </a:xfrm>
+        </p:grpSpPr>
+        <p:pic>
+          <p:nvPicPr>
+            <p:cNvPr id="8" name="Picture 7"/>
+            <p:cNvPicPr>
+              <a:picLocks noChangeAspect="1"/>
+            </p:cNvPicPr>
+            <p:nvPr/>
+          </p:nvPicPr>
+          <p:blipFill>
+            <a:blip r:embed="rId5">
+              <a:extLst>
+                <a:ext uri="{28A0092B-C50C-407E-A947-70E740481C1C}">
+                  <a14:useLocalDpi xmlns:a14="http://schemas.microsoft.com/office/drawing/2010/main" val="0"/>
+                </a:ext>
+              </a:extLst>
+            </a:blip>
+            <a:stretch>
+              <a:fillRect/>
+            </a:stretch>
+          </p:blipFill>
+          <p:spPr>
+            <a:xfrm>
+              <a:off x="495282" y="2383971"/>
+              <a:ext cx="2685162" cy="3657600"/>
+            </a:xfrm>
+            <a:prstGeom prst="rect">
+              <a:avLst/>
+            </a:prstGeom>
+          </p:spPr>
+        </p:pic>
+        <p:cxnSp>
+          <p:nvCxnSpPr>
+            <p:cNvPr id="5" name="Straight Arrow Connector 4"/>
+            <p:cNvCxnSpPr/>
+            <p:nvPr/>
+          </p:nvCxnSpPr>
+          <p:spPr>
+            <a:xfrm flipH="1">
+              <a:off x="1265464" y="4098471"/>
+              <a:ext cx="244929" cy="367393"/>
+            </a:xfrm>
+            <a:prstGeom prst="straightConnector1">
+              <a:avLst/>
+            </a:prstGeom>
+            <a:ln w="9525">
+              <a:tailEnd type="triangle"/>
+            </a:ln>
+          </p:spPr>
+          <p:style>
+            <a:lnRef idx="2">
+              <a:schemeClr val="dk1"/>
+            </a:lnRef>
+            <a:fillRef idx="0">
+              <a:schemeClr val="dk1"/>
+            </a:fillRef>
+            <a:effectRef idx="1">
+              <a:schemeClr val="dk1"/>
+            </a:effectRef>
+            <a:fontRef idx="minor">
+              <a:schemeClr val="tx1"/>
+            </a:fontRef>
+          </p:style>
+        </p:cxnSp>
+        <p:sp>
+          <p:nvSpPr>
+            <p:cNvPr id="6" name="TextBox 5"/>
+            <p:cNvSpPr txBox="1"/>
+            <p:nvPr/>
+          </p:nvSpPr>
+          <p:spPr>
+            <a:xfrm>
+              <a:off x="1077686" y="4392387"/>
+              <a:ext cx="253093" cy="307777"/>
+            </a:xfrm>
+            <a:prstGeom prst="rect">
+              <a:avLst/>
+            </a:prstGeom>
+            <a:noFill/>
+          </p:spPr>
+          <p:txBody>
+            <a:bodyPr wrap="square" rtlCol="0">
+              <a:spAutoFit/>
+            </a:bodyPr>
+            <a:lstStyle/>
+            <a:p>
+              <a:r>
+                <a:rPr lang="fr-CA" sz="1400" dirty="0" smtClean="0"/>
+                <a:t>Z</a:t>
+              </a:r>
+              <a:endParaRPr lang="fr-CA" sz="1400" dirty="0"/>
+            </a:p>
+          </p:txBody>
+        </p:sp>
+        <p:cxnSp>
+          <p:nvCxnSpPr>
+            <p:cNvPr id="9" name="Straight Arrow Connector 8"/>
+            <p:cNvCxnSpPr/>
+            <p:nvPr/>
+          </p:nvCxnSpPr>
+          <p:spPr>
+            <a:xfrm>
+              <a:off x="2498271" y="5649686"/>
+              <a:ext cx="65315" cy="334735"/>
+            </a:xfrm>
+            <a:prstGeom prst="straightConnector1">
+              <a:avLst/>
+            </a:prstGeom>
+            <a:ln w="6350">
+              <a:tailEnd type="triangle"/>
+            </a:ln>
+          </p:spPr>
+          <p:style>
+            <a:lnRef idx="2">
+              <a:schemeClr val="dk1"/>
+            </a:lnRef>
+            <a:fillRef idx="0">
+              <a:schemeClr val="dk1"/>
+            </a:fillRef>
+            <a:effectRef idx="1">
+              <a:schemeClr val="dk1"/>
+            </a:effectRef>
+            <a:fontRef idx="minor">
+              <a:schemeClr val="tx1"/>
+            </a:fontRef>
+          </p:style>
+        </p:cxnSp>
+        <p:sp>
+          <p:nvSpPr>
+            <p:cNvPr id="11" name="TextBox 10"/>
+            <p:cNvSpPr txBox="1"/>
+            <p:nvPr/>
+          </p:nvSpPr>
+          <p:spPr>
+            <a:xfrm>
+              <a:off x="2437039" y="5984421"/>
+              <a:ext cx="253093" cy="307777"/>
+            </a:xfrm>
+            <a:prstGeom prst="rect">
+              <a:avLst/>
+            </a:prstGeom>
+            <a:noFill/>
+          </p:spPr>
+          <p:txBody>
+            <a:bodyPr wrap="square" rtlCol="0">
+              <a:spAutoFit/>
+            </a:bodyPr>
+            <a:lstStyle/>
+            <a:p>
+              <a:r>
+                <a:rPr lang="fr-CA" sz="1400" dirty="0" smtClean="0"/>
+                <a:t>X</a:t>
+              </a:r>
+              <a:endParaRPr lang="fr-CA" sz="1400" dirty="0"/>
+            </a:p>
+          </p:txBody>
+        </p:sp>
+        <p:cxnSp>
+          <p:nvCxnSpPr>
+            <p:cNvPr id="13" name="Straight Arrow Connector 12"/>
+            <p:cNvCxnSpPr/>
+            <p:nvPr/>
+          </p:nvCxnSpPr>
+          <p:spPr>
+            <a:xfrm flipV="1">
+              <a:off x="1616973" y="3878036"/>
+              <a:ext cx="252648" cy="110218"/>
+            </a:xfrm>
+            <a:prstGeom prst="straightConnector1">
+              <a:avLst/>
+            </a:prstGeom>
+            <a:ln w="6350">
+              <a:solidFill>
+                <a:schemeClr val="tx1"/>
+              </a:solidFill>
+              <a:tailEnd type="triangle"/>
+            </a:ln>
+          </p:spPr>
+          <p:style>
+            <a:lnRef idx="2">
+              <a:schemeClr val="accent1"/>
+            </a:lnRef>
+            <a:fillRef idx="0">
+              <a:schemeClr val="accent1"/>
+            </a:fillRef>
+            <a:effectRef idx="1">
+              <a:schemeClr val="accent1"/>
+            </a:effectRef>
+            <a:fontRef idx="minor">
+              <a:schemeClr val="tx1"/>
+            </a:fontRef>
+          </p:style>
+        </p:cxnSp>
+        <p:sp>
+          <p:nvSpPr>
+            <p:cNvPr id="14" name="TextBox 13"/>
+            <p:cNvSpPr txBox="1"/>
+            <p:nvPr/>
+          </p:nvSpPr>
+          <p:spPr>
+            <a:xfrm>
+              <a:off x="1806121" y="3706109"/>
+              <a:ext cx="253093" cy="307777"/>
+            </a:xfrm>
+            <a:prstGeom prst="rect">
+              <a:avLst/>
+            </a:prstGeom>
+            <a:noFill/>
+          </p:spPr>
+          <p:txBody>
+            <a:bodyPr wrap="square" rtlCol="0">
+              <a:spAutoFit/>
+            </a:bodyPr>
+            <a:lstStyle/>
+            <a:p>
+              <a:r>
+                <a:rPr lang="fr-CA" sz="1400" dirty="0" smtClean="0"/>
+                <a:t>D</a:t>
+              </a:r>
+              <a:endParaRPr lang="fr-CA" sz="1400" dirty="0"/>
+            </a:p>
+          </p:txBody>
+        </p:sp>
+        <p:sp>
+          <p:nvSpPr>
+            <p:cNvPr id="15" name="Oval 14"/>
+            <p:cNvSpPr/>
+            <p:nvPr/>
+          </p:nvSpPr>
+          <p:spPr>
+            <a:xfrm>
+              <a:off x="2816679" y="4890407"/>
+              <a:ext cx="48985" cy="45719"/>
+            </a:xfrm>
+            <a:prstGeom prst="ellipse">
+              <a:avLst/>
+            </a:prstGeom>
+          </p:spPr>
+          <p:style>
+            <a:lnRef idx="1">
+              <a:schemeClr val="dk1"/>
+            </a:lnRef>
+            <a:fillRef idx="3">
+              <a:schemeClr val="dk1"/>
+            </a:fillRef>
+            <a:effectRef idx="2">
+              <a:schemeClr val="dk1"/>
+            </a:effectRef>
+            <a:fontRef idx="minor">
+              <a:schemeClr val="lt1"/>
+            </a:fontRef>
+          </p:style>
+          <p:txBody>
+            <a:bodyPr rtlCol="0" anchor="ctr"/>
+            <a:lstStyle/>
+            <a:p>
+              <a:pPr algn="ctr"/>
+              <a:endParaRPr lang="fr-CA"/>
+            </a:p>
+          </p:txBody>
+        </p:sp>
+        <p:cxnSp>
+          <p:nvCxnSpPr>
+            <p:cNvPr id="17" name="Straight Arrow Connector 16"/>
+            <p:cNvCxnSpPr>
+              <a:stCxn id="15" idx="1"/>
+            </p:cNvCxnSpPr>
+            <p:nvPr/>
+          </p:nvCxnSpPr>
+          <p:spPr>
+            <a:xfrm flipH="1" flipV="1">
+              <a:off x="2620736" y="4465864"/>
+              <a:ext cx="203117" cy="431238"/>
+            </a:xfrm>
+            <a:prstGeom prst="straightConnector1">
+              <a:avLst/>
+            </a:prstGeom>
+            <a:ln w="6350">
+              <a:tailEnd type="triangle"/>
+            </a:ln>
+          </p:spPr>
+          <p:style>
+            <a:lnRef idx="2">
+              <a:schemeClr val="dk1"/>
+            </a:lnRef>
+            <a:fillRef idx="0">
+              <a:schemeClr val="dk1"/>
+            </a:fillRef>
+            <a:effectRef idx="1">
+              <a:schemeClr val="dk1"/>
+            </a:effectRef>
+            <a:fontRef idx="minor">
+              <a:schemeClr val="tx1"/>
+            </a:fontRef>
+          </p:style>
+        </p:cxnSp>
+        <p:sp>
+          <p:nvSpPr>
+            <p:cNvPr id="18" name="TextBox 17"/>
+            <p:cNvSpPr txBox="1"/>
+            <p:nvPr/>
+          </p:nvSpPr>
+          <p:spPr>
+            <a:xfrm>
+              <a:off x="2332718" y="4219449"/>
+              <a:ext cx="576035" cy="307777"/>
+            </a:xfrm>
+            <a:prstGeom prst="rect">
+              <a:avLst/>
+            </a:prstGeom>
+            <a:noFill/>
+          </p:spPr>
+          <p:txBody>
+            <a:bodyPr wrap="square" rtlCol="0">
+              <a:spAutoFit/>
+            </a:bodyPr>
+            <a:lstStyle/>
+            <a:p>
+              <a:r>
+                <a:rPr lang="fr-CA" sz="1400" dirty="0" smtClean="0"/>
+                <a:t>(0.0)</a:t>
+              </a:r>
+              <a:endParaRPr lang="fr-CA" sz="1400" dirty="0"/>
+            </a:p>
+          </p:txBody>
+        </p:sp>
+        <p:sp>
+          <p:nvSpPr>
+            <p:cNvPr id="19" name="Arc 18"/>
+            <p:cNvSpPr/>
+            <p:nvPr/>
+          </p:nvSpPr>
+          <p:spPr>
+            <a:xfrm>
+              <a:off x="2316390" y="5715001"/>
+              <a:ext cx="165553" cy="253092"/>
+            </a:xfrm>
+            <a:prstGeom prst="arc">
+              <a:avLst/>
+            </a:prstGeom>
+            <a:noFill/>
+            <a:ln w="6350">
+              <a:solidFill>
+                <a:srgbClr val="FF0000"/>
+              </a:solidFill>
+              <a:prstDash val="dash"/>
+            </a:ln>
+          </p:spPr>
+          <p:style>
+            <a:lnRef idx="2">
+              <a:schemeClr val="accent2"/>
+            </a:lnRef>
+            <a:fillRef idx="0">
+              <a:schemeClr val="accent2"/>
+            </a:fillRef>
+            <a:effectRef idx="1">
+              <a:schemeClr val="accent2"/>
+            </a:effectRef>
+            <a:fontRef idx="minor">
+              <a:schemeClr val="tx1"/>
+            </a:fontRef>
+          </p:style>
+          <p:txBody>
+            <a:bodyPr rtlCol="0" anchor="ctr"/>
+            <a:lstStyle/>
+            <a:p>
+              <a:pPr algn="ctr"/>
+              <a:endParaRPr lang="fr-CA"/>
+            </a:p>
+          </p:txBody>
+        </p:sp>
+      </p:grpSp>
+    </p:spTree>
+    <p:extLst>
+      <p:ext uri="{BB962C8B-B14F-4D97-AF65-F5344CB8AC3E}">
+        <p14:creationId xmlns:p14="http://schemas.microsoft.com/office/powerpoint/2010/main" val="2753470092"/>
+      </p:ext>
+    </p:extLst>
+  </p:cSld>
+  <p:clrMapOvr>
+    <a:masterClrMapping/>
+  </p:clrMapOvr>
+  <mc:AlternateContent xmlns:mc="http://schemas.openxmlformats.org/markup-compatibility/2006">
+    <mc:Choice xmlns:p14="http://schemas.microsoft.com/office/powerpoint/2010/main" Requires="p14">
+      <p:transition p14:dur="10"/>
+    </mc:Choice>
+    <mc:Fallback>
+      <p:transition/>
+    </mc:Fallback>
+  </mc:AlternateContent>
+  <p:timing>
+    <p:tnLst>
+      <p:par>
+        <p:cTn id="1" dur="indefinite" restart="never" nodeType="tmRoot"/>
+      </p:par>
+    </p:tnLst>
+  </p:timing>
+</p:sld>
+</file>
+
+<file path=ppt/slides/slide17.xml><?xml version="1.0" encoding="utf-8"?>
+<p:sld xmlns:a="http://schemas.openxmlformats.org/drawingml/2006/main" xmlns:r="http://schemas.openxmlformats.org/officeDocument/2006/relationships" xmlns:p="http://schemas.openxmlformats.org/presentationml/2006/main">
+  <p:cSld>
+    <p:spTree>
+      <p:nvGrpSpPr>
+        <p:cNvPr id="1" name=""/>
+        <p:cNvGrpSpPr/>
+        <p:nvPr/>
+      </p:nvGrpSpPr>
+      <p:grpSpPr>
+        <a:xfrm>
+          <a:off x="0" y="0"/>
+          <a:ext cx="0" cy="0"/>
+          <a:chOff x="0" y="0"/>
+          <a:chExt cx="0" cy="0"/>
+        </a:xfrm>
+      </p:grpSpPr>
+      <p:sp>
+        <p:nvSpPr>
+          <p:cNvPr id="2" name="Titre 1"/>
+          <p:cNvSpPr>
+            <a:spLocks noGrp="1"/>
+          </p:cNvSpPr>
+          <p:nvPr>
+            <p:ph type="title"/>
+            <p:custDataLst>
+              <p:tags r:id="rId1"/>
+            </p:custDataLst>
+          </p:nvPr>
+        </p:nvSpPr>
+        <p:spPr/>
+        <p:txBody>
+          <a:bodyPr/>
+          <a:lstStyle/>
+          <a:p>
+            <a:r>
+              <a:rPr lang="fr-FR" dirty="0" smtClean="0"/>
+              <a:t>Orientation du robot</a:t>
+            </a:r>
+            <a:endParaRPr lang="fr-FR" dirty="0"/>
+          </a:p>
+        </p:txBody>
+      </p:sp>
+      <p:sp>
+        <p:nvSpPr>
+          <p:cNvPr id="3" name="Espace réservé du contenu 2"/>
+          <p:cNvSpPr>
+            <a:spLocks noGrp="1"/>
+          </p:cNvSpPr>
+          <p:nvPr>
+            <p:ph idx="1"/>
+            <p:custDataLst>
+              <p:tags r:id="rId2"/>
+            </p:custDataLst>
+          </p:nvPr>
+        </p:nvSpPr>
+        <p:spPr/>
+        <p:txBody>
+          <a:bodyPr>
+            <a:normAutofit/>
+          </a:bodyPr>
+          <a:lstStyle/>
+          <a:p>
+            <a:pPr marL="269875" indent="-269875"/>
+            <a:r>
+              <a:rPr lang="fr-FR" dirty="0" smtClean="0"/>
+              <a:t>Utilisation de la </a:t>
+            </a:r>
+            <a:r>
+              <a:rPr lang="fr-FR" dirty="0" smtClean="0"/>
+              <a:t>caméra </a:t>
+            </a:r>
+            <a:r>
+              <a:rPr lang="fr-FR" dirty="0" smtClean="0"/>
+              <a:t>embarquée pour </a:t>
+            </a:r>
+            <a:r>
+              <a:rPr lang="fr-FR" dirty="0" smtClean="0"/>
+              <a:t>avoir plus de </a:t>
+            </a:r>
+            <a:r>
+              <a:rPr lang="fr-FR" dirty="0" smtClean="0"/>
+              <a:t>précision dans la détection de l’orientation qu’avec la Kinect</a:t>
+            </a:r>
+            <a:endParaRPr lang="fr-FR" dirty="0" smtClean="0"/>
+          </a:p>
+          <a:p>
+            <a:pPr marL="0" indent="269875"/>
+            <a:r>
+              <a:rPr lang="fr-FR" dirty="0" smtClean="0"/>
+              <a:t>Algorithme </a:t>
+            </a:r>
+            <a:r>
+              <a:rPr lang="fr-FR" dirty="0" smtClean="0"/>
+              <a:t>de </a:t>
+            </a:r>
+            <a:r>
+              <a:rPr lang="fr-FR" dirty="0" smtClean="0"/>
+              <a:t>Zhang pour calibrer la caméra.</a:t>
+            </a:r>
+            <a:endParaRPr lang="fr-FR" dirty="0" smtClean="0"/>
+          </a:p>
+          <a:p>
+            <a:pPr marL="269875" indent="-269875"/>
+            <a:r>
+              <a:rPr lang="fr-FR" dirty="0" smtClean="0"/>
+              <a:t>Extraction de plusieurs </a:t>
+            </a:r>
+            <a:r>
+              <a:rPr lang="fr-FR" dirty="0" smtClean="0"/>
+              <a:t>paramètres </a:t>
+            </a:r>
+            <a:r>
+              <a:rPr lang="fr-FR" dirty="0" smtClean="0"/>
+              <a:t>de la caméra pour différentes positions</a:t>
+            </a:r>
+            <a:endParaRPr lang="fr-FR" dirty="0"/>
+          </a:p>
+        </p:txBody>
+      </p:sp>
+    </p:spTree>
+    <p:extLst>
+      <p:ext uri="{BB962C8B-B14F-4D97-AF65-F5344CB8AC3E}">
+        <p14:creationId xmlns:p14="http://schemas.microsoft.com/office/powerpoint/2010/main" val="3002047668"/>
+      </p:ext>
+    </p:extLst>
+  </p:cSld>
+  <p:clrMapOvr>
+    <a:masterClrMapping/>
+  </p:clrMapOvr>
+  <mc:AlternateContent xmlns:mc="http://schemas.openxmlformats.org/markup-compatibility/2006" xmlns:p14="http://schemas.microsoft.com/office/powerpoint/2010/main">
+    <mc:Choice Requires="p14">
+      <p:transition p14:dur="0"/>
+    </mc:Choice>
+    <mc:Fallback xmlns="">
+      <p:transition/>
+    </mc:Fallback>
+  </mc:AlternateContent>
+  <p:timing>
+    <p:tnLst>
+      <p:par>
+        <p:cTn id="1" dur="indefinite" restart="never" nodeType="tmRoot"/>
+      </p:par>
+    </p:tnLst>
+  </p:timing>
+</p:sld>
+</file>
+
+<file path=ppt/slides/slide18.xml><?xml version="1.0" encoding="utf-8"?>
+<p:sld xmlns:a="http://schemas.openxmlformats.org/drawingml/2006/main" xmlns:r="http://schemas.openxmlformats.org/officeDocument/2006/relationships" xmlns:p="http://schemas.openxmlformats.org/presentationml/2006/main">
+  <p:cSld>
+    <p:spTree>
+      <p:nvGrpSpPr>
+        <p:cNvPr id="1" name=""/>
+        <p:cNvGrpSpPr/>
+        <p:nvPr/>
+      </p:nvGrpSpPr>
+      <p:grpSpPr>
+        <a:xfrm>
+          <a:off x="0" y="0"/>
+          <a:ext cx="0" cy="0"/>
+          <a:chOff x="0" y="0"/>
+          <a:chExt cx="0" cy="0"/>
+        </a:xfrm>
+      </p:grpSpPr>
+      <p:sp>
+        <p:nvSpPr>
+          <p:cNvPr id="2" name="Titre 1"/>
+          <p:cNvSpPr>
+            <a:spLocks noGrp="1"/>
+          </p:cNvSpPr>
+          <p:nvPr>
+            <p:ph type="title"/>
+            <p:custDataLst>
+              <p:tags r:id="rId1"/>
+            </p:custDataLst>
+          </p:nvPr>
+        </p:nvSpPr>
+        <p:spPr/>
+        <p:txBody>
+          <a:bodyPr/>
+          <a:lstStyle/>
+          <a:p>
+            <a:r>
+              <a:rPr lang="fr-FR" dirty="0" smtClean="0"/>
+              <a:t>Repères pour l’orientation</a:t>
+            </a:r>
+            <a:endParaRPr lang="fr-FR" dirty="0"/>
+          </a:p>
+        </p:txBody>
+      </p:sp>
+      <p:sp>
+        <p:nvSpPr>
+          <p:cNvPr id="3" name="Espace réservé du contenu 2"/>
+          <p:cNvSpPr>
+            <a:spLocks noGrp="1"/>
+          </p:cNvSpPr>
+          <p:nvPr>
+            <p:ph idx="1"/>
+            <p:custDataLst>
+              <p:tags r:id="rId2"/>
+            </p:custDataLst>
+          </p:nvPr>
+        </p:nvSpPr>
+        <p:spPr/>
+        <p:txBody>
+          <a:bodyPr>
+            <a:normAutofit/>
+          </a:bodyPr>
+          <a:lstStyle/>
+          <a:p>
+            <a:pPr marL="269875" indent="-269875"/>
+            <a:r>
+              <a:rPr lang="fr-FR" dirty="0" smtClean="0"/>
+              <a:t>La ligne rouge sur la table va permettre </a:t>
+            </a:r>
+            <a:r>
+              <a:rPr lang="fr-FR" dirty="0" smtClean="0"/>
+              <a:t>d’orienter </a:t>
+            </a:r>
+            <a:r>
+              <a:rPr lang="fr-FR" dirty="0" smtClean="0"/>
+              <a:t>le robot grâce </a:t>
+            </a:r>
+            <a:r>
+              <a:rPr lang="fr-FR" dirty="0" smtClean="0"/>
+              <a:t>à des règles de trigonométrie.</a:t>
+            </a:r>
+          </a:p>
+          <a:p>
+            <a:pPr marL="269875" indent="-269875"/>
+            <a:r>
+              <a:rPr lang="fr-FR" dirty="0" smtClean="0"/>
+              <a:t>Les </a:t>
+            </a:r>
+            <a:r>
+              <a:rPr lang="fr-FR" dirty="0" smtClean="0"/>
+              <a:t>coins de la table(bleu et </a:t>
+            </a:r>
+            <a:r>
+              <a:rPr lang="fr-FR" dirty="0" smtClean="0"/>
+              <a:t>orange) vont </a:t>
+            </a:r>
+            <a:r>
+              <a:rPr lang="fr-FR" dirty="0" smtClean="0"/>
+              <a:t>permettre </a:t>
+            </a:r>
+            <a:r>
+              <a:rPr lang="fr-FR" dirty="0" smtClean="0"/>
+              <a:t>l’obtention </a:t>
+            </a:r>
+            <a:r>
+              <a:rPr lang="fr-FR" dirty="0" smtClean="0"/>
+              <a:t>de l’orientation du robot:</a:t>
+            </a:r>
+          </a:p>
+          <a:p>
+            <a:pPr marL="342900" lvl="1" indent="0"/>
+            <a:r>
+              <a:rPr lang="fr-FR" dirty="0" smtClean="0"/>
+              <a:t> N</a:t>
+            </a:r>
+            <a:r>
+              <a:rPr lang="fr-FR" dirty="0" smtClean="0"/>
+              <a:t>: </a:t>
+            </a:r>
+            <a:r>
+              <a:rPr lang="fr-FR" dirty="0" smtClean="0"/>
+              <a:t>Le coin </a:t>
+            </a:r>
+            <a:r>
+              <a:rPr lang="fr-FR" dirty="0" smtClean="0"/>
+              <a:t>orange </a:t>
+            </a:r>
+            <a:r>
+              <a:rPr lang="fr-FR" dirty="0" smtClean="0"/>
+              <a:t>est visible avant </a:t>
+            </a:r>
+            <a:r>
+              <a:rPr lang="fr-FR" dirty="0" smtClean="0"/>
+              <a:t>le </a:t>
+            </a:r>
+            <a:r>
+              <a:rPr lang="fr-FR" dirty="0" smtClean="0"/>
+              <a:t>bleu;</a:t>
+            </a:r>
+            <a:endParaRPr lang="fr-FR" dirty="0" smtClean="0"/>
+          </a:p>
+          <a:p>
+            <a:pPr marL="342900" lvl="1" indent="0"/>
+            <a:r>
+              <a:rPr lang="fr-FR" dirty="0" smtClean="0"/>
+              <a:t> </a:t>
+            </a:r>
+            <a:r>
+              <a:rPr lang="fr-FR" dirty="0" smtClean="0"/>
+              <a:t> S</a:t>
+            </a:r>
+            <a:r>
+              <a:rPr lang="fr-FR" dirty="0" smtClean="0"/>
+              <a:t>: </a:t>
+            </a:r>
+            <a:r>
+              <a:rPr lang="fr-FR" dirty="0" smtClean="0"/>
+              <a:t>Le coin </a:t>
+            </a:r>
+            <a:r>
+              <a:rPr lang="fr-FR" dirty="0" smtClean="0"/>
+              <a:t>bleu </a:t>
+            </a:r>
+            <a:r>
+              <a:rPr lang="fr-FR" dirty="0" smtClean="0"/>
+              <a:t>est visible avant l’orange;</a:t>
+            </a:r>
+            <a:endParaRPr lang="fr-FR" dirty="0" smtClean="0"/>
+          </a:p>
+          <a:p>
+            <a:pPr marL="342900" lvl="1" indent="0"/>
+            <a:r>
+              <a:rPr lang="fr-FR" dirty="0" smtClean="0"/>
+              <a:t> </a:t>
+            </a:r>
+            <a:r>
+              <a:rPr lang="fr-FR" dirty="0" smtClean="0"/>
+              <a:t> E</a:t>
+            </a:r>
+            <a:r>
+              <a:rPr lang="fr-FR" dirty="0" smtClean="0"/>
+              <a:t>: </a:t>
+            </a:r>
+            <a:r>
+              <a:rPr lang="fr-FR" dirty="0" smtClean="0"/>
+              <a:t>Les </a:t>
+            </a:r>
+            <a:r>
+              <a:rPr lang="fr-FR" dirty="0" smtClean="0"/>
+              <a:t>deux coins </a:t>
+            </a:r>
+            <a:r>
+              <a:rPr lang="fr-FR" dirty="0" smtClean="0"/>
+              <a:t>bleus sont visibles;</a:t>
+            </a:r>
+            <a:endParaRPr lang="fr-FR" dirty="0" smtClean="0"/>
+          </a:p>
+          <a:p>
+            <a:pPr marL="342900" lvl="1" indent="0"/>
+            <a:r>
+              <a:rPr lang="fr-FR" dirty="0" smtClean="0"/>
+              <a:t> O</a:t>
+            </a:r>
+            <a:r>
+              <a:rPr lang="fr-FR" dirty="0" smtClean="0"/>
+              <a:t>: </a:t>
+            </a:r>
+            <a:r>
+              <a:rPr lang="fr-FR" dirty="0" smtClean="0"/>
+              <a:t>Les deux </a:t>
+            </a:r>
+            <a:r>
+              <a:rPr lang="fr-FR" dirty="0" smtClean="0"/>
+              <a:t>coins </a:t>
+            </a:r>
+            <a:r>
+              <a:rPr lang="fr-FR" dirty="0" smtClean="0"/>
+              <a:t>oranges sont visibles.</a:t>
+            </a:r>
+            <a:endParaRPr lang="fr-FR" dirty="0"/>
+          </a:p>
+        </p:txBody>
+      </p:sp>
+    </p:spTree>
+    <p:extLst>
+      <p:ext uri="{BB962C8B-B14F-4D97-AF65-F5344CB8AC3E}">
+        <p14:creationId xmlns:p14="http://schemas.microsoft.com/office/powerpoint/2010/main" val="3321135924"/>
+      </p:ext>
+    </p:extLst>
+  </p:cSld>
+  <p:clrMapOvr>
+    <a:masterClrMapping/>
+  </p:clrMapOvr>
+  <mc:AlternateContent xmlns:mc="http://schemas.openxmlformats.org/markup-compatibility/2006" xmlns:p14="http://schemas.microsoft.com/office/powerpoint/2010/main">
+    <mc:Choice Requires="p14">
+      <p:transition p14:dur="0"/>
+    </mc:Choice>
+    <mc:Fallback xmlns="">
+      <p:transition/>
+    </mc:Fallback>
+  </mc:AlternateContent>
+  <p:timing>
+    <p:tnLst>
+      <p:par>
+        <p:cTn id="1" dur="indefinite" restart="never" nodeType="tmRoot"/>
+      </p:par>
+    </p:tnLst>
+  </p:timing>
+</p:sld>
+</file>
+
+<file path=ppt/slides/slide19.xml><?xml version="1.0" encoding="utf-8"?>
+<p:sld xmlns:a="http://schemas.openxmlformats.org/drawingml/2006/main" xmlns:r="http://schemas.openxmlformats.org/officeDocument/2006/relationships" xmlns:p="http://schemas.openxmlformats.org/presentationml/2006/main">
+  <p:cSld>
+    <p:spTree>
+      <p:nvGrpSpPr>
+        <p:cNvPr id="1" name=""/>
+        <p:cNvGrpSpPr/>
+        <p:nvPr/>
+      </p:nvGrpSpPr>
+      <p:grpSpPr>
+        <a:xfrm>
+          <a:off x="0" y="0"/>
+          <a:ext cx="0" cy="0"/>
+          <a:chOff x="0" y="0"/>
+          <a:chExt cx="0" cy="0"/>
+        </a:xfrm>
+      </p:grpSpPr>
+      <p:sp>
+        <p:nvSpPr>
+          <p:cNvPr id="2" name="Titre 1"/>
+          <p:cNvSpPr>
+            <a:spLocks noGrp="1"/>
+          </p:cNvSpPr>
+          <p:nvPr>
+            <p:ph type="title"/>
+            <p:custDataLst>
+              <p:tags r:id="rId1"/>
+            </p:custDataLst>
+          </p:nvPr>
+        </p:nvSpPr>
+        <p:spPr/>
+        <p:txBody>
+          <a:bodyPr/>
+          <a:lstStyle/>
+          <a:p>
+            <a:r>
+              <a:rPr lang="fr-FR" dirty="0" smtClean="0"/>
+              <a:t>Extraction d’un </a:t>
+            </a:r>
+            <a:r>
+              <a:rPr lang="fr-FR" dirty="0" err="1" smtClean="0"/>
+              <a:t>sudocube</a:t>
+            </a:r>
+            <a:endParaRPr lang="fr-FR" dirty="0"/>
+          </a:p>
+        </p:txBody>
+      </p:sp>
+      <p:sp>
+        <p:nvSpPr>
+          <p:cNvPr id="3" name="Espace réservé du contenu 2"/>
+          <p:cNvSpPr>
+            <a:spLocks noGrp="1"/>
+          </p:cNvSpPr>
+          <p:nvPr>
+            <p:ph idx="1"/>
+            <p:custDataLst>
+              <p:tags r:id="rId2"/>
+            </p:custDataLst>
+          </p:nvPr>
+        </p:nvSpPr>
+        <p:spPr/>
+        <p:txBody>
+          <a:bodyPr>
+            <a:normAutofit/>
+          </a:bodyPr>
+          <a:lstStyle/>
+          <a:p>
+            <a:pPr marL="0" indent="269875"/>
+            <a:r>
+              <a:rPr lang="fr-FR" dirty="0" smtClean="0"/>
+              <a:t>Lis </a:t>
+            </a:r>
+            <a:r>
+              <a:rPr lang="fr-FR" dirty="0" smtClean="0"/>
+              <a:t>les </a:t>
+            </a:r>
+            <a:r>
+              <a:rPr lang="fr-FR" dirty="0" err="1" smtClean="0"/>
+              <a:t>sudocubes</a:t>
+            </a:r>
+            <a:r>
+              <a:rPr lang="fr-FR" dirty="0" smtClean="0"/>
+              <a:t>, identifie les chiffres et la case rouge;</a:t>
+            </a:r>
+          </a:p>
+          <a:p>
+            <a:pPr marL="0" indent="269875"/>
+            <a:r>
+              <a:rPr lang="fr-FR" dirty="0" smtClean="0"/>
+              <a:t>Robuste aux variations de la lumière;</a:t>
+            </a:r>
+          </a:p>
+          <a:p>
+            <a:pPr marL="269875" indent="-269875"/>
+            <a:r>
+              <a:rPr lang="fr-FR" dirty="0" smtClean="0"/>
+              <a:t>Testé sur 42 images (angles, distances et éclairages variés);</a:t>
+            </a:r>
+          </a:p>
+          <a:p>
+            <a:pPr marL="0" indent="269875"/>
+            <a:r>
+              <a:rPr lang="fr-FR" dirty="0" smtClean="0"/>
+              <a:t>Taux d’erreurs faible (15 chiffres non lus sur 464);</a:t>
+            </a:r>
+          </a:p>
+          <a:p>
+            <a:pPr marL="0" indent="269875"/>
+            <a:r>
+              <a:rPr lang="fr-FR" dirty="0" smtClean="0"/>
+              <a:t>Réduction du taux d’erreur en utilisant 3 images.</a:t>
+            </a:r>
+            <a:endParaRPr lang="fr-FR" dirty="0"/>
+          </a:p>
+        </p:txBody>
+      </p:sp>
+    </p:spTree>
+    <p:extLst>
+      <p:ext uri="{BB962C8B-B14F-4D97-AF65-F5344CB8AC3E}">
+        <p14:creationId xmlns:p14="http://schemas.microsoft.com/office/powerpoint/2010/main" val="1263772938"/>
+      </p:ext>
+    </p:extLst>
+  </p:cSld>
+  <p:clrMapOvr>
+    <a:masterClrMapping/>
+  </p:clrMapOvr>
+  <mc:AlternateContent xmlns:mc="http://schemas.openxmlformats.org/markup-compatibility/2006" xmlns:p14="http://schemas.microsoft.com/office/powerpoint/2010/main">
+    <mc:Choice Requires="p14">
+      <p:transition p14:dur="0"/>
+    </mc:Choice>
+    <mc:Fallback xmlns="">
+      <p:transition/>
+    </mc:Fallback>
+  </mc:AlternateContent>
+  <p:timing>
+    <p:tnLst>
+      <p:par>
+        <p:cTn id="1" dur="indefinite" restart="never" nodeType="tmRoot"/>
       </p:par>
     </p:tnLst>
   </p:timing>
@@ -5883,6 +9741,9 @@
           </p:cNvSpPr>
           <p:nvPr>
             <p:ph type="title"/>
+            <p:custDataLst>
+              <p:tags r:id="rId1"/>
+            </p:custDataLst>
           </p:nvPr>
         </p:nvSpPr>
         <p:spPr/>
@@ -5906,6 +9767,9 @@
           </p:cNvSpPr>
           <p:nvPr>
             <p:ph idx="1"/>
+            <p:custDataLst>
+              <p:tags r:id="rId2"/>
+            </p:custDataLst>
           </p:nvPr>
         </p:nvSpPr>
         <p:spPr/>
@@ -5915,40 +9779,31 @@
           <a:p>
             <a:r>
               <a:rPr lang="fr-FR" dirty="0" smtClean="0"/>
-              <a:t>Introduction</a:t>
-            </a:r>
-          </a:p>
-          <a:p>
-            <a:r>
-              <a:rPr lang="fr-FR" dirty="0" smtClean="0"/>
               <a:t>Électronique</a:t>
             </a:r>
-            <a:endParaRPr lang="fr-FR" dirty="0" smtClean="0"/>
+          </a:p>
+          <a:p>
+            <a:r>
+              <a:rPr lang="fr-FR" dirty="0" smtClean="0"/>
+              <a:t>Asservissement</a:t>
+            </a:r>
           </a:p>
           <a:p>
             <a:r>
               <a:rPr lang="fr-FR" dirty="0" smtClean="0"/>
               <a:t>Vision</a:t>
             </a:r>
-            <a:endParaRPr lang="fr-FR" dirty="0" smtClean="0"/>
           </a:p>
           <a:p>
             <a:r>
               <a:rPr lang="fr-FR" dirty="0" smtClean="0"/>
               <a:t>Traitement numérique</a:t>
             </a:r>
-            <a:endParaRPr lang="fr-FR" dirty="0" smtClean="0"/>
           </a:p>
           <a:p>
             <a:r>
               <a:rPr lang="fr-FR" dirty="0" smtClean="0"/>
               <a:t>Communication</a:t>
-            </a:r>
-          </a:p>
-          <a:p>
-            <a:r>
-              <a:rPr lang="fr-FR" dirty="0" smtClean="0"/>
-              <a:t>Conclusion</a:t>
             </a:r>
             <a:endParaRPr lang="fr-FR" dirty="0" smtClean="0"/>
           </a:p>
@@ -5980,14 +9835,14 @@
   <p:timing>
     <p:tnLst>
       <p:par>
-        <p:cTn xmlns:p14="http://schemas.microsoft.com/office/powerpoint/2010/main" id="1" dur="indefinite" restart="never" nodeType="tmRoot"/>
+        <p:cTn id="1" dur="indefinite" restart="never" nodeType="tmRoot"/>
       </p:par>
     </p:tnLst>
   </p:timing>
 </p:sld>
 </file>
 
-<file path=ppt/slides/slide3.xml><?xml version="1.0" encoding="utf-8"?>
+<file path=ppt/slides/slide20.xml><?xml version="1.0" encoding="utf-8"?>
 <p:sld xmlns:a="http://schemas.openxmlformats.org/drawingml/2006/main" xmlns:r="http://schemas.openxmlformats.org/officeDocument/2006/relationships" xmlns:p="http://schemas.openxmlformats.org/presentationml/2006/main">
   <p:cSld>
     <p:spTree>
@@ -6012,6 +9867,9 @@
           </p:cNvSpPr>
           <p:nvPr>
             <p:ph type="title"/>
+            <p:custDataLst>
+              <p:tags r:id="rId1"/>
+            </p:custDataLst>
           </p:nvPr>
         </p:nvSpPr>
         <p:spPr/>
@@ -6021,66 +9879,666 @@
           <a:p>
             <a:r>
               <a:rPr lang="fr-FR" dirty="0" smtClean="0"/>
-              <a:t>L’oxyPod – en bref</a:t>
+              <a:t>Extraction d’un </a:t>
+            </a:r>
+            <a:r>
+              <a:rPr lang="fr-FR" dirty="0" err="1" smtClean="0"/>
+              <a:t>sudocube</a:t>
             </a:r>
             <a:endParaRPr lang="fr-FR" dirty="0"/>
           </a:p>
         </p:txBody>
       </p:sp>
-      <p:sp>
-        <p:nvSpPr>
-          <p:cNvPr id="3" name="Espace réservé du contenu 2"/>
-          <p:cNvSpPr>
-            <a:spLocks noGrp="1"/>
-          </p:cNvSpPr>
+      <p:pic>
+        <p:nvPicPr>
+          <p:cNvPr id="4" name="Espace réservé du contenu 3" descr="28.png"/>
+          <p:cNvPicPr>
+            <a:picLocks noGrp="1" noChangeAspect="1"/>
+          </p:cNvPicPr>
           <p:nvPr>
             <p:ph idx="1"/>
-          </p:nvPr>
-        </p:nvSpPr>
-        <p:spPr/>
-        <p:txBody>
-          <a:bodyPr>
-            <a:normAutofit lnSpcReduction="10000"/>
+            <p:custDataLst>
+              <p:tags r:id="rId2"/>
+            </p:custDataLst>
+          </p:nvPr>
+        </p:nvPicPr>
+        <p:blipFill>
+          <a:blip r:embed="rId15"/>
+          <a:stretch>
+            <a:fillRect/>
+          </a:stretch>
+        </p:blipFill>
+        <p:spPr>
+          <a:xfrm>
+            <a:off x="437576" y="2239963"/>
+            <a:ext cx="3706372" cy="3670300"/>
+          </a:xfrm>
+        </p:spPr>
+      </p:pic>
+      <p:pic>
+        <p:nvPicPr>
+          <p:cNvPr id="5" name="Image 4" descr="28_1_0.png"/>
+          <p:cNvPicPr>
+            <a:picLocks noChangeAspect="1"/>
+          </p:cNvPicPr>
+          <p:nvPr>
+            <p:custDataLst>
+              <p:tags r:id="rId3"/>
+            </p:custDataLst>
+          </p:nvPr>
+        </p:nvPicPr>
+        <p:blipFill>
+          <a:blip r:embed="rId16"/>
+          <a:stretch>
+            <a:fillRect/>
+          </a:stretch>
+        </p:blipFill>
+        <p:spPr>
+          <a:xfrm>
+            <a:off x="4759322" y="3752850"/>
+            <a:ext cx="238125" cy="285750"/>
+          </a:xfrm>
+          <a:prstGeom prst="rect">
+            <a:avLst/>
+          </a:prstGeom>
+        </p:spPr>
+      </p:pic>
+      <p:pic>
+        <p:nvPicPr>
+          <p:cNvPr id="6" name="Image 5" descr="28_1_4.png"/>
+          <p:cNvPicPr>
+            <a:picLocks noChangeAspect="1"/>
+          </p:cNvPicPr>
+          <p:nvPr>
+            <p:custDataLst>
+              <p:tags r:id="rId4"/>
+            </p:custDataLst>
+          </p:nvPr>
+        </p:nvPicPr>
+        <p:blipFill>
+          <a:blip r:embed="rId17"/>
+          <a:stretch>
+            <a:fillRect/>
+          </a:stretch>
+        </p:blipFill>
+        <p:spPr>
+          <a:xfrm>
+            <a:off x="5116509" y="3752850"/>
+            <a:ext cx="238125" cy="285750"/>
+          </a:xfrm>
+          <a:prstGeom prst="rect">
+            <a:avLst/>
+          </a:prstGeom>
+        </p:spPr>
+      </p:pic>
+      <p:pic>
+        <p:nvPicPr>
+          <p:cNvPr id="7" name="Image 6" descr="28_2_5.png"/>
+          <p:cNvPicPr>
+            <a:picLocks noChangeAspect="1"/>
+          </p:cNvPicPr>
+          <p:nvPr>
+            <p:custDataLst>
+              <p:tags r:id="rId5"/>
+            </p:custDataLst>
+          </p:nvPr>
+        </p:nvPicPr>
+        <p:blipFill>
+          <a:blip r:embed="rId18"/>
+          <a:stretch>
+            <a:fillRect/>
+          </a:stretch>
+        </p:blipFill>
+        <p:spPr>
+          <a:xfrm>
+            <a:off x="5509321" y="3752850"/>
+            <a:ext cx="238125" cy="285750"/>
+          </a:xfrm>
+          <a:prstGeom prst="rect">
+            <a:avLst/>
+          </a:prstGeom>
+        </p:spPr>
+      </p:pic>
+      <p:pic>
+        <p:nvPicPr>
+          <p:cNvPr id="8" name="Image 7" descr="28_3_6.png"/>
+          <p:cNvPicPr>
+            <a:picLocks noChangeAspect="1"/>
+          </p:cNvPicPr>
+          <p:nvPr>
+            <p:custDataLst>
+              <p:tags r:id="rId6"/>
+            </p:custDataLst>
+          </p:nvPr>
+        </p:nvPicPr>
+        <p:blipFill>
+          <a:blip r:embed="rId19"/>
+          <a:stretch>
+            <a:fillRect/>
+          </a:stretch>
+        </p:blipFill>
+        <p:spPr>
+          <a:xfrm>
+            <a:off x="5871197" y="3752850"/>
+            <a:ext cx="238125" cy="285750"/>
+          </a:xfrm>
+          <a:prstGeom prst="rect">
+            <a:avLst/>
+          </a:prstGeom>
+        </p:spPr>
+      </p:pic>
+      <p:pic>
+        <p:nvPicPr>
+          <p:cNvPr id="9" name="Image 8" descr="28_4_3.png"/>
+          <p:cNvPicPr>
+            <a:picLocks noChangeAspect="1"/>
+          </p:cNvPicPr>
+          <p:nvPr>
+            <p:custDataLst>
+              <p:tags r:id="rId7"/>
+            </p:custDataLst>
+          </p:nvPr>
+        </p:nvPicPr>
+        <p:blipFill>
+          <a:blip r:embed="rId20"/>
+          <a:stretch>
+            <a:fillRect/>
+          </a:stretch>
+        </p:blipFill>
+        <p:spPr>
+          <a:xfrm>
+            <a:off x="6228385" y="3752850"/>
+            <a:ext cx="238125" cy="285750"/>
+          </a:xfrm>
+          <a:prstGeom prst="rect">
+            <a:avLst/>
+          </a:prstGeom>
+        </p:spPr>
+      </p:pic>
+      <p:pic>
+        <p:nvPicPr>
+          <p:cNvPr id="10" name="Image 9" descr="28_5_0.png"/>
+          <p:cNvPicPr>
+            <a:picLocks noChangeAspect="1"/>
+          </p:cNvPicPr>
+          <p:nvPr>
+            <p:custDataLst>
+              <p:tags r:id="rId8"/>
+            </p:custDataLst>
+          </p:nvPr>
+        </p:nvPicPr>
+        <p:blipFill>
+          <a:blip r:embed="rId21"/>
+          <a:stretch>
+            <a:fillRect/>
+          </a:stretch>
+        </p:blipFill>
+        <p:spPr>
+          <a:xfrm>
+            <a:off x="6534771" y="3752850"/>
+            <a:ext cx="238125" cy="285750"/>
+          </a:xfrm>
+          <a:prstGeom prst="rect">
+            <a:avLst/>
+          </a:prstGeom>
+        </p:spPr>
+      </p:pic>
+      <p:pic>
+        <p:nvPicPr>
+          <p:cNvPr id="11" name="Image 10" descr="28_5_5.png"/>
+          <p:cNvPicPr>
+            <a:picLocks noChangeAspect="1"/>
+          </p:cNvPicPr>
+          <p:nvPr>
+            <p:custDataLst>
+              <p:tags r:id="rId9"/>
+            </p:custDataLst>
+          </p:nvPr>
+        </p:nvPicPr>
+        <p:blipFill>
+          <a:blip r:embed="rId22"/>
+          <a:stretch>
+            <a:fillRect/>
+          </a:stretch>
+        </p:blipFill>
+        <p:spPr>
+          <a:xfrm>
+            <a:off x="6887385" y="3752850"/>
+            <a:ext cx="238125" cy="285750"/>
+          </a:xfrm>
+          <a:prstGeom prst="rect">
+            <a:avLst/>
+          </a:prstGeom>
+        </p:spPr>
+      </p:pic>
+      <p:pic>
+        <p:nvPicPr>
+          <p:cNvPr id="12" name="Image 11" descr="28_6_1.png"/>
+          <p:cNvPicPr>
+            <a:picLocks noChangeAspect="1"/>
+          </p:cNvPicPr>
+          <p:nvPr>
+            <p:custDataLst>
+              <p:tags r:id="rId10"/>
+            </p:custDataLst>
+          </p:nvPr>
+        </p:nvPicPr>
+        <p:blipFill>
+          <a:blip r:embed="rId23"/>
+          <a:stretch>
+            <a:fillRect/>
+          </a:stretch>
+        </p:blipFill>
+        <p:spPr>
+          <a:xfrm>
+            <a:off x="7233460" y="3752850"/>
+            <a:ext cx="238125" cy="285750"/>
+          </a:xfrm>
+          <a:prstGeom prst="rect">
+            <a:avLst/>
+          </a:prstGeom>
+        </p:spPr>
+      </p:pic>
+      <p:pic>
+        <p:nvPicPr>
+          <p:cNvPr id="13" name="Image 12" descr="28_6_3.png"/>
+          <p:cNvPicPr>
+            <a:picLocks noChangeAspect="1"/>
+          </p:cNvPicPr>
+          <p:nvPr>
+            <p:custDataLst>
+              <p:tags r:id="rId11"/>
+            </p:custDataLst>
+          </p:nvPr>
+        </p:nvPicPr>
+        <p:blipFill>
+          <a:blip r:embed="rId24"/>
+          <a:stretch>
+            <a:fillRect/>
+          </a:stretch>
+        </p:blipFill>
+        <p:spPr>
+          <a:xfrm>
+            <a:off x="7603348" y="3752850"/>
+            <a:ext cx="238125" cy="285750"/>
+          </a:xfrm>
+          <a:prstGeom prst="rect">
+            <a:avLst/>
+          </a:prstGeom>
+        </p:spPr>
+      </p:pic>
+      <p:pic>
+        <p:nvPicPr>
+          <p:cNvPr id="14" name="Image 13" descr="28_7_3.png"/>
+          <p:cNvPicPr>
+            <a:picLocks noChangeAspect="1"/>
+          </p:cNvPicPr>
+          <p:nvPr>
+            <p:custDataLst>
+              <p:tags r:id="rId12"/>
+            </p:custDataLst>
+          </p:nvPr>
+        </p:nvPicPr>
+        <p:blipFill>
+          <a:blip r:embed="rId25"/>
+          <a:stretch>
+            <a:fillRect/>
+          </a:stretch>
+        </p:blipFill>
+        <p:spPr>
+          <a:xfrm>
+            <a:off x="7955772" y="3752850"/>
+            <a:ext cx="238125" cy="285750"/>
+          </a:xfrm>
+          <a:prstGeom prst="rect">
+            <a:avLst/>
+          </a:prstGeom>
+        </p:spPr>
+      </p:pic>
+      <p:sp>
+        <p:nvSpPr>
+          <p:cNvPr id="15" name="Espace réservé du contenu 2"/>
+          <p:cNvSpPr txBox="1">
+            <a:spLocks/>
+          </p:cNvSpPr>
+          <p:nvPr>
+            <p:custDataLst>
+              <p:tags r:id="rId13"/>
+            </p:custDataLst>
+          </p:nvPr>
+        </p:nvSpPr>
+        <p:spPr>
+          <a:xfrm>
+            <a:off x="4318000" y="2660417"/>
+            <a:ext cx="4445000" cy="1060683"/>
+          </a:xfrm>
+          <a:prstGeom prst="rect">
+            <a:avLst/>
+          </a:prstGeom>
+        </p:spPr>
+        <p:txBody>
+          <a:bodyPr vert="horz" lIns="91440" tIns="45720" rIns="91440" bIns="45720" rtlCol="0">
+            <a:normAutofit/>
           </a:bodyPr>
           <a:lstStyle/>
           <a:p>
-            <a:pPr marL="0" indent="0">
+            <a:pPr marL="0" marR="0" lvl="0" indent="0" algn="l" defTabSz="914400" rtl="0" eaLnBrk="1" fontAlgn="auto" latinLnBrk="0" hangingPunct="1">
               <a:lnSpc>
-                <a:spcPct val="160000"/>
+                <a:spcPct val="100000"/>
               </a:lnSpc>
-              <a:buNone/>
+              <a:spcBef>
+                <a:spcPts val="2000"/>
+              </a:spcBef>
+              <a:spcAft>
+                <a:spcPts val="0"/>
+              </a:spcAft>
+              <a:buClr>
+                <a:schemeClr val="accent1"/>
+              </a:buClr>
+              <a:buSzTx/>
+              <a:buFont typeface="Wingdings 2" pitchFamily="18" charset="2"/>
+              <a:buChar char=""/>
+              <a:tabLst/>
+              <a:defRPr/>
             </a:pPr>
             <a:r>
-              <a:rPr lang="fr-FR" dirty="0" smtClean="0"/>
-              <a:t>Module portable de régulation du taux de saturation d’oxygène dans le sang permettant une Intervention à distance.</a:t>
-            </a:r>
+              <a:rPr kumimoji="0" lang="fr-FR" sz="2000" b="0" i="0" u="none" strike="noStrike" kern="1200" cap="none" spc="0" normalizeH="0" baseline="0" noProof="0" dirty="0" smtClean="0">
+                <a:ln>
+                  <a:noFill/>
+                </a:ln>
+                <a:solidFill>
+                  <a:schemeClr val="tx1">
+                    <a:lumMod val="65000"/>
+                    <a:lumOff val="35000"/>
+                  </a:schemeClr>
+                </a:solidFill>
+                <a:effectLst/>
+                <a:uLnTx/>
+                <a:uFillTx/>
+                <a:latin typeface="+mn-lt"/>
+                <a:ea typeface="+mn-ea"/>
+                <a:cs typeface="+mn-cs"/>
+              </a:rPr>
+              <a:t>Exemple de</a:t>
+            </a:r>
+            <a:r>
+              <a:rPr kumimoji="0" lang="fr-FR" sz="2000" b="0" i="0" u="none" strike="noStrike" kern="1200" cap="none" spc="0" normalizeH="0" noProof="0" dirty="0" smtClean="0">
+                <a:ln>
+                  <a:noFill/>
+                </a:ln>
+                <a:solidFill>
+                  <a:schemeClr val="tx1">
+                    <a:lumMod val="65000"/>
+                    <a:lumOff val="35000"/>
+                  </a:schemeClr>
+                </a:solidFill>
+                <a:effectLst/>
+                <a:uLnTx/>
+                <a:uFillTx/>
+                <a:latin typeface="+mn-lt"/>
+                <a:ea typeface="+mn-ea"/>
+                <a:cs typeface="+mn-cs"/>
+              </a:rPr>
+              <a:t> </a:t>
+            </a:r>
+            <a:r>
+              <a:rPr kumimoji="0" lang="fr-FR" sz="2000" b="0" i="0" u="none" strike="noStrike" kern="1200" cap="none" spc="0" normalizeH="0" noProof="0" dirty="0" err="1" smtClean="0">
+                <a:ln>
+                  <a:noFill/>
+                </a:ln>
+                <a:solidFill>
+                  <a:schemeClr val="tx1">
+                    <a:lumMod val="65000"/>
+                    <a:lumOff val="35000"/>
+                  </a:schemeClr>
+                </a:solidFill>
+                <a:effectLst/>
+                <a:uLnTx/>
+                <a:uFillTx/>
+                <a:latin typeface="+mn-lt"/>
+                <a:ea typeface="+mn-ea"/>
+                <a:cs typeface="+mn-cs"/>
+              </a:rPr>
+              <a:t>sudocube</a:t>
+            </a:r>
+            <a:r>
+              <a:rPr kumimoji="0" lang="fr-FR" sz="2000" b="0" i="0" u="none" strike="noStrike" kern="1200" cap="none" spc="0" normalizeH="0" noProof="0" dirty="0" smtClean="0">
+                <a:ln>
+                  <a:noFill/>
+                </a:ln>
+                <a:solidFill>
+                  <a:schemeClr val="tx1">
+                    <a:lumMod val="65000"/>
+                    <a:lumOff val="35000"/>
+                  </a:schemeClr>
+                </a:solidFill>
+                <a:effectLst/>
+                <a:uLnTx/>
+                <a:uFillTx/>
+                <a:latin typeface="+mn-lt"/>
+                <a:ea typeface="+mn-ea"/>
+                <a:cs typeface="+mn-cs"/>
+              </a:rPr>
+              <a:t> traité </a:t>
+            </a:r>
+            <a:r>
+              <a:rPr kumimoji="0" lang="fr-FR" sz="2000" b="0" i="0" u="none" strike="noStrike" kern="1200" cap="none" spc="0" normalizeH="0" baseline="0" noProof="0" dirty="0" smtClean="0">
+                <a:ln>
+                  <a:noFill/>
+                </a:ln>
+                <a:solidFill>
+                  <a:schemeClr val="tx1">
+                    <a:lumMod val="65000"/>
+                    <a:lumOff val="35000"/>
+                  </a:schemeClr>
+                </a:solidFill>
+                <a:effectLst/>
+                <a:uLnTx/>
+                <a:uFillTx/>
+                <a:latin typeface="+mn-lt"/>
+                <a:ea typeface="+mn-ea"/>
+                <a:cs typeface="+mn-cs"/>
+              </a:rPr>
+              <a:t>et</a:t>
+            </a:r>
+            <a:r>
+              <a:rPr kumimoji="0" lang="fr-FR" sz="2000" b="0" i="0" u="none" strike="noStrike" kern="1200" cap="none" spc="0" normalizeH="0" noProof="0" dirty="0" smtClean="0">
+                <a:ln>
+                  <a:noFill/>
+                </a:ln>
+                <a:solidFill>
+                  <a:schemeClr val="tx1">
+                    <a:lumMod val="65000"/>
+                    <a:lumOff val="35000"/>
+                  </a:schemeClr>
+                </a:solidFill>
+                <a:effectLst/>
+                <a:uLnTx/>
+                <a:uFillTx/>
+                <a:latin typeface="+mn-lt"/>
+                <a:ea typeface="+mn-ea"/>
+                <a:cs typeface="+mn-cs"/>
+              </a:rPr>
+              <a:t> de c</a:t>
+            </a:r>
+            <a:r>
+              <a:rPr kumimoji="0" lang="fr-FR" sz="2000" b="0" i="0" u="none" strike="noStrike" kern="1200" cap="none" spc="0" normalizeH="0" baseline="0" noProof="0" dirty="0" smtClean="0">
+                <a:ln>
+                  <a:noFill/>
+                </a:ln>
+                <a:solidFill>
+                  <a:schemeClr val="tx1">
+                    <a:lumMod val="65000"/>
+                    <a:lumOff val="35000"/>
+                  </a:schemeClr>
+                </a:solidFill>
+                <a:effectLst/>
+                <a:uLnTx/>
+                <a:uFillTx/>
+                <a:latin typeface="+mn-lt"/>
+                <a:ea typeface="+mn-ea"/>
+                <a:cs typeface="+mn-cs"/>
+              </a:rPr>
+              <a:t>aractères lus.</a:t>
+            </a:r>
+            <a:r>
+              <a:rPr lang="fr-FR" sz="2000" dirty="0">
+                <a:solidFill>
+                  <a:schemeClr val="tx1">
+                    <a:lumMod val="65000"/>
+                    <a:lumOff val="35000"/>
+                  </a:schemeClr>
+                </a:solidFill>
+              </a:rPr>
+              <a:t/>
+            </a:r>
+            <a:br>
+              <a:rPr lang="fr-FR" sz="2000" dirty="0">
+                <a:solidFill>
+                  <a:schemeClr val="tx1">
+                    <a:lumMod val="65000"/>
+                    <a:lumOff val="35000"/>
+                  </a:schemeClr>
+                </a:solidFill>
+              </a:rPr>
+            </a:br>
+            <a:endParaRPr kumimoji="0" lang="fr-FR" sz="2000" b="0" i="0" u="none" strike="noStrike" kern="1200" cap="none" spc="0" normalizeH="0" noProof="0" dirty="0" smtClean="0">
+              <a:ln>
+                <a:noFill/>
+              </a:ln>
+              <a:solidFill>
+                <a:schemeClr val="tx1">
+                  <a:lumMod val="65000"/>
+                  <a:lumOff val="35000"/>
+                </a:schemeClr>
+              </a:solidFill>
+              <a:effectLst/>
+              <a:uLnTx/>
+              <a:uFillTx/>
+              <a:latin typeface="+mn-lt"/>
+              <a:ea typeface="+mn-ea"/>
+              <a:cs typeface="+mn-cs"/>
+            </a:endParaRPr>
+          </a:p>
+        </p:txBody>
+      </p:sp>
+    </p:spTree>
+    <p:extLst>
+      <p:ext uri="{BB962C8B-B14F-4D97-AF65-F5344CB8AC3E}">
+        <p14:creationId xmlns:p14="http://schemas.microsoft.com/office/powerpoint/2010/main" val="1094603640"/>
+      </p:ext>
+    </p:extLst>
+  </p:cSld>
+  <p:clrMapOvr>
+    <a:masterClrMapping/>
+  </p:clrMapOvr>
+  <mc:AlternateContent xmlns:mc="http://schemas.openxmlformats.org/markup-compatibility/2006" xmlns:p14="http://schemas.microsoft.com/office/powerpoint/2010/main">
+    <mc:Choice Requires="p14">
+      <p:transition p14:dur="0"/>
+    </mc:Choice>
+    <mc:Fallback xmlns="">
+      <p:transition/>
+    </mc:Fallback>
+  </mc:AlternateContent>
+  <p:timing>
+    <p:tnLst>
+      <p:par>
+        <p:cTn id="1" dur="indefinite" restart="never" nodeType="tmRoot"/>
+      </p:par>
+    </p:tnLst>
+  </p:timing>
+</p:sld>
+</file>
+
+<file path=ppt/slides/slide21.xml><?xml version="1.0" encoding="utf-8"?>
+<p:sld xmlns:a="http://schemas.openxmlformats.org/drawingml/2006/main" xmlns:r="http://schemas.openxmlformats.org/officeDocument/2006/relationships" xmlns:p="http://schemas.openxmlformats.org/presentationml/2006/main">
+  <p:cSld>
+    <p:spTree>
+      <p:nvGrpSpPr>
+        <p:cNvPr id="1" name=""/>
+        <p:cNvGrpSpPr/>
+        <p:nvPr/>
+      </p:nvGrpSpPr>
+      <p:grpSpPr>
+        <a:xfrm>
+          <a:off x="0" y="0"/>
+          <a:ext cx="0" cy="0"/>
+          <a:chOff x="0" y="0"/>
+          <a:chExt cx="0" cy="0"/>
+        </a:xfrm>
+      </p:grpSpPr>
+      <p:sp>
+        <p:nvSpPr>
+          <p:cNvPr id="2" name="Titre 1"/>
+          <p:cNvSpPr>
+            <a:spLocks noGrp="1"/>
+          </p:cNvSpPr>
+          <p:nvPr>
+            <p:ph type="title"/>
+            <p:custDataLst>
+              <p:tags r:id="rId1"/>
+            </p:custDataLst>
+          </p:nvPr>
+        </p:nvSpPr>
+        <p:spPr/>
+        <p:txBody>
+          <a:bodyPr/>
+          <a:lstStyle/>
+          <a:p>
+            <a:r>
+              <a:rPr lang="fr-FR" dirty="0" smtClean="0"/>
+              <a:t>Traitement numérique</a:t>
+            </a:r>
+            <a:endParaRPr lang="fr-FR" dirty="0"/>
+          </a:p>
+        </p:txBody>
+      </p:sp>
+      <p:sp>
+        <p:nvSpPr>
+          <p:cNvPr id="4" name="Espace réservé du contenu 2"/>
+          <p:cNvSpPr>
+            <a:spLocks noGrp="1"/>
+          </p:cNvSpPr>
+          <p:nvPr>
+            <p:ph idx="1"/>
+            <p:custDataLst>
+              <p:tags r:id="rId2"/>
+            </p:custDataLst>
+          </p:nvPr>
+        </p:nvSpPr>
+        <p:spPr>
+          <a:xfrm>
+            <a:off x="1114424" y="2595562"/>
+            <a:ext cx="7610476" cy="3670767"/>
+          </a:xfrm>
+        </p:spPr>
+        <p:txBody>
+          <a:bodyPr>
+            <a:normAutofit/>
+          </a:bodyPr>
+          <a:lstStyle/>
+          <a:p>
+            <a:r>
+              <a:rPr lang="fr-FR" dirty="0" smtClean="0"/>
+              <a:t>Solveur de </a:t>
+            </a:r>
+            <a:r>
+              <a:rPr lang="fr-FR" dirty="0" err="1" smtClean="0"/>
+              <a:t>sudokube</a:t>
+            </a:r>
+            <a:endParaRPr lang="fr-FR" dirty="0" smtClean="0"/>
+          </a:p>
+          <a:p>
+            <a:r>
+              <a:rPr lang="fr-FR" dirty="0" smtClean="0"/>
+              <a:t>Recherche de chemin</a:t>
+            </a:r>
+            <a:endParaRPr lang="fr-FR" dirty="0" smtClean="0"/>
           </a:p>
           <a:p>
             <a:pPr marL="0" indent="0">
               <a:buNone/>
             </a:pPr>
-            <a:r>
-              <a:rPr lang="fr-FR" dirty="0" smtClean="0"/>
-              <a:t>Quelques objectifs:</a:t>
-            </a:r>
-          </a:p>
-          <a:p>
-            <a:r>
-              <a:rPr lang="fr-FR" dirty="0" smtClean="0"/>
-              <a:t>Assurer le dosage pour le confort et la santé</a:t>
-            </a:r>
-          </a:p>
-          <a:p>
-            <a:r>
-              <a:rPr lang="fr-FR" dirty="0" smtClean="0"/>
-              <a:t>Permettre le suivi par les médecins</a:t>
-            </a:r>
-          </a:p>
-          <a:p>
-            <a:r>
-              <a:rPr lang="fr-FR" dirty="0" smtClean="0"/>
-              <a:t>Permettre de modifier le dosage</a:t>
-            </a:r>
             <a:endParaRPr lang="fr-FR" dirty="0"/>
           </a:p>
         </p:txBody>
@@ -6088,7 +10546,7 @@
     </p:spTree>
     <p:extLst>
       <p:ext uri="{BB962C8B-B14F-4D97-AF65-F5344CB8AC3E}">
-        <p14:creationId xmlns:p14="http://schemas.microsoft.com/office/powerpoint/2010/main" val="601557123"/>
+        <p14:creationId xmlns:p14="http://schemas.microsoft.com/office/powerpoint/2010/main" val="1143801389"/>
       </p:ext>
     </p:extLst>
   </p:cSld>
@@ -6108,14 +10566,14 @@
   <p:timing>
     <p:tnLst>
       <p:par>
-        <p:cTn xmlns:p14="http://schemas.microsoft.com/office/powerpoint/2010/main" id="1" dur="indefinite" restart="never" nodeType="tmRoot"/>
+        <p:cTn id="1" dur="indefinite" restart="never" nodeType="tmRoot"/>
       </p:par>
     </p:tnLst>
   </p:timing>
 </p:sld>
 </file>
 
-<file path=ppt/slides/slide4.xml><?xml version="1.0" encoding="utf-8"?>
+<file path=ppt/slides/slide22.xml><?xml version="1.0" encoding="utf-8"?>
 <p:sld xmlns:a="http://schemas.openxmlformats.org/drawingml/2006/main" xmlns:r="http://schemas.openxmlformats.org/officeDocument/2006/relationships" xmlns:p="http://schemas.openxmlformats.org/presentationml/2006/main">
   <p:cSld>
     <p:spTree>
@@ -6140,6 +10598,9 @@
           </p:cNvSpPr>
           <p:nvPr>
             <p:ph type="title"/>
+            <p:custDataLst>
+              <p:tags r:id="rId1"/>
+            </p:custDataLst>
           </p:nvPr>
         </p:nvSpPr>
         <p:spPr/>
@@ -6149,7 +10610,11 @@
           <a:p>
             <a:r>
               <a:rPr lang="fr-FR" dirty="0" smtClean="0"/>
-              <a:t>Électronique</a:t>
+              <a:t>Solveur de </a:t>
+            </a:r>
+            <a:r>
+              <a:rPr lang="fr-FR" dirty="0" err="1" smtClean="0"/>
+              <a:t>sudokube</a:t>
             </a:r>
             <a:endParaRPr lang="fr-FR" dirty="0"/>
           </a:p>
@@ -6157,20 +10622,1824 @@
       </p:sp>
       <p:sp>
         <p:nvSpPr>
+          <p:cNvPr id="4" name="Espace réservé du contenu 2"/>
+          <p:cNvSpPr txBox="1">
+            <a:spLocks/>
+          </p:cNvSpPr>
+          <p:nvPr>
+            <p:custDataLst>
+              <p:tags r:id="rId2"/>
+            </p:custDataLst>
+          </p:nvPr>
+        </p:nvSpPr>
+        <p:spPr>
+          <a:xfrm>
+            <a:off x="1113189" y="2460028"/>
+            <a:ext cx="7610476" cy="3670767"/>
+          </a:xfrm>
+          <a:prstGeom prst="rect">
+            <a:avLst/>
+          </a:prstGeom>
+        </p:spPr>
+        <p:txBody>
+          <a:bodyPr vert="horz" lIns="91440" tIns="45720" rIns="91440" bIns="45720" rtlCol="0">
+            <a:normAutofit/>
+          </a:bodyPr>
+          <a:lstStyle>
+            <a:lvl1pPr marL="342900" indent="-342900" algn="l" defTabSz="914400" rtl="0" eaLnBrk="1" latinLnBrk="0" hangingPunct="1">
+              <a:spcBef>
+                <a:spcPts val="2000"/>
+              </a:spcBef>
+              <a:buClr>
+                <a:schemeClr val="accent1"/>
+              </a:buClr>
+              <a:buFont typeface="Wingdings 2" pitchFamily="18" charset="2"/>
+              <a:buChar char=""/>
+              <a:defRPr sz="2000" kern="1200">
+                <a:solidFill>
+                  <a:schemeClr val="tx1">
+                    <a:lumMod val="65000"/>
+                    <a:lumOff val="35000"/>
+                  </a:schemeClr>
+                </a:solidFill>
+                <a:latin typeface="+mn-lt"/>
+                <a:ea typeface="+mn-ea"/>
+                <a:cs typeface="+mn-cs"/>
+              </a:defRPr>
+            </a:lvl1pPr>
+            <a:lvl2pPr marL="685800" indent="-336550" algn="l" defTabSz="914400" rtl="0" eaLnBrk="1" latinLnBrk="0" hangingPunct="1">
+              <a:spcBef>
+                <a:spcPts val="600"/>
+              </a:spcBef>
+              <a:buClr>
+                <a:schemeClr val="accent1">
+                  <a:lumMod val="50000"/>
+                </a:schemeClr>
+              </a:buClr>
+              <a:buFont typeface="Wingdings 2" pitchFamily="18" charset="2"/>
+              <a:buChar char=""/>
+              <a:defRPr sz="1800" kern="1200">
+                <a:solidFill>
+                  <a:schemeClr val="tx1">
+                    <a:lumMod val="65000"/>
+                    <a:lumOff val="35000"/>
+                  </a:schemeClr>
+                </a:solidFill>
+                <a:latin typeface="+mn-lt"/>
+                <a:ea typeface="+mn-ea"/>
+                <a:cs typeface="+mn-cs"/>
+              </a:defRPr>
+            </a:lvl2pPr>
+            <a:lvl3pPr marL="1035050" indent="-349250" algn="l" defTabSz="914400" rtl="0" eaLnBrk="1" latinLnBrk="0" hangingPunct="1">
+              <a:spcBef>
+                <a:spcPts val="600"/>
+              </a:spcBef>
+              <a:buClr>
+                <a:schemeClr val="accent1"/>
+              </a:buClr>
+              <a:buFont typeface="Wingdings 2" pitchFamily="18" charset="2"/>
+              <a:buChar char=""/>
+              <a:defRPr sz="1800" kern="1200">
+                <a:solidFill>
+                  <a:schemeClr val="tx1">
+                    <a:lumMod val="65000"/>
+                    <a:lumOff val="35000"/>
+                  </a:schemeClr>
+                </a:solidFill>
+                <a:latin typeface="+mn-lt"/>
+                <a:ea typeface="+mn-ea"/>
+                <a:cs typeface="+mn-cs"/>
+              </a:defRPr>
+            </a:lvl3pPr>
+            <a:lvl4pPr marL="1371600" indent="-336550" algn="l" defTabSz="914400" rtl="0" eaLnBrk="1" latinLnBrk="0" hangingPunct="1">
+              <a:spcBef>
+                <a:spcPts val="600"/>
+              </a:spcBef>
+              <a:buClr>
+                <a:schemeClr val="accent1">
+                  <a:lumMod val="50000"/>
+                </a:schemeClr>
+              </a:buClr>
+              <a:buFont typeface="Wingdings 2" pitchFamily="18" charset="2"/>
+              <a:buChar char=""/>
+              <a:defRPr sz="1800" kern="1200">
+                <a:solidFill>
+                  <a:schemeClr val="tx1">
+                    <a:lumMod val="65000"/>
+                    <a:lumOff val="35000"/>
+                  </a:schemeClr>
+                </a:solidFill>
+                <a:latin typeface="+mn-lt"/>
+                <a:ea typeface="+mn-ea"/>
+                <a:cs typeface="+mn-cs"/>
+              </a:defRPr>
+            </a:lvl4pPr>
+            <a:lvl5pPr marL="1720850" indent="-349250" algn="l" defTabSz="914400" rtl="0" eaLnBrk="1" latinLnBrk="0" hangingPunct="1">
+              <a:spcBef>
+                <a:spcPts val="600"/>
+              </a:spcBef>
+              <a:buClr>
+                <a:schemeClr val="accent1"/>
+              </a:buClr>
+              <a:buFont typeface="Wingdings 2" pitchFamily="18" charset="2"/>
+              <a:buChar char=""/>
+              <a:defRPr sz="1800" kern="1200">
+                <a:solidFill>
+                  <a:schemeClr val="tx1">
+                    <a:lumMod val="65000"/>
+                    <a:lumOff val="35000"/>
+                  </a:schemeClr>
+                </a:solidFill>
+                <a:latin typeface="+mn-lt"/>
+                <a:ea typeface="+mn-ea"/>
+                <a:cs typeface="+mn-cs"/>
+              </a:defRPr>
+            </a:lvl5pPr>
+            <a:lvl6pPr marL="2055813" indent="-344488" algn="l" defTabSz="914400" rtl="0" eaLnBrk="1" latinLnBrk="0" hangingPunct="1">
+              <a:spcBef>
+                <a:spcPct val="20000"/>
+              </a:spcBef>
+              <a:buClr>
+                <a:schemeClr val="accent1">
+                  <a:lumMod val="50000"/>
+                </a:schemeClr>
+              </a:buClr>
+              <a:buFont typeface="Wingdings 2" pitchFamily="18" charset="2"/>
+              <a:buChar char=""/>
+              <a:defRPr lang="en-US" sz="1800" kern="1200" dirty="0" smtClean="0">
+                <a:solidFill>
+                  <a:schemeClr val="tx1">
+                    <a:lumMod val="65000"/>
+                    <a:lumOff val="35000"/>
+                  </a:schemeClr>
+                </a:solidFill>
+                <a:latin typeface="+mn-lt"/>
+                <a:ea typeface="+mn-ea"/>
+                <a:cs typeface="+mn-cs"/>
+              </a:defRPr>
+            </a:lvl6pPr>
+            <a:lvl7pPr marL="2398713" indent="-344488" algn="l" defTabSz="914400" rtl="0" eaLnBrk="1" latinLnBrk="0" hangingPunct="1">
+              <a:spcBef>
+                <a:spcPct val="20000"/>
+              </a:spcBef>
+              <a:buClr>
+                <a:schemeClr val="accent1"/>
+              </a:buClr>
+              <a:buFont typeface="Wingdings 2" pitchFamily="18" charset="2"/>
+              <a:buChar char=""/>
+              <a:defRPr lang="en-US" sz="1800" kern="1200" dirty="0" smtClean="0">
+                <a:solidFill>
+                  <a:schemeClr val="tx1">
+                    <a:lumMod val="65000"/>
+                    <a:lumOff val="35000"/>
+                  </a:schemeClr>
+                </a:solidFill>
+                <a:latin typeface="+mn-lt"/>
+                <a:ea typeface="+mn-ea"/>
+                <a:cs typeface="+mn-cs"/>
+              </a:defRPr>
+            </a:lvl7pPr>
+            <a:lvl8pPr marL="2743200" indent="-344488" algn="l" defTabSz="914400" rtl="0" eaLnBrk="1" latinLnBrk="0" hangingPunct="1">
+              <a:spcBef>
+                <a:spcPct val="20000"/>
+              </a:spcBef>
+              <a:buClr>
+                <a:schemeClr val="accent1">
+                  <a:lumMod val="50000"/>
+                </a:schemeClr>
+              </a:buClr>
+              <a:buFont typeface="Wingdings 2" pitchFamily="18" charset="2"/>
+              <a:buChar char=""/>
+              <a:defRPr lang="en-US" sz="1800" kern="1200" dirty="0" smtClean="0">
+                <a:solidFill>
+                  <a:schemeClr val="tx1">
+                    <a:lumMod val="65000"/>
+                    <a:lumOff val="35000"/>
+                  </a:schemeClr>
+                </a:solidFill>
+                <a:latin typeface="+mn-lt"/>
+                <a:ea typeface="+mn-ea"/>
+                <a:cs typeface="+mn-cs"/>
+              </a:defRPr>
+            </a:lvl8pPr>
+            <a:lvl9pPr marL="3087688" indent="-344488" algn="l" defTabSz="914400" rtl="0" eaLnBrk="1" latinLnBrk="0" hangingPunct="1">
+              <a:spcBef>
+                <a:spcPct val="20000"/>
+              </a:spcBef>
+              <a:buClr>
+                <a:schemeClr val="accent1"/>
+              </a:buClr>
+              <a:buFont typeface="Wingdings 2" pitchFamily="18" charset="2"/>
+              <a:buChar char=""/>
+              <a:defRPr lang="en-US" sz="1800" kern="1200" dirty="0">
+                <a:solidFill>
+                  <a:schemeClr val="tx1">
+                    <a:lumMod val="65000"/>
+                    <a:lumOff val="35000"/>
+                  </a:schemeClr>
+                </a:solidFill>
+                <a:latin typeface="+mn-lt"/>
+                <a:ea typeface="+mn-ea"/>
+                <a:cs typeface="+mn-cs"/>
+              </a:defRPr>
+            </a:lvl9pPr>
+          </a:lstStyle>
+          <a:p>
+            <a:pPr marL="0" indent="265113"/>
+            <a:r>
+              <a:rPr lang="fr-FR" dirty="0" smtClean="0"/>
+              <a:t>Algorithme maison en C++</a:t>
+            </a:r>
+          </a:p>
+          <a:p>
+            <a:pPr marL="265113" indent="-265113"/>
+            <a:r>
+              <a:rPr lang="fr-FR" dirty="0" smtClean="0"/>
+              <a:t>Peut trouver une solution pour des </a:t>
+            </a:r>
+            <a:r>
+              <a:rPr lang="fr-FR" dirty="0" err="1" smtClean="0"/>
+              <a:t>sudocubes</a:t>
+            </a:r>
+            <a:r>
+              <a:rPr lang="fr-FR" dirty="0" smtClean="0"/>
+              <a:t> ayant 4 chiffres au départ </a:t>
+            </a:r>
+          </a:p>
+          <a:p>
+            <a:pPr marL="265113" indent="-265113"/>
+            <a:r>
+              <a:rPr lang="fr-FR" dirty="0" smtClean="0"/>
+              <a:t>Trouve une solution pour les </a:t>
+            </a:r>
+            <a:r>
+              <a:rPr lang="fr-FR" dirty="0" err="1" smtClean="0"/>
+              <a:t>sudocubes</a:t>
+            </a:r>
+            <a:r>
+              <a:rPr lang="fr-FR" dirty="0" smtClean="0"/>
+              <a:t> à échantillons normaux en moins d’une seconde (8 à 15 chiffres initiaux) </a:t>
+            </a:r>
+          </a:p>
+        </p:txBody>
+      </p:sp>
+    </p:spTree>
+    <p:extLst>
+      <p:ext uri="{BB962C8B-B14F-4D97-AF65-F5344CB8AC3E}">
+        <p14:creationId xmlns:p14="http://schemas.microsoft.com/office/powerpoint/2010/main" val="3969028574"/>
+      </p:ext>
+    </p:extLst>
+  </p:cSld>
+  <p:clrMapOvr>
+    <a:masterClrMapping/>
+  </p:clrMapOvr>
+  <mc:AlternateContent xmlns:mc="http://schemas.openxmlformats.org/markup-compatibility/2006" xmlns:p14="http://schemas.microsoft.com/office/powerpoint/2010/main">
+    <mc:Choice Requires="p14">
+      <p:transition p14:dur="0"/>
+    </mc:Choice>
+    <mc:Fallback xmlns="">
+      <p:transition/>
+    </mc:Fallback>
+  </mc:AlternateContent>
+  <p:timing>
+    <p:tnLst>
+      <p:par>
+        <p:cTn id="1" dur="indefinite" restart="never" nodeType="tmRoot"/>
+      </p:par>
+    </p:tnLst>
+  </p:timing>
+</p:sld>
+</file>
+
+<file path=ppt/slides/slide23.xml><?xml version="1.0" encoding="utf-8"?>
+<p:sld xmlns:a="http://schemas.openxmlformats.org/drawingml/2006/main" xmlns:r="http://schemas.openxmlformats.org/officeDocument/2006/relationships" xmlns:p="http://schemas.openxmlformats.org/presentationml/2006/main">
+  <p:cSld>
+    <p:spTree>
+      <p:nvGrpSpPr>
+        <p:cNvPr id="1" name=""/>
+        <p:cNvGrpSpPr/>
+        <p:nvPr/>
+      </p:nvGrpSpPr>
+      <p:grpSpPr>
+        <a:xfrm>
+          <a:off x="0" y="0"/>
+          <a:ext cx="0" cy="0"/>
+          <a:chOff x="0" y="0"/>
+          <a:chExt cx="0" cy="0"/>
+        </a:xfrm>
+      </p:grpSpPr>
+      <p:sp>
+        <p:nvSpPr>
+          <p:cNvPr id="2" name="Titre 1"/>
+          <p:cNvSpPr>
+            <a:spLocks noGrp="1"/>
+          </p:cNvSpPr>
+          <p:nvPr>
+            <p:ph type="title"/>
+            <p:custDataLst>
+              <p:tags r:id="rId1"/>
+            </p:custDataLst>
+          </p:nvPr>
+        </p:nvSpPr>
+        <p:spPr/>
+        <p:txBody>
+          <a:bodyPr/>
+          <a:lstStyle/>
+          <a:p>
+            <a:r>
+              <a:rPr lang="en-US" dirty="0" err="1"/>
+              <a:t>Solveur</a:t>
+            </a:r>
+            <a:r>
+              <a:rPr lang="en-US" dirty="0"/>
+              <a:t> de </a:t>
+            </a:r>
+            <a:r>
+              <a:rPr lang="en-US" dirty="0" err="1"/>
+              <a:t>sudokube</a:t>
+            </a:r>
+            <a:endParaRPr lang="fr-FR" dirty="0"/>
+          </a:p>
+        </p:txBody>
+      </p:sp>
+      <p:sp>
+        <p:nvSpPr>
           <p:cNvPr id="3" name="Espace réservé du contenu 2"/>
           <p:cNvSpPr>
             <a:spLocks noGrp="1"/>
           </p:cNvSpPr>
           <p:nvPr>
             <p:ph idx="1"/>
+            <p:custDataLst>
+              <p:tags r:id="rId2"/>
+            </p:custDataLst>
+          </p:nvPr>
+        </p:nvSpPr>
+        <p:spPr>
+          <a:xfrm>
+            <a:off x="479412" y="2024063"/>
+            <a:ext cx="3749676" cy="477838"/>
+          </a:xfrm>
+        </p:spPr>
+        <p:txBody>
+          <a:bodyPr/>
+          <a:lstStyle/>
+          <a:p>
+            <a:pPr marL="0" indent="0">
+              <a:buNone/>
+            </a:pPr>
+            <a:r>
+              <a:rPr lang="fr-FR" dirty="0" smtClean="0"/>
+              <a:t>Représentation en mémoire</a:t>
+            </a:r>
+            <a:endParaRPr lang="fr-FR" dirty="0"/>
+          </a:p>
+        </p:txBody>
+      </p:sp>
+      <p:pic>
+        <p:nvPicPr>
+          <p:cNvPr id="4" name="Image 3"/>
+          <p:cNvPicPr/>
+          <p:nvPr>
+            <p:custDataLst>
+              <p:tags r:id="rId3"/>
+            </p:custDataLst>
+          </p:nvPr>
+        </p:nvPicPr>
+        <p:blipFill>
+          <a:blip r:embed="rId5"/>
+          <a:stretch>
+            <a:fillRect/>
+          </a:stretch>
+        </p:blipFill>
+        <p:spPr>
+          <a:xfrm>
+            <a:off x="1594463" y="298395"/>
+            <a:ext cx="8784000" cy="7004160"/>
+          </a:xfrm>
+          <a:prstGeom prst="rect">
+            <a:avLst/>
+          </a:prstGeom>
+        </p:spPr>
+      </p:pic>
+    </p:spTree>
+    <p:extLst>
+      <p:ext uri="{BB962C8B-B14F-4D97-AF65-F5344CB8AC3E}">
+        <p14:creationId xmlns:p14="http://schemas.microsoft.com/office/powerpoint/2010/main" val="3318575588"/>
+      </p:ext>
+    </p:extLst>
+  </p:cSld>
+  <p:clrMapOvr>
+    <a:masterClrMapping/>
+  </p:clrMapOvr>
+  <mc:AlternateContent xmlns:mc="http://schemas.openxmlformats.org/markup-compatibility/2006" xmlns:p14="http://schemas.microsoft.com/office/powerpoint/2010/main">
+    <mc:Choice Requires="p14">
+      <p:transition p14:dur="0"/>
+    </mc:Choice>
+    <mc:Fallback xmlns="">
+      <p:transition/>
+    </mc:Fallback>
+  </mc:AlternateContent>
+  <p:timing>
+    <p:tnLst>
+      <p:par>
+        <p:cTn id="1" dur="indefinite" restart="never" nodeType="tmRoot"/>
+      </p:par>
+    </p:tnLst>
+  </p:timing>
+</p:sld>
+</file>
+
+<file path=ppt/slides/slide24.xml><?xml version="1.0" encoding="utf-8"?>
+<p:sld xmlns:a="http://schemas.openxmlformats.org/drawingml/2006/main" xmlns:r="http://schemas.openxmlformats.org/officeDocument/2006/relationships" xmlns:p="http://schemas.openxmlformats.org/presentationml/2006/main">
+  <p:cSld>
+    <p:spTree>
+      <p:nvGrpSpPr>
+        <p:cNvPr id="1" name=""/>
+        <p:cNvGrpSpPr/>
+        <p:nvPr/>
+      </p:nvGrpSpPr>
+      <p:grpSpPr>
+        <a:xfrm>
+          <a:off x="0" y="0"/>
+          <a:ext cx="0" cy="0"/>
+          <a:chOff x="0" y="0"/>
+          <a:chExt cx="0" cy="0"/>
+        </a:xfrm>
+      </p:grpSpPr>
+      <p:sp>
+        <p:nvSpPr>
+          <p:cNvPr id="2" name="Titre 1"/>
+          <p:cNvSpPr>
+            <a:spLocks noGrp="1"/>
+          </p:cNvSpPr>
+          <p:nvPr>
+            <p:ph type="title"/>
+            <p:custDataLst>
+              <p:tags r:id="rId1"/>
+            </p:custDataLst>
           </p:nvPr>
         </p:nvSpPr>
         <p:spPr/>
+        <p:txBody>
+          <a:bodyPr/>
+          <a:lstStyle/>
+          <a:p>
+            <a:r>
+              <a:rPr lang="en-US" dirty="0" err="1"/>
+              <a:t>Solveur</a:t>
+            </a:r>
+            <a:r>
+              <a:rPr lang="en-US" dirty="0"/>
+              <a:t> de </a:t>
+            </a:r>
+            <a:r>
+              <a:rPr lang="en-US" dirty="0" err="1"/>
+              <a:t>sudokube</a:t>
+            </a:r>
+            <a:endParaRPr lang="fr-FR" dirty="0"/>
+          </a:p>
+        </p:txBody>
+      </p:sp>
+      <p:sp>
+        <p:nvSpPr>
+          <p:cNvPr id="3" name="Espace réservé du contenu 2"/>
+          <p:cNvSpPr>
+            <a:spLocks noGrp="1"/>
+          </p:cNvSpPr>
+          <p:nvPr>
+            <p:ph idx="1"/>
+            <p:custDataLst>
+              <p:tags r:id="rId2"/>
+            </p:custDataLst>
+          </p:nvPr>
+        </p:nvSpPr>
+        <p:spPr>
+          <a:xfrm>
+            <a:off x="1114424" y="2338378"/>
+            <a:ext cx="7610476" cy="3670767"/>
+          </a:xfrm>
+        </p:spPr>
         <p:txBody>
           <a:bodyPr>
             <a:normAutofit/>
           </a:bodyPr>
           <a:lstStyle/>
+          <a:p>
+            <a:pPr>
+              <a:lnSpc>
+                <a:spcPct val="160000"/>
+              </a:lnSpc>
+            </a:pPr>
+            <a:r>
+              <a:rPr lang="fr-FR" dirty="0" smtClean="0"/>
+              <a:t>Stratégies utilisées :</a:t>
+            </a:r>
+          </a:p>
+          <a:p>
+            <a:pPr lvl="1"/>
+            <a:r>
+              <a:rPr lang="fr-FR" dirty="0" smtClean="0"/>
+              <a:t>« </a:t>
+            </a:r>
+            <a:r>
+              <a:rPr lang="fr-FR" dirty="0" err="1" smtClean="0"/>
+              <a:t>Naked</a:t>
+            </a:r>
+            <a:r>
+              <a:rPr lang="fr-FR" dirty="0" smtClean="0"/>
+              <a:t> Pairs »</a:t>
+            </a:r>
+          </a:p>
+          <a:p>
+            <a:pPr lvl="1"/>
+            <a:r>
+              <a:rPr lang="fr-FR" dirty="0" smtClean="0"/>
+              <a:t>« </a:t>
+            </a:r>
+            <a:r>
+              <a:rPr lang="fr-FR" dirty="0" err="1" smtClean="0"/>
+              <a:t>Hidden</a:t>
+            </a:r>
+            <a:r>
+              <a:rPr lang="fr-FR" dirty="0" smtClean="0"/>
+              <a:t> Pairs/Triples »</a:t>
+            </a:r>
+          </a:p>
+          <a:p>
+            <a:pPr lvl="1"/>
+            <a:r>
+              <a:rPr lang="fr-FR" dirty="0" smtClean="0"/>
+              <a:t>« </a:t>
+            </a:r>
+            <a:r>
+              <a:rPr lang="fr-FR" dirty="0" err="1" smtClean="0"/>
+              <a:t>Pointing</a:t>
+            </a:r>
+            <a:r>
+              <a:rPr lang="fr-FR" dirty="0" smtClean="0"/>
+              <a:t> Pairs/Triples »</a:t>
+            </a:r>
+          </a:p>
+          <a:p>
+            <a:pPr lvl="1"/>
+            <a:r>
+              <a:rPr lang="fr-FR" dirty="0" smtClean="0"/>
+              <a:t>« Box and Line </a:t>
+            </a:r>
+            <a:r>
+              <a:rPr lang="fr-FR" dirty="0" err="1" smtClean="0"/>
+              <a:t>Reduction</a:t>
+            </a:r>
+            <a:r>
+              <a:rPr lang="fr-FR" dirty="0" smtClean="0"/>
+              <a:t> »</a:t>
+            </a:r>
+          </a:p>
+          <a:p>
+            <a:pPr lvl="1"/>
+            <a:r>
+              <a:rPr lang="fr-FR" dirty="0" smtClean="0"/>
+              <a:t>« Brute Force »</a:t>
+            </a:r>
+            <a:endParaRPr lang="fr-FR" dirty="0"/>
+          </a:p>
+        </p:txBody>
+      </p:sp>
+    </p:spTree>
+    <p:extLst>
+      <p:ext uri="{BB962C8B-B14F-4D97-AF65-F5344CB8AC3E}">
+        <p14:creationId xmlns:p14="http://schemas.microsoft.com/office/powerpoint/2010/main" val="792722270"/>
+      </p:ext>
+    </p:extLst>
+  </p:cSld>
+  <p:clrMapOvr>
+    <a:masterClrMapping/>
+  </p:clrMapOvr>
+  <mc:AlternateContent xmlns:mc="http://schemas.openxmlformats.org/markup-compatibility/2006" xmlns:p14="http://schemas.microsoft.com/office/powerpoint/2010/main">
+    <mc:Choice Requires="p14">
+      <p:transition p14:dur="0"/>
+    </mc:Choice>
+    <mc:Fallback xmlns="">
+      <p:transition/>
+    </mc:Fallback>
+  </mc:AlternateContent>
+  <p:timing>
+    <p:tnLst>
+      <p:par>
+        <p:cTn id="1" dur="indefinite" restart="never" nodeType="tmRoot"/>
+      </p:par>
+    </p:tnLst>
+  </p:timing>
+</p:sld>
+</file>
+
+<file path=ppt/slides/slide25.xml><?xml version="1.0" encoding="utf-8"?>
+<p:sld xmlns:a="http://schemas.openxmlformats.org/drawingml/2006/main" xmlns:r="http://schemas.openxmlformats.org/officeDocument/2006/relationships" xmlns:p="http://schemas.openxmlformats.org/presentationml/2006/main">
+  <p:cSld>
+    <p:spTree>
+      <p:nvGrpSpPr>
+        <p:cNvPr id="1" name=""/>
+        <p:cNvGrpSpPr/>
+        <p:nvPr/>
+      </p:nvGrpSpPr>
+      <p:grpSpPr>
+        <a:xfrm>
+          <a:off x="0" y="0"/>
+          <a:ext cx="0" cy="0"/>
+          <a:chOff x="0" y="0"/>
+          <a:chExt cx="0" cy="0"/>
+        </a:xfrm>
+      </p:grpSpPr>
+      <p:sp>
+        <p:nvSpPr>
+          <p:cNvPr id="2" name="Titre 1"/>
+          <p:cNvSpPr>
+            <a:spLocks noGrp="1"/>
+          </p:cNvSpPr>
+          <p:nvPr>
+            <p:ph type="title"/>
+            <p:custDataLst>
+              <p:tags r:id="rId1"/>
+            </p:custDataLst>
+          </p:nvPr>
+        </p:nvSpPr>
+        <p:spPr/>
+        <p:txBody>
+          <a:bodyPr/>
+          <a:lstStyle/>
+          <a:p>
+            <a:r>
+              <a:rPr lang="fr-FR" dirty="0" smtClean="0"/>
+              <a:t>Recherche de chemin</a:t>
+            </a:r>
+            <a:endParaRPr lang="fr-FR" dirty="0"/>
+          </a:p>
+        </p:txBody>
+      </p:sp>
+      <p:sp>
+        <p:nvSpPr>
+          <p:cNvPr id="4" name="Espace réservé du contenu 2"/>
+          <p:cNvSpPr>
+            <a:spLocks noGrp="1"/>
+          </p:cNvSpPr>
+          <p:nvPr>
+            <p:ph idx="1"/>
+            <p:custDataLst>
+              <p:tags r:id="rId2"/>
+            </p:custDataLst>
+          </p:nvPr>
+        </p:nvSpPr>
+        <p:spPr>
+          <a:xfrm>
+            <a:off x="1114424" y="2752731"/>
+            <a:ext cx="7610476" cy="2662244"/>
+          </a:xfrm>
+        </p:spPr>
+        <p:txBody>
+          <a:bodyPr>
+            <a:normAutofit/>
+          </a:bodyPr>
+          <a:lstStyle/>
+          <a:p>
+            <a:r>
+              <a:rPr lang="fr-FR" dirty="0" smtClean="0"/>
+              <a:t>Représentation spatiale cartésienne</a:t>
+            </a:r>
+          </a:p>
+          <a:p>
+            <a:r>
+              <a:rPr lang="fr-FR" dirty="0" smtClean="0"/>
+              <a:t>Algorithme A*</a:t>
+            </a:r>
+          </a:p>
+          <a:p>
+            <a:r>
+              <a:rPr lang="fr-FR" dirty="0" smtClean="0"/>
+              <a:t>Optimisation du chemin visant la réduction du nombre de rotations de </a:t>
+            </a:r>
+            <a:r>
+              <a:rPr lang="fr-FR" dirty="0" err="1" smtClean="0"/>
+              <a:t>kinocto</a:t>
+            </a:r>
+            <a:r>
+              <a:rPr lang="fr-FR" dirty="0" smtClean="0"/>
+              <a:t> en ne conservant que les points  « critiques »</a:t>
+            </a:r>
+            <a:endParaRPr lang="fr-FR" dirty="0"/>
+          </a:p>
+        </p:txBody>
+      </p:sp>
+    </p:spTree>
+    <p:extLst>
+      <p:ext uri="{BB962C8B-B14F-4D97-AF65-F5344CB8AC3E}">
+        <p14:creationId xmlns:p14="http://schemas.microsoft.com/office/powerpoint/2010/main" val="1530285899"/>
+      </p:ext>
+    </p:extLst>
+  </p:cSld>
+  <p:clrMapOvr>
+    <a:masterClrMapping/>
+  </p:clrMapOvr>
+  <mc:AlternateContent xmlns:mc="http://schemas.openxmlformats.org/markup-compatibility/2006" xmlns:p14="http://schemas.microsoft.com/office/powerpoint/2010/main">
+    <mc:Choice Requires="p14">
+      <p:transition p14:dur="0"/>
+    </mc:Choice>
+    <mc:Fallback xmlns="">
+      <p:transition/>
+    </mc:Fallback>
+  </mc:AlternateContent>
+  <p:timing>
+    <p:tnLst>
+      <p:par>
+        <p:cTn id="1" dur="indefinite" restart="never" nodeType="tmRoot"/>
+      </p:par>
+    </p:tnLst>
+  </p:timing>
+</p:sld>
+</file>
+
+<file path=ppt/slides/slide26.xml><?xml version="1.0" encoding="utf-8"?>
+<p:sld xmlns:a="http://schemas.openxmlformats.org/drawingml/2006/main" xmlns:r="http://schemas.openxmlformats.org/officeDocument/2006/relationships" xmlns:p="http://schemas.openxmlformats.org/presentationml/2006/main">
+  <p:cSld>
+    <p:spTree>
+      <p:nvGrpSpPr>
+        <p:cNvPr id="1" name=""/>
+        <p:cNvGrpSpPr/>
+        <p:nvPr/>
+      </p:nvGrpSpPr>
+      <p:grpSpPr>
+        <a:xfrm>
+          <a:off x="0" y="0"/>
+          <a:ext cx="0" cy="0"/>
+          <a:chOff x="0" y="0"/>
+          <a:chExt cx="0" cy="0"/>
+        </a:xfrm>
+      </p:grpSpPr>
+      <p:sp>
+        <p:nvSpPr>
+          <p:cNvPr id="2" name="Titre 1"/>
+          <p:cNvSpPr>
+            <a:spLocks noGrp="1"/>
+          </p:cNvSpPr>
+          <p:nvPr>
+            <p:ph type="title"/>
+            <p:custDataLst>
+              <p:tags r:id="rId1"/>
+            </p:custDataLst>
+          </p:nvPr>
+        </p:nvSpPr>
+        <p:spPr/>
+        <p:txBody>
+          <a:bodyPr/>
+          <a:lstStyle/>
+          <a:p>
+            <a:r>
+              <a:rPr lang="fr-FR" dirty="0" smtClean="0"/>
+              <a:t>Communication</a:t>
+            </a:r>
+            <a:endParaRPr lang="fr-FR" dirty="0"/>
+          </a:p>
+        </p:txBody>
+      </p:sp>
+      <p:sp>
+        <p:nvSpPr>
+          <p:cNvPr id="6" name="Espace réservé du contenu 2"/>
+          <p:cNvSpPr>
+            <a:spLocks noGrp="1"/>
+          </p:cNvSpPr>
+          <p:nvPr>
+            <p:ph idx="1"/>
+            <p:custDataLst>
+              <p:tags r:id="rId2"/>
+            </p:custDataLst>
+          </p:nvPr>
+        </p:nvSpPr>
+        <p:spPr>
+          <a:xfrm>
+            <a:off x="1114424" y="2752731"/>
+            <a:ext cx="7610476" cy="2662244"/>
+          </a:xfrm>
+        </p:spPr>
+        <p:txBody>
+          <a:bodyPr>
+            <a:normAutofit/>
+          </a:bodyPr>
+          <a:lstStyle/>
+          <a:p>
+            <a:r>
+              <a:rPr lang="fr-FR" dirty="0" smtClean="0"/>
+              <a:t>Communicatio</a:t>
+            </a:r>
+            <a:r>
+              <a:rPr lang="fr-FR" dirty="0" smtClean="0"/>
+              <a:t>n entre la station de base et le Mac Mini</a:t>
+            </a:r>
+            <a:endParaRPr lang="fr-FR" dirty="0" smtClean="0"/>
+          </a:p>
+          <a:p>
+            <a:r>
+              <a:rPr lang="fr-FR" dirty="0" smtClean="0"/>
+              <a:t>Communicatio</a:t>
+            </a:r>
+            <a:r>
+              <a:rPr lang="fr-FR" dirty="0" smtClean="0"/>
+              <a:t>n entre le microcontrôleur et le Mac Mini</a:t>
+            </a:r>
+            <a:endParaRPr lang="fr-FR" dirty="0" smtClean="0"/>
+          </a:p>
+        </p:txBody>
+      </p:sp>
+    </p:spTree>
+    <p:extLst>
+      <p:ext uri="{BB962C8B-B14F-4D97-AF65-F5344CB8AC3E}">
+        <p14:creationId xmlns:p14="http://schemas.microsoft.com/office/powerpoint/2010/main" val="1143801389"/>
+      </p:ext>
+    </p:extLst>
+  </p:cSld>
+  <p:clrMapOvr>
+    <a:masterClrMapping/>
+  </p:clrMapOvr>
+  <mc:AlternateContent xmlns:mc="http://schemas.openxmlformats.org/markup-compatibility/2006" xmlns:p14="http://schemas.microsoft.com/office/powerpoint/2010/main">
+    <mc:Choice Requires="p14">
+      <p:transition p14:dur="0"/>
+    </mc:Choice>
+    <mc:Fallback xmlns="">
+      <p:transition spd="slow">
+        <p:fade/>
+      </p:transition>
+    </mc:Fallback>
+  </mc:AlternateContent>
+  <p:timing>
+    <p:tnLst>
+      <p:par>
+        <p:cTn id="1" dur="indefinite" restart="never" nodeType="tmRoot"/>
+      </p:par>
+    </p:tnLst>
+  </p:timing>
+</p:sld>
+</file>
+
+<file path=ppt/slides/slide27.xml><?xml version="1.0" encoding="utf-8"?>
+<p:sld xmlns:a="http://schemas.openxmlformats.org/drawingml/2006/main" xmlns:r="http://schemas.openxmlformats.org/officeDocument/2006/relationships" xmlns:p="http://schemas.openxmlformats.org/presentationml/2006/main">
+  <p:cSld>
+    <p:spTree>
+      <p:nvGrpSpPr>
+        <p:cNvPr id="1" name=""/>
+        <p:cNvGrpSpPr/>
+        <p:nvPr/>
+      </p:nvGrpSpPr>
+      <p:grpSpPr>
+        <a:xfrm>
+          <a:off x="0" y="0"/>
+          <a:ext cx="0" cy="0"/>
+          <a:chOff x="0" y="0"/>
+          <a:chExt cx="0" cy="0"/>
+        </a:xfrm>
+      </p:grpSpPr>
+      <p:sp>
+        <p:nvSpPr>
+          <p:cNvPr id="2" name="Titre 1"/>
+          <p:cNvSpPr>
+            <a:spLocks noGrp="1"/>
+          </p:cNvSpPr>
+          <p:nvPr>
+            <p:ph type="title"/>
+            <p:custDataLst>
+              <p:tags r:id="rId1"/>
+            </p:custDataLst>
+          </p:nvPr>
+        </p:nvSpPr>
+        <p:spPr/>
+        <p:txBody>
+          <a:bodyPr>
+            <a:normAutofit fontScale="90000"/>
+          </a:bodyPr>
+          <a:lstStyle/>
+          <a:p>
+            <a:r>
+              <a:rPr lang="fr-FR" dirty="0" err="1" smtClean="0"/>
+              <a:t>Comm</a:t>
+            </a:r>
+            <a:r>
+              <a:rPr lang="fr-FR" dirty="0" smtClean="0"/>
+              <a:t>. </a:t>
+            </a:r>
+            <a:r>
+              <a:rPr lang="fr-FR" dirty="0" smtClean="0"/>
+              <a:t>Station de base et Mac Mini</a:t>
+            </a:r>
+            <a:endParaRPr lang="fr-FR" dirty="0"/>
+          </a:p>
+        </p:txBody>
+      </p:sp>
+      <p:sp>
+        <p:nvSpPr>
+          <p:cNvPr id="3" name="Espace réservé du contenu 2"/>
+          <p:cNvSpPr>
+            <a:spLocks noGrp="1"/>
+          </p:cNvSpPr>
+          <p:nvPr>
+            <p:ph idx="1"/>
+            <p:custDataLst>
+              <p:tags r:id="rId2"/>
+            </p:custDataLst>
+          </p:nvPr>
+        </p:nvSpPr>
+        <p:spPr/>
+        <p:txBody>
+          <a:bodyPr>
+            <a:normAutofit/>
+          </a:bodyPr>
+          <a:lstStyle/>
+          <a:p>
+            <a:pPr marL="0" indent="265113"/>
+            <a:r>
+              <a:rPr lang="fr-FR" dirty="0" smtClean="0"/>
+              <a:t>Adresse IP du Mac mini envoyé au démarrage (</a:t>
+            </a:r>
+            <a:r>
+              <a:rPr lang="fr-FR" dirty="0" err="1" smtClean="0"/>
+              <a:t>pastebin</a:t>
+            </a:r>
+            <a:r>
+              <a:rPr lang="fr-FR" dirty="0" smtClean="0"/>
+              <a:t>);</a:t>
+            </a:r>
+          </a:p>
+          <a:p>
+            <a:pPr marL="0" indent="265113"/>
+            <a:r>
+              <a:rPr lang="fr-FR" dirty="0" smtClean="0"/>
+              <a:t>Communication entre Mac mini et station de base </a:t>
+            </a:r>
+            <a:r>
+              <a:rPr lang="fr-FR" dirty="0" smtClean="0"/>
+              <a:t>testée;</a:t>
+            </a:r>
+            <a:endParaRPr lang="fr-FR" dirty="0" smtClean="0"/>
+          </a:p>
+          <a:p>
+            <a:pPr marL="0" indent="265113"/>
+            <a:r>
+              <a:rPr lang="fr-FR" dirty="0" smtClean="0"/>
+              <a:t>Utilisation de ROS pour gérer les messages;</a:t>
+            </a:r>
+          </a:p>
+          <a:p>
+            <a:pPr marL="538163" lvl="1" indent="-273050"/>
+            <a:r>
+              <a:rPr lang="fr-FR" dirty="0" smtClean="0"/>
+              <a:t>Messages, services, actions, sérialisation, typage automatique</a:t>
+            </a:r>
+          </a:p>
+          <a:p>
+            <a:pPr marL="0" indent="265113"/>
+            <a:r>
+              <a:rPr lang="fr-FR" dirty="0" smtClean="0"/>
+              <a:t>Débit rapide des messages.</a:t>
+            </a:r>
+          </a:p>
+          <a:p>
+            <a:pPr marL="0" indent="0"/>
+            <a:endParaRPr lang="fr-FR" dirty="0" smtClean="0"/>
+          </a:p>
+          <a:p>
+            <a:pPr marL="0" indent="0"/>
+            <a:endParaRPr lang="fr-FR" dirty="0"/>
+          </a:p>
+        </p:txBody>
+      </p:sp>
+    </p:spTree>
+    <p:extLst>
+      <p:ext uri="{BB962C8B-B14F-4D97-AF65-F5344CB8AC3E}">
+        <p14:creationId xmlns:p14="http://schemas.microsoft.com/office/powerpoint/2010/main" val="1435351836"/>
+      </p:ext>
+    </p:extLst>
+  </p:cSld>
+  <p:clrMapOvr>
+    <a:masterClrMapping/>
+  </p:clrMapOvr>
+  <mc:AlternateContent xmlns:mc="http://schemas.openxmlformats.org/markup-compatibility/2006" xmlns:p14="http://schemas.microsoft.com/office/powerpoint/2010/main">
+    <mc:Choice Requires="p14">
+      <p:transition p14:dur="0"/>
+    </mc:Choice>
+    <mc:Fallback xmlns="">
+      <p:transition/>
+    </mc:Fallback>
+  </mc:AlternateContent>
+  <p:timing>
+    <p:tnLst>
+      <p:par>
+        <p:cTn id="1" dur="indefinite" restart="never" nodeType="tmRoot"/>
+      </p:par>
+    </p:tnLst>
+  </p:timing>
+</p:sld>
+</file>
+
+<file path=ppt/slides/slide28.xml><?xml version="1.0" encoding="utf-8"?>
+<p:sld xmlns:a="http://schemas.openxmlformats.org/drawingml/2006/main" xmlns:r="http://schemas.openxmlformats.org/officeDocument/2006/relationships" xmlns:p="http://schemas.openxmlformats.org/presentationml/2006/main">
+  <p:cSld>
+    <p:spTree>
+      <p:nvGrpSpPr>
+        <p:cNvPr id="1" name=""/>
+        <p:cNvGrpSpPr/>
+        <p:nvPr/>
+      </p:nvGrpSpPr>
+      <p:grpSpPr>
+        <a:xfrm>
+          <a:off x="0" y="0"/>
+          <a:ext cx="0" cy="0"/>
+          <a:chOff x="0" y="0"/>
+          <a:chExt cx="0" cy="0"/>
+        </a:xfrm>
+      </p:grpSpPr>
+      <p:sp>
+        <p:nvSpPr>
+          <p:cNvPr id="2" name="Titre 1"/>
+          <p:cNvSpPr>
+            <a:spLocks noGrp="1"/>
+          </p:cNvSpPr>
+          <p:nvPr>
+            <p:ph type="title"/>
+            <p:custDataLst>
+              <p:tags r:id="rId1"/>
+            </p:custDataLst>
+          </p:nvPr>
+        </p:nvSpPr>
+        <p:spPr/>
+        <p:txBody>
+          <a:bodyPr>
+            <a:normAutofit fontScale="90000"/>
+          </a:bodyPr>
+          <a:lstStyle/>
+          <a:p>
+            <a:r>
+              <a:rPr lang="fr-FR" dirty="0" err="1" smtClean="0"/>
+              <a:t>Comm</a:t>
+            </a:r>
+            <a:r>
+              <a:rPr lang="fr-FR" dirty="0" smtClean="0"/>
+              <a:t>. microcontrôleur et Mac Mini</a:t>
+            </a:r>
+            <a:endParaRPr lang="fr-FR" dirty="0"/>
+          </a:p>
+        </p:txBody>
+      </p:sp>
+      <p:sp>
+        <p:nvSpPr>
+          <p:cNvPr id="4" name="Espace réservé du contenu 2"/>
+          <p:cNvSpPr txBox="1">
+            <a:spLocks/>
+          </p:cNvSpPr>
+          <p:nvPr>
+            <p:custDataLst>
+              <p:tags r:id="rId2"/>
+            </p:custDataLst>
+          </p:nvPr>
+        </p:nvSpPr>
+        <p:spPr>
+          <a:xfrm>
+            <a:off x="1008916" y="2107101"/>
+            <a:ext cx="7610476" cy="3670767"/>
+          </a:xfrm>
+          <a:prstGeom prst="rect">
+            <a:avLst/>
+          </a:prstGeom>
+        </p:spPr>
+        <p:txBody>
+          <a:bodyPr vert="horz" lIns="91440" tIns="45720" rIns="91440" bIns="45720" rtlCol="0">
+            <a:normAutofit/>
+          </a:bodyPr>
+          <a:lstStyle>
+            <a:lvl1pPr marL="342900" indent="-342900" algn="l" defTabSz="914400" rtl="0" eaLnBrk="1" latinLnBrk="0" hangingPunct="1">
+              <a:spcBef>
+                <a:spcPts val="2000"/>
+              </a:spcBef>
+              <a:buClr>
+                <a:schemeClr val="accent1"/>
+              </a:buClr>
+              <a:buFont typeface="Wingdings 2" pitchFamily="18" charset="2"/>
+              <a:buChar char=""/>
+              <a:defRPr sz="2000" kern="1200">
+                <a:solidFill>
+                  <a:schemeClr val="tx1">
+                    <a:lumMod val="65000"/>
+                    <a:lumOff val="35000"/>
+                  </a:schemeClr>
+                </a:solidFill>
+                <a:latin typeface="+mn-lt"/>
+                <a:ea typeface="+mn-ea"/>
+                <a:cs typeface="+mn-cs"/>
+              </a:defRPr>
+            </a:lvl1pPr>
+            <a:lvl2pPr marL="685800" indent="-336550" algn="l" defTabSz="914400" rtl="0" eaLnBrk="1" latinLnBrk="0" hangingPunct="1">
+              <a:spcBef>
+                <a:spcPts val="600"/>
+              </a:spcBef>
+              <a:buClr>
+                <a:schemeClr val="accent1">
+                  <a:lumMod val="50000"/>
+                </a:schemeClr>
+              </a:buClr>
+              <a:buFont typeface="Wingdings 2" pitchFamily="18" charset="2"/>
+              <a:buChar char=""/>
+              <a:defRPr sz="1800" kern="1200">
+                <a:solidFill>
+                  <a:schemeClr val="tx1">
+                    <a:lumMod val="65000"/>
+                    <a:lumOff val="35000"/>
+                  </a:schemeClr>
+                </a:solidFill>
+                <a:latin typeface="+mn-lt"/>
+                <a:ea typeface="+mn-ea"/>
+                <a:cs typeface="+mn-cs"/>
+              </a:defRPr>
+            </a:lvl2pPr>
+            <a:lvl3pPr marL="1035050" indent="-349250" algn="l" defTabSz="914400" rtl="0" eaLnBrk="1" latinLnBrk="0" hangingPunct="1">
+              <a:spcBef>
+                <a:spcPts val="600"/>
+              </a:spcBef>
+              <a:buClr>
+                <a:schemeClr val="accent1"/>
+              </a:buClr>
+              <a:buFont typeface="Wingdings 2" pitchFamily="18" charset="2"/>
+              <a:buChar char=""/>
+              <a:defRPr sz="1800" kern="1200">
+                <a:solidFill>
+                  <a:schemeClr val="tx1">
+                    <a:lumMod val="65000"/>
+                    <a:lumOff val="35000"/>
+                  </a:schemeClr>
+                </a:solidFill>
+                <a:latin typeface="+mn-lt"/>
+                <a:ea typeface="+mn-ea"/>
+                <a:cs typeface="+mn-cs"/>
+              </a:defRPr>
+            </a:lvl3pPr>
+            <a:lvl4pPr marL="1371600" indent="-336550" algn="l" defTabSz="914400" rtl="0" eaLnBrk="1" latinLnBrk="0" hangingPunct="1">
+              <a:spcBef>
+                <a:spcPts val="600"/>
+              </a:spcBef>
+              <a:buClr>
+                <a:schemeClr val="accent1">
+                  <a:lumMod val="50000"/>
+                </a:schemeClr>
+              </a:buClr>
+              <a:buFont typeface="Wingdings 2" pitchFamily="18" charset="2"/>
+              <a:buChar char=""/>
+              <a:defRPr sz="1800" kern="1200">
+                <a:solidFill>
+                  <a:schemeClr val="tx1">
+                    <a:lumMod val="65000"/>
+                    <a:lumOff val="35000"/>
+                  </a:schemeClr>
+                </a:solidFill>
+                <a:latin typeface="+mn-lt"/>
+                <a:ea typeface="+mn-ea"/>
+                <a:cs typeface="+mn-cs"/>
+              </a:defRPr>
+            </a:lvl4pPr>
+            <a:lvl5pPr marL="1720850" indent="-349250" algn="l" defTabSz="914400" rtl="0" eaLnBrk="1" latinLnBrk="0" hangingPunct="1">
+              <a:spcBef>
+                <a:spcPts val="600"/>
+              </a:spcBef>
+              <a:buClr>
+                <a:schemeClr val="accent1"/>
+              </a:buClr>
+              <a:buFont typeface="Wingdings 2" pitchFamily="18" charset="2"/>
+              <a:buChar char=""/>
+              <a:defRPr sz="1800" kern="1200">
+                <a:solidFill>
+                  <a:schemeClr val="tx1">
+                    <a:lumMod val="65000"/>
+                    <a:lumOff val="35000"/>
+                  </a:schemeClr>
+                </a:solidFill>
+                <a:latin typeface="+mn-lt"/>
+                <a:ea typeface="+mn-ea"/>
+                <a:cs typeface="+mn-cs"/>
+              </a:defRPr>
+            </a:lvl5pPr>
+            <a:lvl6pPr marL="2055813" indent="-344488" algn="l" defTabSz="914400" rtl="0" eaLnBrk="1" latinLnBrk="0" hangingPunct="1">
+              <a:spcBef>
+                <a:spcPct val="20000"/>
+              </a:spcBef>
+              <a:buClr>
+                <a:schemeClr val="accent1">
+                  <a:lumMod val="50000"/>
+                </a:schemeClr>
+              </a:buClr>
+              <a:buFont typeface="Wingdings 2" pitchFamily="18" charset="2"/>
+              <a:buChar char=""/>
+              <a:defRPr lang="en-US" sz="1800" kern="1200" dirty="0" smtClean="0">
+                <a:solidFill>
+                  <a:schemeClr val="tx1">
+                    <a:lumMod val="65000"/>
+                    <a:lumOff val="35000"/>
+                  </a:schemeClr>
+                </a:solidFill>
+                <a:latin typeface="+mn-lt"/>
+                <a:ea typeface="+mn-ea"/>
+                <a:cs typeface="+mn-cs"/>
+              </a:defRPr>
+            </a:lvl6pPr>
+            <a:lvl7pPr marL="2398713" indent="-344488" algn="l" defTabSz="914400" rtl="0" eaLnBrk="1" latinLnBrk="0" hangingPunct="1">
+              <a:spcBef>
+                <a:spcPct val="20000"/>
+              </a:spcBef>
+              <a:buClr>
+                <a:schemeClr val="accent1"/>
+              </a:buClr>
+              <a:buFont typeface="Wingdings 2" pitchFamily="18" charset="2"/>
+              <a:buChar char=""/>
+              <a:defRPr lang="en-US" sz="1800" kern="1200" dirty="0" smtClean="0">
+                <a:solidFill>
+                  <a:schemeClr val="tx1">
+                    <a:lumMod val="65000"/>
+                    <a:lumOff val="35000"/>
+                  </a:schemeClr>
+                </a:solidFill>
+                <a:latin typeface="+mn-lt"/>
+                <a:ea typeface="+mn-ea"/>
+                <a:cs typeface="+mn-cs"/>
+              </a:defRPr>
+            </a:lvl7pPr>
+            <a:lvl8pPr marL="2743200" indent="-344488" algn="l" defTabSz="914400" rtl="0" eaLnBrk="1" latinLnBrk="0" hangingPunct="1">
+              <a:spcBef>
+                <a:spcPct val="20000"/>
+              </a:spcBef>
+              <a:buClr>
+                <a:schemeClr val="accent1">
+                  <a:lumMod val="50000"/>
+                </a:schemeClr>
+              </a:buClr>
+              <a:buFont typeface="Wingdings 2" pitchFamily="18" charset="2"/>
+              <a:buChar char=""/>
+              <a:defRPr lang="en-US" sz="1800" kern="1200" dirty="0" smtClean="0">
+                <a:solidFill>
+                  <a:schemeClr val="tx1">
+                    <a:lumMod val="65000"/>
+                    <a:lumOff val="35000"/>
+                  </a:schemeClr>
+                </a:solidFill>
+                <a:latin typeface="+mn-lt"/>
+                <a:ea typeface="+mn-ea"/>
+                <a:cs typeface="+mn-cs"/>
+              </a:defRPr>
+            </a:lvl8pPr>
+            <a:lvl9pPr marL="3087688" indent="-344488" algn="l" defTabSz="914400" rtl="0" eaLnBrk="1" latinLnBrk="0" hangingPunct="1">
+              <a:spcBef>
+                <a:spcPct val="20000"/>
+              </a:spcBef>
+              <a:buClr>
+                <a:schemeClr val="accent1"/>
+              </a:buClr>
+              <a:buFont typeface="Wingdings 2" pitchFamily="18" charset="2"/>
+              <a:buChar char=""/>
+              <a:defRPr lang="en-US" sz="1800" kern="1200" dirty="0">
+                <a:solidFill>
+                  <a:schemeClr val="tx1">
+                    <a:lumMod val="65000"/>
+                    <a:lumOff val="35000"/>
+                  </a:schemeClr>
+                </a:solidFill>
+                <a:latin typeface="+mn-lt"/>
+                <a:ea typeface="+mn-ea"/>
+                <a:cs typeface="+mn-cs"/>
+              </a:defRPr>
+            </a:lvl9pPr>
+          </a:lstStyle>
+          <a:p>
+            <a:pPr marL="0" indent="265113"/>
+            <a:r>
+              <a:rPr lang="fr-FR" dirty="0" smtClean="0"/>
+              <a:t>Technologie : UART / RS-232</a:t>
+            </a:r>
+          </a:p>
+          <a:p>
+            <a:pPr marL="0" indent="265113"/>
+            <a:r>
+              <a:rPr lang="fr-FR" dirty="0" smtClean="0"/>
+              <a:t>Utilise le port USB du Mac mini comme interface</a:t>
+            </a:r>
+          </a:p>
+          <a:p>
+            <a:pPr marL="0" indent="265113"/>
+            <a:r>
+              <a:rPr lang="fr-FR" dirty="0" smtClean="0"/>
+              <a:t>Une interface fait la conversion USB / RS-232 (ICDI)</a:t>
+            </a:r>
+          </a:p>
+          <a:p>
+            <a:pPr marL="0" indent="265113"/>
+            <a:r>
+              <a:rPr lang="fr-FR" dirty="0" smtClean="0"/>
+              <a:t>Protocole plus simple d’utilisation que l’USB</a:t>
+            </a:r>
+          </a:p>
+          <a:p>
+            <a:pPr marL="265113" indent="-265113"/>
+            <a:r>
+              <a:rPr lang="fr-FR" dirty="0" smtClean="0"/>
+              <a:t>Déverminage simple – Le signal est directement observable sur les broches RX et TX du microcontrôleur</a:t>
+            </a:r>
+          </a:p>
+          <a:p>
+            <a:pPr marL="0" indent="0">
+              <a:buFont typeface="Wingdings 2" pitchFamily="18" charset="2"/>
+              <a:buNone/>
+            </a:pPr>
+            <a:endParaRPr lang="fr-FR" dirty="0"/>
+          </a:p>
+        </p:txBody>
+      </p:sp>
+    </p:spTree>
+    <p:extLst>
+      <p:ext uri="{BB962C8B-B14F-4D97-AF65-F5344CB8AC3E}">
+        <p14:creationId xmlns:p14="http://schemas.microsoft.com/office/powerpoint/2010/main" val="210799267"/>
+      </p:ext>
+    </p:extLst>
+  </p:cSld>
+  <p:clrMapOvr>
+    <a:masterClrMapping/>
+  </p:clrMapOvr>
+  <mc:AlternateContent xmlns:mc="http://schemas.openxmlformats.org/markup-compatibility/2006" xmlns:p14="http://schemas.microsoft.com/office/powerpoint/2010/main">
+    <mc:Choice Requires="p14">
+      <p:transition p14:dur="0"/>
+    </mc:Choice>
+    <mc:Fallback xmlns="">
+      <p:transition/>
+    </mc:Fallback>
+  </mc:AlternateContent>
+  <p:timing>
+    <p:tnLst>
+      <p:par>
+        <p:cTn id="1" dur="indefinite" restart="never" nodeType="tmRoot"/>
+      </p:par>
+    </p:tnLst>
+  </p:timing>
+</p:sld>
+</file>
+
+<file path=ppt/slides/slide29.xml><?xml version="1.0" encoding="utf-8"?>
+<p:sld xmlns:a="http://schemas.openxmlformats.org/drawingml/2006/main" xmlns:r="http://schemas.openxmlformats.org/officeDocument/2006/relationships" xmlns:p="http://schemas.openxmlformats.org/presentationml/2006/main">
+  <p:cSld>
+    <p:spTree>
+      <p:nvGrpSpPr>
+        <p:cNvPr id="1" name=""/>
+        <p:cNvGrpSpPr/>
+        <p:nvPr/>
+      </p:nvGrpSpPr>
+      <p:grpSpPr>
+        <a:xfrm>
+          <a:off x="0" y="0"/>
+          <a:ext cx="0" cy="0"/>
+          <a:chOff x="0" y="0"/>
+          <a:chExt cx="0" cy="0"/>
+        </a:xfrm>
+      </p:grpSpPr>
+      <p:sp>
+        <p:nvSpPr>
+          <p:cNvPr id="2" name="Titre 1"/>
+          <p:cNvSpPr>
+            <a:spLocks noGrp="1"/>
+          </p:cNvSpPr>
+          <p:nvPr>
+            <p:ph type="title"/>
+            <p:custDataLst>
+              <p:tags r:id="rId1"/>
+            </p:custDataLst>
+          </p:nvPr>
+        </p:nvSpPr>
+        <p:spPr/>
+        <p:txBody>
+          <a:bodyPr>
+            <a:normAutofit fontScale="90000"/>
+          </a:bodyPr>
+          <a:lstStyle/>
+          <a:p>
+            <a:r>
+              <a:rPr lang="fr-FR" dirty="0" err="1" smtClean="0"/>
+              <a:t>Comm</a:t>
+            </a:r>
+            <a:r>
+              <a:rPr lang="fr-FR" dirty="0" smtClean="0"/>
+              <a:t>. microcontrôleur et Mac Mini</a:t>
+            </a:r>
+            <a:endParaRPr lang="fr-FR" dirty="0"/>
+          </a:p>
+        </p:txBody>
+      </p:sp>
+      <p:sp>
+        <p:nvSpPr>
+          <p:cNvPr id="4" name="Espace réservé du contenu 2"/>
+          <p:cNvSpPr txBox="1">
+            <a:spLocks/>
+          </p:cNvSpPr>
+          <p:nvPr>
+            <p:custDataLst>
+              <p:tags r:id="rId2"/>
+            </p:custDataLst>
+          </p:nvPr>
+        </p:nvSpPr>
+        <p:spPr>
+          <a:xfrm>
+            <a:off x="1008915" y="2107101"/>
+            <a:ext cx="7766117" cy="3670767"/>
+          </a:xfrm>
+          <a:prstGeom prst="rect">
+            <a:avLst/>
+          </a:prstGeom>
+        </p:spPr>
+        <p:txBody>
+          <a:bodyPr vert="horz" lIns="91440" tIns="45720" rIns="91440" bIns="45720" rtlCol="0">
+            <a:normAutofit/>
+          </a:bodyPr>
+          <a:lstStyle>
+            <a:lvl1pPr marL="342900" indent="-342900" algn="l" defTabSz="914400" rtl="0" eaLnBrk="1" latinLnBrk="0" hangingPunct="1">
+              <a:spcBef>
+                <a:spcPts val="2000"/>
+              </a:spcBef>
+              <a:buClr>
+                <a:schemeClr val="accent1"/>
+              </a:buClr>
+              <a:buFont typeface="Wingdings 2" pitchFamily="18" charset="2"/>
+              <a:buChar char=""/>
+              <a:defRPr sz="2000" kern="1200">
+                <a:solidFill>
+                  <a:schemeClr val="tx1">
+                    <a:lumMod val="65000"/>
+                    <a:lumOff val="35000"/>
+                  </a:schemeClr>
+                </a:solidFill>
+                <a:latin typeface="+mn-lt"/>
+                <a:ea typeface="+mn-ea"/>
+                <a:cs typeface="+mn-cs"/>
+              </a:defRPr>
+            </a:lvl1pPr>
+            <a:lvl2pPr marL="685800" indent="-336550" algn="l" defTabSz="914400" rtl="0" eaLnBrk="1" latinLnBrk="0" hangingPunct="1">
+              <a:spcBef>
+                <a:spcPts val="600"/>
+              </a:spcBef>
+              <a:buClr>
+                <a:schemeClr val="accent1">
+                  <a:lumMod val="50000"/>
+                </a:schemeClr>
+              </a:buClr>
+              <a:buFont typeface="Wingdings 2" pitchFamily="18" charset="2"/>
+              <a:buChar char=""/>
+              <a:defRPr sz="1800" kern="1200">
+                <a:solidFill>
+                  <a:schemeClr val="tx1">
+                    <a:lumMod val="65000"/>
+                    <a:lumOff val="35000"/>
+                  </a:schemeClr>
+                </a:solidFill>
+                <a:latin typeface="+mn-lt"/>
+                <a:ea typeface="+mn-ea"/>
+                <a:cs typeface="+mn-cs"/>
+              </a:defRPr>
+            </a:lvl2pPr>
+            <a:lvl3pPr marL="1035050" indent="-349250" algn="l" defTabSz="914400" rtl="0" eaLnBrk="1" latinLnBrk="0" hangingPunct="1">
+              <a:spcBef>
+                <a:spcPts val="600"/>
+              </a:spcBef>
+              <a:buClr>
+                <a:schemeClr val="accent1"/>
+              </a:buClr>
+              <a:buFont typeface="Wingdings 2" pitchFamily="18" charset="2"/>
+              <a:buChar char=""/>
+              <a:defRPr sz="1800" kern="1200">
+                <a:solidFill>
+                  <a:schemeClr val="tx1">
+                    <a:lumMod val="65000"/>
+                    <a:lumOff val="35000"/>
+                  </a:schemeClr>
+                </a:solidFill>
+                <a:latin typeface="+mn-lt"/>
+                <a:ea typeface="+mn-ea"/>
+                <a:cs typeface="+mn-cs"/>
+              </a:defRPr>
+            </a:lvl3pPr>
+            <a:lvl4pPr marL="1371600" indent="-336550" algn="l" defTabSz="914400" rtl="0" eaLnBrk="1" latinLnBrk="0" hangingPunct="1">
+              <a:spcBef>
+                <a:spcPts val="600"/>
+              </a:spcBef>
+              <a:buClr>
+                <a:schemeClr val="accent1">
+                  <a:lumMod val="50000"/>
+                </a:schemeClr>
+              </a:buClr>
+              <a:buFont typeface="Wingdings 2" pitchFamily="18" charset="2"/>
+              <a:buChar char=""/>
+              <a:defRPr sz="1800" kern="1200">
+                <a:solidFill>
+                  <a:schemeClr val="tx1">
+                    <a:lumMod val="65000"/>
+                    <a:lumOff val="35000"/>
+                  </a:schemeClr>
+                </a:solidFill>
+                <a:latin typeface="+mn-lt"/>
+                <a:ea typeface="+mn-ea"/>
+                <a:cs typeface="+mn-cs"/>
+              </a:defRPr>
+            </a:lvl4pPr>
+            <a:lvl5pPr marL="1720850" indent="-349250" algn="l" defTabSz="914400" rtl="0" eaLnBrk="1" latinLnBrk="0" hangingPunct="1">
+              <a:spcBef>
+                <a:spcPts val="600"/>
+              </a:spcBef>
+              <a:buClr>
+                <a:schemeClr val="accent1"/>
+              </a:buClr>
+              <a:buFont typeface="Wingdings 2" pitchFamily="18" charset="2"/>
+              <a:buChar char=""/>
+              <a:defRPr sz="1800" kern="1200">
+                <a:solidFill>
+                  <a:schemeClr val="tx1">
+                    <a:lumMod val="65000"/>
+                    <a:lumOff val="35000"/>
+                  </a:schemeClr>
+                </a:solidFill>
+                <a:latin typeface="+mn-lt"/>
+                <a:ea typeface="+mn-ea"/>
+                <a:cs typeface="+mn-cs"/>
+              </a:defRPr>
+            </a:lvl5pPr>
+            <a:lvl6pPr marL="2055813" indent="-344488" algn="l" defTabSz="914400" rtl="0" eaLnBrk="1" latinLnBrk="0" hangingPunct="1">
+              <a:spcBef>
+                <a:spcPct val="20000"/>
+              </a:spcBef>
+              <a:buClr>
+                <a:schemeClr val="accent1">
+                  <a:lumMod val="50000"/>
+                </a:schemeClr>
+              </a:buClr>
+              <a:buFont typeface="Wingdings 2" pitchFamily="18" charset="2"/>
+              <a:buChar char=""/>
+              <a:defRPr lang="en-US" sz="1800" kern="1200" dirty="0" smtClean="0">
+                <a:solidFill>
+                  <a:schemeClr val="tx1">
+                    <a:lumMod val="65000"/>
+                    <a:lumOff val="35000"/>
+                  </a:schemeClr>
+                </a:solidFill>
+                <a:latin typeface="+mn-lt"/>
+                <a:ea typeface="+mn-ea"/>
+                <a:cs typeface="+mn-cs"/>
+              </a:defRPr>
+            </a:lvl6pPr>
+            <a:lvl7pPr marL="2398713" indent="-344488" algn="l" defTabSz="914400" rtl="0" eaLnBrk="1" latinLnBrk="0" hangingPunct="1">
+              <a:spcBef>
+                <a:spcPct val="20000"/>
+              </a:spcBef>
+              <a:buClr>
+                <a:schemeClr val="accent1"/>
+              </a:buClr>
+              <a:buFont typeface="Wingdings 2" pitchFamily="18" charset="2"/>
+              <a:buChar char=""/>
+              <a:defRPr lang="en-US" sz="1800" kern="1200" dirty="0" smtClean="0">
+                <a:solidFill>
+                  <a:schemeClr val="tx1">
+                    <a:lumMod val="65000"/>
+                    <a:lumOff val="35000"/>
+                  </a:schemeClr>
+                </a:solidFill>
+                <a:latin typeface="+mn-lt"/>
+                <a:ea typeface="+mn-ea"/>
+                <a:cs typeface="+mn-cs"/>
+              </a:defRPr>
+            </a:lvl7pPr>
+            <a:lvl8pPr marL="2743200" indent="-344488" algn="l" defTabSz="914400" rtl="0" eaLnBrk="1" latinLnBrk="0" hangingPunct="1">
+              <a:spcBef>
+                <a:spcPct val="20000"/>
+              </a:spcBef>
+              <a:buClr>
+                <a:schemeClr val="accent1">
+                  <a:lumMod val="50000"/>
+                </a:schemeClr>
+              </a:buClr>
+              <a:buFont typeface="Wingdings 2" pitchFamily="18" charset="2"/>
+              <a:buChar char=""/>
+              <a:defRPr lang="en-US" sz="1800" kern="1200" dirty="0" smtClean="0">
+                <a:solidFill>
+                  <a:schemeClr val="tx1">
+                    <a:lumMod val="65000"/>
+                    <a:lumOff val="35000"/>
+                  </a:schemeClr>
+                </a:solidFill>
+                <a:latin typeface="+mn-lt"/>
+                <a:ea typeface="+mn-ea"/>
+                <a:cs typeface="+mn-cs"/>
+              </a:defRPr>
+            </a:lvl8pPr>
+            <a:lvl9pPr marL="3087688" indent="-344488" algn="l" defTabSz="914400" rtl="0" eaLnBrk="1" latinLnBrk="0" hangingPunct="1">
+              <a:spcBef>
+                <a:spcPct val="20000"/>
+              </a:spcBef>
+              <a:buClr>
+                <a:schemeClr val="accent1"/>
+              </a:buClr>
+              <a:buFont typeface="Wingdings 2" pitchFamily="18" charset="2"/>
+              <a:buChar char=""/>
+              <a:defRPr lang="en-US" sz="1800" kern="1200" dirty="0">
+                <a:solidFill>
+                  <a:schemeClr val="tx1">
+                    <a:lumMod val="65000"/>
+                    <a:lumOff val="35000"/>
+                  </a:schemeClr>
+                </a:solidFill>
+                <a:latin typeface="+mn-lt"/>
+                <a:ea typeface="+mn-ea"/>
+                <a:cs typeface="+mn-cs"/>
+              </a:defRPr>
+            </a:lvl9pPr>
+          </a:lstStyle>
+          <a:p>
+            <a:pPr marL="0" indent="265113"/>
+            <a:r>
+              <a:rPr lang="fr-FR" dirty="0" smtClean="0"/>
+              <a:t>Terminal pour gérer la communication série</a:t>
+            </a:r>
+          </a:p>
+          <a:p>
+            <a:pPr marL="265113" indent="-265113"/>
+            <a:r>
+              <a:rPr lang="fr-CA" dirty="0" smtClean="0"/>
+              <a:t>Langage</a:t>
+            </a:r>
+            <a:r>
+              <a:rPr lang="fr-FR" dirty="0" smtClean="0"/>
+              <a:t> : Python – utilisable sur Windows et Linux sans modifications majeures </a:t>
+            </a:r>
+          </a:p>
+          <a:p>
+            <a:pPr marL="0" indent="265113"/>
+            <a:r>
+              <a:rPr lang="fr-FR" dirty="0" smtClean="0"/>
+              <a:t>Librairie open source pour la communication série : </a:t>
+            </a:r>
+            <a:r>
+              <a:rPr lang="fr-FR" dirty="0" err="1" smtClean="0"/>
+              <a:t>Pyserial</a:t>
+            </a:r>
+            <a:endParaRPr lang="fr-FR" dirty="0" smtClean="0"/>
+          </a:p>
+          <a:p>
+            <a:pPr marL="265113" indent="-265113"/>
+            <a:r>
+              <a:rPr lang="fr-FR" dirty="0" smtClean="0"/>
+              <a:t>Terminal série de tests : Permets d’obtenir des données pour l’asservissement des moteurs et tests diagnostiques</a:t>
+            </a:r>
+          </a:p>
+          <a:p>
+            <a:pPr marL="0" indent="0">
+              <a:buFont typeface="Wingdings 2" pitchFamily="18" charset="2"/>
+              <a:buNone/>
+            </a:pPr>
+            <a:endParaRPr lang="fr-FR" dirty="0"/>
+          </a:p>
+        </p:txBody>
+      </p:sp>
+    </p:spTree>
+    <p:extLst>
+      <p:ext uri="{BB962C8B-B14F-4D97-AF65-F5344CB8AC3E}">
+        <p14:creationId xmlns:p14="http://schemas.microsoft.com/office/powerpoint/2010/main" val="3051833478"/>
+      </p:ext>
+    </p:extLst>
+  </p:cSld>
+  <p:clrMapOvr>
+    <a:masterClrMapping/>
+  </p:clrMapOvr>
+  <mc:AlternateContent xmlns:mc="http://schemas.openxmlformats.org/markup-compatibility/2006" xmlns:p14="http://schemas.microsoft.com/office/powerpoint/2010/main">
+    <mc:Choice Requires="p14">
+      <p:transition p14:dur="0"/>
+    </mc:Choice>
+    <mc:Fallback xmlns="">
+      <p:transition/>
+    </mc:Fallback>
+  </mc:AlternateContent>
+  <p:timing>
+    <p:tnLst>
+      <p:par>
+        <p:cTn id="1" dur="indefinite" restart="never" nodeType="tmRoot"/>
+      </p:par>
+    </p:tnLst>
+  </p:timing>
+</p:sld>
+</file>
+
+<file path=ppt/slides/slide3.xml><?xml version="1.0" encoding="utf-8"?>
+<p:sld xmlns:a="http://schemas.openxmlformats.org/drawingml/2006/main" xmlns:r="http://schemas.openxmlformats.org/officeDocument/2006/relationships" xmlns:p="http://schemas.openxmlformats.org/presentationml/2006/main">
+  <p:cSld>
+    <p:spTree>
+      <p:nvGrpSpPr>
+        <p:cNvPr id="1" name=""/>
+        <p:cNvGrpSpPr/>
+        <p:nvPr/>
+      </p:nvGrpSpPr>
+      <p:grpSpPr>
+        <a:xfrm>
+          <a:off x="0" y="0"/>
+          <a:ext cx="0" cy="0"/>
+          <a:chOff x="0" y="0"/>
+          <a:chExt cx="0" cy="0"/>
+        </a:xfrm>
+      </p:grpSpPr>
+      <p:sp>
+        <p:nvSpPr>
+          <p:cNvPr id="2" name="Titre 1"/>
+          <p:cNvSpPr>
+            <a:spLocks noGrp="1"/>
+          </p:cNvSpPr>
+          <p:nvPr>
+            <p:ph type="title"/>
+            <p:custDataLst>
+              <p:tags r:id="rId1"/>
+            </p:custDataLst>
+          </p:nvPr>
+        </p:nvSpPr>
+        <p:spPr/>
+        <p:txBody>
+          <a:bodyPr/>
+          <a:lstStyle/>
+          <a:p>
+            <a:r>
+              <a:rPr lang="fr-FR" dirty="0" smtClean="0"/>
+              <a:t>Électronique</a:t>
+            </a:r>
+            <a:endParaRPr lang="fr-FR" dirty="0"/>
+          </a:p>
+        </p:txBody>
+      </p:sp>
+      <p:sp>
+        <p:nvSpPr>
+          <p:cNvPr id="4" name="Espace réservé du contenu 2"/>
+          <p:cNvSpPr>
+            <a:spLocks noGrp="1"/>
+          </p:cNvSpPr>
+          <p:nvPr>
+            <p:ph idx="1"/>
+            <p:custDataLst>
+              <p:tags r:id="rId2"/>
+            </p:custDataLst>
+          </p:nvPr>
+        </p:nvSpPr>
+        <p:spPr>
+          <a:xfrm>
+            <a:off x="1114424" y="2595562"/>
+            <a:ext cx="7610476" cy="3670767"/>
+          </a:xfrm>
+        </p:spPr>
+        <p:txBody>
+          <a:bodyPr>
+            <a:normAutofit/>
+          </a:bodyPr>
+          <a:lstStyle/>
+          <a:p>
+            <a:r>
+              <a:rPr lang="fr-FR" dirty="0" smtClean="0"/>
+              <a:t>Alimentation des </a:t>
+            </a:r>
+            <a:r>
+              <a:rPr lang="fr-FR" dirty="0" smtClean="0"/>
+              <a:t>auxiliaires </a:t>
+            </a:r>
+            <a:r>
+              <a:rPr lang="fr-FR" dirty="0" smtClean="0"/>
+              <a:t>(5V)</a:t>
+            </a:r>
+          </a:p>
+          <a:p>
+            <a:r>
+              <a:rPr lang="fr-FR" dirty="0" smtClean="0"/>
+              <a:t>Alimentation 24V du Mac Mini</a:t>
+            </a:r>
+          </a:p>
+          <a:p>
+            <a:r>
+              <a:rPr lang="fr-FR" dirty="0" smtClean="0"/>
+              <a:t>Détection du signal Manchester</a:t>
+            </a:r>
+          </a:p>
+          <a:p>
+            <a:r>
+              <a:rPr lang="fr-FR" dirty="0" smtClean="0"/>
+              <a:t>Système du préhenseur</a:t>
+            </a:r>
+          </a:p>
+          <a:p>
+            <a:r>
+              <a:rPr lang="fr-FR" dirty="0" smtClean="0"/>
+              <a:t>Circuit d’alimentation et de protection</a:t>
+            </a:r>
+          </a:p>
+          <a:p>
+            <a:r>
+              <a:rPr lang="fr-FR" dirty="0" smtClean="0"/>
+              <a:t>Interface entre le matériel et le Mac Mini</a:t>
+            </a:r>
+          </a:p>
           <a:p>
             <a:pPr marL="0" indent="0">
               <a:buNone/>
@@ -6202,7 +12471,512 @@
   <p:timing>
     <p:tnLst>
       <p:par>
-        <p:cTn xmlns:p14="http://schemas.microsoft.com/office/powerpoint/2010/main" id="1" dur="indefinite" restart="never" nodeType="tmRoot"/>
+        <p:cTn id="1" dur="indefinite" restart="never" nodeType="tmRoot"/>
+      </p:par>
+    </p:tnLst>
+  </p:timing>
+</p:sld>
+</file>
+
+<file path=ppt/slides/slide30.xml><?xml version="1.0" encoding="utf-8"?>
+<p:sld xmlns:a="http://schemas.openxmlformats.org/drawingml/2006/main" xmlns:r="http://schemas.openxmlformats.org/officeDocument/2006/relationships" xmlns:p="http://schemas.openxmlformats.org/presentationml/2006/main">
+  <p:cSld>
+    <p:spTree>
+      <p:nvGrpSpPr>
+        <p:cNvPr id="1" name=""/>
+        <p:cNvGrpSpPr/>
+        <p:nvPr/>
+      </p:nvGrpSpPr>
+      <p:grpSpPr>
+        <a:xfrm>
+          <a:off x="0" y="0"/>
+          <a:ext cx="0" cy="0"/>
+          <a:chOff x="0" y="0"/>
+          <a:chExt cx="0" cy="0"/>
+        </a:xfrm>
+      </p:grpSpPr>
+      <p:sp>
+        <p:nvSpPr>
+          <p:cNvPr id="2" name="Titre 1"/>
+          <p:cNvSpPr>
+            <a:spLocks noGrp="1"/>
+          </p:cNvSpPr>
+          <p:nvPr>
+            <p:ph type="title"/>
+            <p:custDataLst>
+              <p:tags r:id="rId1"/>
+            </p:custDataLst>
+          </p:nvPr>
+        </p:nvSpPr>
+        <p:spPr/>
+        <p:txBody>
+          <a:bodyPr/>
+          <a:lstStyle/>
+          <a:p>
+            <a:r>
+              <a:rPr lang="fr-FR" dirty="0" smtClean="0"/>
+              <a:t>Technologies utilisées</a:t>
+            </a:r>
+            <a:endParaRPr lang="fr-FR" dirty="0"/>
+          </a:p>
+        </p:txBody>
+      </p:sp>
+      <p:sp>
+        <p:nvSpPr>
+          <p:cNvPr id="3" name="Espace réservé du contenu 2"/>
+          <p:cNvSpPr>
+            <a:spLocks noGrp="1"/>
+          </p:cNvSpPr>
+          <p:nvPr>
+            <p:ph idx="1"/>
+            <p:custDataLst>
+              <p:tags r:id="rId2"/>
+            </p:custDataLst>
+          </p:nvPr>
+        </p:nvSpPr>
+        <p:spPr/>
+        <p:txBody>
+          <a:bodyPr>
+            <a:normAutofit/>
+          </a:bodyPr>
+          <a:lstStyle/>
+          <a:p>
+            <a:pPr marL="0" indent="0"/>
+            <a:r>
+              <a:rPr lang="fr-FR" dirty="0" smtClean="0"/>
+              <a:t>Vision : </a:t>
+            </a:r>
+            <a:r>
+              <a:rPr lang="fr-FR" dirty="0" err="1" smtClean="0"/>
+              <a:t>OpenCV</a:t>
+            </a:r>
+            <a:r>
+              <a:rPr lang="fr-FR" dirty="0" smtClean="0"/>
+              <a:t> et </a:t>
+            </a:r>
+            <a:r>
+              <a:rPr lang="fr-FR" dirty="0" err="1" smtClean="0"/>
+              <a:t>OpenNI</a:t>
+            </a:r>
+            <a:endParaRPr lang="fr-FR" dirty="0" smtClean="0"/>
+          </a:p>
+          <a:p>
+            <a:pPr marL="0" indent="0"/>
+            <a:r>
+              <a:rPr lang="fr-FR" dirty="0" smtClean="0"/>
+              <a:t> Programmation : </a:t>
+            </a:r>
+            <a:r>
+              <a:rPr lang="fr-FR" dirty="0" err="1" smtClean="0"/>
+              <a:t>Bash</a:t>
+            </a:r>
+            <a:r>
+              <a:rPr lang="fr-FR" dirty="0" smtClean="0"/>
+              <a:t>, Python, C++, </a:t>
+            </a:r>
+            <a:r>
+              <a:rPr lang="fr-FR" dirty="0" smtClean="0"/>
+              <a:t>C, </a:t>
+            </a:r>
+            <a:r>
+              <a:rPr lang="fr-FR" dirty="0" err="1" smtClean="0"/>
+              <a:t>Matlab</a:t>
+            </a:r>
+            <a:endParaRPr lang="fr-FR" dirty="0" smtClean="0"/>
+          </a:p>
+          <a:p>
+            <a:pPr marL="0" indent="0"/>
+            <a:r>
+              <a:rPr lang="fr-FR" dirty="0" smtClean="0"/>
+              <a:t> Tests : </a:t>
+            </a:r>
+            <a:r>
+              <a:rPr lang="fr-FR" dirty="0" err="1" smtClean="0"/>
+              <a:t>GTest</a:t>
+            </a:r>
+            <a:r>
+              <a:rPr lang="fr-FR" dirty="0" smtClean="0"/>
+              <a:t>, </a:t>
+            </a:r>
+            <a:r>
+              <a:rPr lang="fr-FR" dirty="0" err="1" smtClean="0"/>
+              <a:t>Valgrind</a:t>
+            </a:r>
+            <a:r>
+              <a:rPr lang="fr-FR" dirty="0" smtClean="0"/>
+              <a:t> (fuite de mémoires)</a:t>
+            </a:r>
+          </a:p>
+          <a:p>
+            <a:pPr marL="0" indent="0"/>
+            <a:r>
+              <a:rPr lang="fr-FR" dirty="0" smtClean="0"/>
+              <a:t>Communication : ROS</a:t>
+            </a:r>
+            <a:endParaRPr lang="fr-FR" dirty="0"/>
+          </a:p>
+        </p:txBody>
+      </p:sp>
+    </p:spTree>
+    <p:extLst>
+      <p:ext uri="{BB962C8B-B14F-4D97-AF65-F5344CB8AC3E}">
+        <p14:creationId xmlns:p14="http://schemas.microsoft.com/office/powerpoint/2010/main" val="889014282"/>
+      </p:ext>
+    </p:extLst>
+  </p:cSld>
+  <p:clrMapOvr>
+    <a:masterClrMapping/>
+  </p:clrMapOvr>
+  <mc:AlternateContent xmlns:mc="http://schemas.openxmlformats.org/markup-compatibility/2006" xmlns:p14="http://schemas.microsoft.com/office/powerpoint/2010/main">
+    <mc:Choice Requires="p14">
+      <p:transition p14:dur="0"/>
+    </mc:Choice>
+    <mc:Fallback xmlns="">
+      <p:transition/>
+    </mc:Fallback>
+  </mc:AlternateContent>
+  <p:timing>
+    <p:tnLst>
+      <p:par>
+        <p:cTn id="1" dur="indefinite" restart="never" nodeType="tmRoot"/>
+      </p:par>
+    </p:tnLst>
+  </p:timing>
+</p:sld>
+</file>
+
+<file path=ppt/slides/slide31.xml><?xml version="1.0" encoding="utf-8"?>
+<p:sld xmlns:a="http://schemas.openxmlformats.org/drawingml/2006/main" xmlns:r="http://schemas.openxmlformats.org/officeDocument/2006/relationships" xmlns:p="http://schemas.openxmlformats.org/presentationml/2006/main">
+  <p:cSld>
+    <p:spTree>
+      <p:nvGrpSpPr>
+        <p:cNvPr id="1" name=""/>
+        <p:cNvGrpSpPr/>
+        <p:nvPr/>
+      </p:nvGrpSpPr>
+      <p:grpSpPr>
+        <a:xfrm>
+          <a:off x="0" y="0"/>
+          <a:ext cx="0" cy="0"/>
+          <a:chOff x="0" y="0"/>
+          <a:chExt cx="0" cy="0"/>
+        </a:xfrm>
+      </p:grpSpPr>
+      <p:sp>
+        <p:nvSpPr>
+          <p:cNvPr id="2" name="Title 1"/>
+          <p:cNvSpPr>
+            <a:spLocks noGrp="1"/>
+          </p:cNvSpPr>
+          <p:nvPr>
+            <p:ph type="ctrTitle"/>
+            <p:custDataLst>
+              <p:tags r:id="rId1"/>
+            </p:custDataLst>
+          </p:nvPr>
+        </p:nvSpPr>
+        <p:spPr>
+          <a:xfrm>
+            <a:off x="0" y="2596231"/>
+            <a:ext cx="9144000" cy="877824"/>
+          </a:xfrm>
+        </p:spPr>
+        <p:txBody>
+          <a:bodyPr/>
+          <a:lstStyle/>
+          <a:p>
+            <a:r>
+              <a:rPr lang="en-US" dirty="0" err="1" smtClean="0"/>
+              <a:t>Période</a:t>
+            </a:r>
+            <a:r>
+              <a:rPr lang="en-US" dirty="0" smtClean="0"/>
+              <a:t> de questions</a:t>
+            </a:r>
+            <a:endParaRPr lang="en-US" dirty="0"/>
+          </a:p>
+        </p:txBody>
+      </p:sp>
+    </p:spTree>
+    <p:extLst>
+      <p:ext uri="{BB962C8B-B14F-4D97-AF65-F5344CB8AC3E}">
+        <p14:creationId xmlns:p14="http://schemas.microsoft.com/office/powerpoint/2010/main" val="2971021721"/>
+      </p:ext>
+    </p:extLst>
+  </p:cSld>
+  <p:clrMapOvr>
+    <a:masterClrMapping/>
+  </p:clrMapOvr>
+  <mc:AlternateContent xmlns:mc="http://schemas.openxmlformats.org/markup-compatibility/2006" xmlns:p14="http://schemas.microsoft.com/office/powerpoint/2010/main">
+    <mc:Choice Requires="p14">
+      <p:transition p14:dur="0"/>
+    </mc:Choice>
+    <mc:Fallback xmlns="">
+      <p:transition/>
+    </mc:Fallback>
+  </mc:AlternateContent>
+  <p:timing>
+    <p:tnLst>
+      <p:par>
+        <p:cTn id="1" dur="indefinite" restart="never" nodeType="tmRoot"/>
+      </p:par>
+    </p:tnLst>
+  </p:timing>
+</p:sld>
+</file>
+
+<file path=ppt/slides/slide4.xml><?xml version="1.0" encoding="utf-8"?>
+<p:sld xmlns:a="http://schemas.openxmlformats.org/drawingml/2006/main" xmlns:r="http://schemas.openxmlformats.org/officeDocument/2006/relationships" xmlns:p="http://schemas.openxmlformats.org/presentationml/2006/main">
+  <p:cSld>
+    <p:spTree>
+      <p:nvGrpSpPr>
+        <p:cNvPr id="1" name=""/>
+        <p:cNvGrpSpPr/>
+        <p:nvPr/>
+      </p:nvGrpSpPr>
+      <p:grpSpPr>
+        <a:xfrm>
+          <a:off x="0" y="0"/>
+          <a:ext cx="0" cy="0"/>
+          <a:chOff x="0" y="0"/>
+          <a:chExt cx="0" cy="0"/>
+        </a:xfrm>
+      </p:grpSpPr>
+      <p:sp>
+        <p:nvSpPr>
+          <p:cNvPr id="2" name="Titre 1"/>
+          <p:cNvSpPr>
+            <a:spLocks noGrp="1"/>
+          </p:cNvSpPr>
+          <p:nvPr>
+            <p:ph type="title"/>
+            <p:custDataLst>
+              <p:tags r:id="rId1"/>
+            </p:custDataLst>
+          </p:nvPr>
+        </p:nvSpPr>
+        <p:spPr/>
+        <p:txBody>
+          <a:bodyPr>
+            <a:normAutofit/>
+          </a:bodyPr>
+          <a:lstStyle/>
+          <a:p>
+            <a:r>
+              <a:rPr lang="fr-FR" dirty="0" smtClean="0"/>
+              <a:t>Alimentation des auxiliaires (5V)</a:t>
+            </a:r>
+            <a:endParaRPr lang="fr-FR" dirty="0"/>
+          </a:p>
+        </p:txBody>
+      </p:sp>
+      <p:pic>
+        <p:nvPicPr>
+          <p:cNvPr id="1026" name="Picture 2" descr="C:\Users\Daniel\Documents\GitHub\design3\reports\livrable 2\fig\alim_5V_photo.png"/>
+          <p:cNvPicPr>
+            <a:picLocks noChangeAspect="1" noChangeArrowheads="1"/>
+          </p:cNvPicPr>
+          <p:nvPr>
+            <p:custDataLst>
+              <p:tags r:id="rId2"/>
+            </p:custDataLst>
+          </p:nvPr>
+        </p:nvPicPr>
+        <p:blipFill>
+          <a:blip r:embed="rId6">
+            <a:extLst>
+              <a:ext uri="{28A0092B-C50C-407E-A947-70E740481C1C}">
+                <a14:useLocalDpi xmlns:a14="http://schemas.microsoft.com/office/drawing/2010/main" val="0"/>
+              </a:ext>
+            </a:extLst>
+          </a:blip>
+          <a:srcRect/>
+          <a:stretch>
+            <a:fillRect/>
+          </a:stretch>
+        </p:blipFill>
+        <p:spPr bwMode="auto">
+          <a:xfrm>
+            <a:off x="222633" y="4368694"/>
+            <a:ext cx="3944385" cy="2169165"/>
+          </a:xfrm>
+          <a:prstGeom prst="rect">
+            <a:avLst/>
+          </a:prstGeom>
+          <a:noFill/>
+          <a:extLst>
+            <a:ext uri="{909E8E84-426E-40DD-AFC4-6F175D3DCCD1}">
+              <a14:hiddenFill xmlns:a14="http://schemas.microsoft.com/office/drawing/2010/main">
+                <a:solidFill>
+                  <a:srgbClr val="FFFFFF"/>
+                </a:solidFill>
+              </a14:hiddenFill>
+            </a:ext>
+          </a:extLst>
+        </p:spPr>
+      </p:pic>
+      <p:sp>
+        <p:nvSpPr>
+          <p:cNvPr id="4" name="Espace réservé du contenu 2"/>
+          <p:cNvSpPr>
+            <a:spLocks noGrp="1"/>
+          </p:cNvSpPr>
+          <p:nvPr>
+            <p:ph idx="1"/>
+            <p:custDataLst>
+              <p:tags r:id="rId3"/>
+            </p:custDataLst>
+          </p:nvPr>
+        </p:nvSpPr>
+        <p:spPr>
+          <a:xfrm>
+            <a:off x="4340180" y="1828800"/>
+            <a:ext cx="4650907" cy="4803820"/>
+          </a:xfrm>
+        </p:spPr>
+        <p:txBody>
+          <a:bodyPr>
+            <a:normAutofit/>
+          </a:bodyPr>
+          <a:lstStyle/>
+          <a:p>
+            <a:pPr marL="0" indent="0">
+              <a:lnSpc>
+                <a:spcPct val="160000"/>
+              </a:lnSpc>
+              <a:buNone/>
+            </a:pPr>
+            <a:r>
+              <a:rPr lang="fr-FR" b="1" dirty="0" smtClean="0"/>
+              <a:t>Réalisation d’une alimentation 5V</a:t>
+            </a:r>
+          </a:p>
+          <a:p>
+            <a:endParaRPr lang="fr-FR" dirty="0"/>
+          </a:p>
+          <a:p>
+            <a:r>
+              <a:rPr lang="fr-FR" dirty="0" smtClean="0"/>
+              <a:t>Rendement supérieur à 85%</a:t>
+            </a:r>
+          </a:p>
+          <a:p>
+            <a:r>
+              <a:rPr lang="fr-FR" dirty="0" smtClean="0"/>
+              <a:t>Stabilité de la tension en charge</a:t>
+            </a:r>
+          </a:p>
+          <a:p>
+            <a:r>
+              <a:rPr lang="fr-FR" dirty="0" smtClean="0"/>
+              <a:t>Faible ondulation (100mV)</a:t>
+            </a:r>
+          </a:p>
+          <a:p>
+            <a:r>
+              <a:rPr lang="fr-FR" dirty="0" smtClean="0"/>
+              <a:t>Conçu pour 3A (15W)</a:t>
+            </a:r>
+          </a:p>
+          <a:p>
+            <a:r>
+              <a:rPr lang="fr-FR" dirty="0" smtClean="0"/>
+              <a:t>Occupe un faible espace</a:t>
+            </a:r>
+            <a:endParaRPr lang="fr-FR" dirty="0"/>
+          </a:p>
+        </p:txBody>
+      </p:sp>
+      <p:pic>
+        <p:nvPicPr>
+          <p:cNvPr id="1028" name="Picture 4"/>
+          <p:cNvPicPr>
+            <a:picLocks noChangeAspect="1" noChangeArrowheads="1"/>
+          </p:cNvPicPr>
+          <p:nvPr>
+            <p:custDataLst>
+              <p:tags r:id="rId4"/>
+            </p:custDataLst>
+          </p:nvPr>
+        </p:nvPicPr>
+        <p:blipFill>
+          <a:blip r:embed="rId7">
+            <a:extLst>
+              <a:ext uri="{28A0092B-C50C-407E-A947-70E740481C1C}">
+                <a14:useLocalDpi xmlns:a14="http://schemas.microsoft.com/office/drawing/2010/main" val="0"/>
+              </a:ext>
+            </a:extLst>
+          </a:blip>
+          <a:srcRect/>
+          <a:stretch>
+            <a:fillRect/>
+          </a:stretch>
+        </p:blipFill>
+        <p:spPr bwMode="auto">
+          <a:xfrm>
+            <a:off x="222633" y="1828800"/>
+            <a:ext cx="3886200" cy="2381250"/>
+          </a:xfrm>
+          <a:prstGeom prst="rect">
+            <a:avLst/>
+          </a:prstGeom>
+          <a:noFill/>
+          <a:ln>
+            <a:noFill/>
+          </a:ln>
+          <a:effectLst/>
+          <a:extLst>
+            <a:ext uri="{909E8E84-426E-40DD-AFC4-6F175D3DCCD1}">
+              <a14:hiddenFill xmlns:a14="http://schemas.microsoft.com/office/drawing/2010/main">
+                <a:solidFill>
+                  <a:schemeClr val="accent1"/>
+                </a:solidFill>
+              </a14:hiddenFill>
+            </a:ext>
+            <a:ext uri="{91240B29-F687-4F45-9708-019B960494DF}">
+              <a14:hiddenLine xmlns:a14="http://schemas.microsoft.com/office/drawing/2010/main" w="9525">
+                <a:solidFill>
+                  <a:schemeClr val="tx1"/>
+                </a:solidFill>
+                <a:miter lim="800000"/>
+                <a:headEnd/>
+                <a:tailEnd/>
+              </a14:hiddenLine>
+            </a:ext>
+            <a:ext uri="{AF507438-7753-43E0-B8FC-AC1667EBCBE1}">
+              <a14:hiddenEffects xmlns:a14="http://schemas.microsoft.com/office/drawing/2010/main">
+                <a:effectLst>
+                  <a:outerShdw dist="35921" dir="2700000" algn="ctr" rotWithShape="0">
+                    <a:schemeClr val="bg2"/>
+                  </a:outerShdw>
+                </a:effectLst>
+              </a14:hiddenEffects>
+            </a:ext>
+          </a:extLst>
+        </p:spPr>
+      </p:pic>
+    </p:spTree>
+    <p:extLst>
+      <p:ext uri="{BB962C8B-B14F-4D97-AF65-F5344CB8AC3E}">
+        <p14:creationId xmlns:p14="http://schemas.microsoft.com/office/powerpoint/2010/main" val="1377401318"/>
+      </p:ext>
+    </p:extLst>
+  </p:cSld>
+  <p:clrMapOvr>
+    <a:masterClrMapping/>
+  </p:clrMapOvr>
+  <mc:AlternateContent xmlns:mc="http://schemas.openxmlformats.org/markup-compatibility/2006" xmlns:p14="http://schemas.microsoft.com/office/powerpoint/2010/main">
+    <mc:Choice Requires="p14">
+      <p:transition p14:dur="0"/>
+    </mc:Choice>
+    <mc:Fallback xmlns="">
+      <p:transition/>
+    </mc:Fallback>
+  </mc:AlternateContent>
+  <p:timing>
+    <p:tnLst>
+      <p:par>
+        <p:cTn id="1" dur="indefinite" restart="never" nodeType="tmRoot"/>
       </p:par>
     </p:tnLst>
   </p:timing>
@@ -6234,6 +13008,9 @@
           </p:cNvSpPr>
           <p:nvPr>
             <p:ph type="title"/>
+            <p:custDataLst>
+              <p:tags r:id="rId1"/>
+            </p:custDataLst>
           </p:nvPr>
         </p:nvSpPr>
         <p:spPr/>
@@ -6243,7 +13020,7 @@
           <a:p>
             <a:r>
               <a:rPr lang="fr-FR" dirty="0" smtClean="0"/>
-              <a:t>Vision</a:t>
+              <a:t>Alimentation 24V</a:t>
             </a:r>
             <a:endParaRPr lang="fr-FR" dirty="0"/>
           </a:p>
@@ -6251,25 +13028,636 @@
       </p:sp>
       <p:sp>
         <p:nvSpPr>
-          <p:cNvPr id="3" name="Espace réservé du contenu 2"/>
+          <p:cNvPr id="16" name="Espace réservé du contenu 2"/>
           <p:cNvSpPr>
             <a:spLocks noGrp="1"/>
           </p:cNvSpPr>
           <p:nvPr>
             <p:ph idx="1"/>
-          </p:nvPr>
-        </p:nvSpPr>
-        <p:spPr/>
+            <p:custDataLst>
+              <p:tags r:id="rId2"/>
+            </p:custDataLst>
+          </p:nvPr>
+        </p:nvSpPr>
+        <p:spPr>
+          <a:xfrm>
+            <a:off x="3011214" y="2096814"/>
+            <a:ext cx="5701030" cy="4032997"/>
+          </a:xfrm>
+        </p:spPr>
         <p:txBody>
           <a:bodyPr>
             <a:normAutofit/>
           </a:bodyPr>
           <a:lstStyle/>
           <a:p>
+            <a:pPr marL="0" indent="0"/>
+            <a:r>
+              <a:rPr lang="fr-FR" dirty="0" err="1" smtClean="0"/>
+              <a:t>Boost</a:t>
+            </a:r>
+            <a:r>
+              <a:rPr lang="fr-FR" dirty="0" smtClean="0"/>
+              <a:t> 11.1V à 24V DC;</a:t>
+            </a:r>
+          </a:p>
+          <a:p>
+            <a:pPr marL="0" indent="0"/>
+            <a:r>
+              <a:rPr lang="fr-FR" dirty="0"/>
+              <a:t>Simplicité d’ajustement de la tension de </a:t>
+            </a:r>
+            <a:r>
+              <a:rPr lang="fr-FR" dirty="0" smtClean="0"/>
+              <a:t>sortie;</a:t>
+            </a:r>
+            <a:endParaRPr lang="fr-FR" dirty="0"/>
+          </a:p>
+          <a:p>
+            <a:pPr marL="0" indent="0"/>
+            <a:r>
+              <a:rPr lang="fr-FR" dirty="0" smtClean="0"/>
+              <a:t>Oscillation de tension en sortie de 2% maximum;</a:t>
+            </a:r>
+          </a:p>
+          <a:p>
+            <a:pPr marL="0" indent="0"/>
+            <a:r>
+              <a:rPr lang="fr-FR" dirty="0" smtClean="0"/>
+              <a:t>Puissance maximum de 150W, efficacité de 94%;</a:t>
+            </a:r>
+          </a:p>
+          <a:p>
             <a:pPr marL="0" indent="0">
               <a:buNone/>
             </a:pPr>
             <a:endParaRPr lang="fr-FR" dirty="0"/>
+          </a:p>
+        </p:txBody>
+      </p:sp>
+      <p:pic>
+        <p:nvPicPr>
+          <p:cNvPr id="17" name="Image 16"/>
+          <p:cNvPicPr>
+            <a:picLocks noChangeAspect="1"/>
+          </p:cNvPicPr>
+          <p:nvPr>
+            <p:custDataLst>
+              <p:tags r:id="rId3"/>
+            </p:custDataLst>
+          </p:nvPr>
+        </p:nvPicPr>
+        <p:blipFill>
+          <a:blip r:embed="rId5">
+            <a:extLst>
+              <a:ext uri="{28A0092B-C50C-407E-A947-70E740481C1C}">
+                <a14:useLocalDpi xmlns:a14="http://schemas.microsoft.com/office/drawing/2010/main" val="0"/>
+              </a:ext>
+            </a:extLst>
+          </a:blip>
+          <a:stretch>
+            <a:fillRect/>
+          </a:stretch>
+        </p:blipFill>
+        <p:spPr>
+          <a:xfrm>
+            <a:off x="228599" y="1928077"/>
+            <a:ext cx="2420655" cy="2420655"/>
+          </a:xfrm>
+          <a:prstGeom prst="rect">
+            <a:avLst/>
+          </a:prstGeom>
+        </p:spPr>
+      </p:pic>
+    </p:spTree>
+    <p:extLst>
+      <p:ext uri="{BB962C8B-B14F-4D97-AF65-F5344CB8AC3E}">
+        <p14:creationId xmlns:p14="http://schemas.microsoft.com/office/powerpoint/2010/main" val="2646198427"/>
+      </p:ext>
+    </p:extLst>
+  </p:cSld>
+  <p:clrMapOvr>
+    <a:masterClrMapping/>
+  </p:clrMapOvr>
+  <mc:AlternateContent xmlns:mc="http://schemas.openxmlformats.org/markup-compatibility/2006" xmlns:p14="http://schemas.microsoft.com/office/powerpoint/2010/main">
+    <mc:Choice Requires="p14">
+      <p:transition p14:dur="0"/>
+    </mc:Choice>
+    <mc:Fallback xmlns="">
+      <p:transition/>
+    </mc:Fallback>
+  </mc:AlternateContent>
+  <p:timing>
+    <p:tnLst>
+      <p:par>
+        <p:cTn id="1" dur="indefinite" restart="never" nodeType="tmRoot"/>
+      </p:par>
+    </p:tnLst>
+  </p:timing>
+</p:sld>
+</file>
+
+<file path=ppt/slides/slide6.xml><?xml version="1.0" encoding="utf-8"?>
+<p:sld xmlns:a="http://schemas.openxmlformats.org/drawingml/2006/main" xmlns:r="http://schemas.openxmlformats.org/officeDocument/2006/relationships" xmlns:p="http://schemas.openxmlformats.org/presentationml/2006/main">
+  <p:cSld>
+    <p:spTree>
+      <p:nvGrpSpPr>
+        <p:cNvPr id="1" name=""/>
+        <p:cNvGrpSpPr/>
+        <p:nvPr/>
+      </p:nvGrpSpPr>
+      <p:grpSpPr>
+        <a:xfrm>
+          <a:off x="0" y="0"/>
+          <a:ext cx="0" cy="0"/>
+          <a:chOff x="0" y="0"/>
+          <a:chExt cx="0" cy="0"/>
+        </a:xfrm>
+      </p:grpSpPr>
+      <p:sp>
+        <p:nvSpPr>
+          <p:cNvPr id="2" name="Titre 1"/>
+          <p:cNvSpPr>
+            <a:spLocks noGrp="1"/>
+          </p:cNvSpPr>
+          <p:nvPr>
+            <p:ph type="title"/>
+            <p:custDataLst>
+              <p:tags r:id="rId1"/>
+            </p:custDataLst>
+          </p:nvPr>
+        </p:nvSpPr>
+        <p:spPr/>
+        <p:txBody>
+          <a:bodyPr/>
+          <a:lstStyle/>
+          <a:p>
+            <a:r>
+              <a:rPr lang="fr-FR" dirty="0" smtClean="0"/>
+              <a:t>Détection du signal Manchester</a:t>
+            </a:r>
+            <a:endParaRPr lang="fr-FR" dirty="0"/>
+          </a:p>
+        </p:txBody>
+      </p:sp>
+      <p:sp>
+        <p:nvSpPr>
+          <p:cNvPr id="3" name="Espace réservé du contenu 2"/>
+          <p:cNvSpPr>
+            <a:spLocks noGrp="1"/>
+          </p:cNvSpPr>
+          <p:nvPr>
+            <p:ph idx="1"/>
+            <p:custDataLst>
+              <p:tags r:id="rId2"/>
+            </p:custDataLst>
+          </p:nvPr>
+        </p:nvSpPr>
+        <p:spPr/>
+        <p:txBody>
+          <a:bodyPr>
+            <a:normAutofit/>
+          </a:bodyPr>
+          <a:lstStyle/>
+          <a:p>
+            <a:pPr marL="0" indent="0"/>
+            <a:r>
+              <a:rPr lang="fr-FR" dirty="0" smtClean="0"/>
+              <a:t>Circuit intégré de détection de tonalité;</a:t>
+            </a:r>
+          </a:p>
+          <a:p>
+            <a:pPr marL="0" indent="0"/>
+            <a:r>
+              <a:rPr lang="fr-FR" dirty="0" smtClean="0"/>
+              <a:t>Bande de détection de 262 à 270 KHZ</a:t>
+            </a:r>
+          </a:p>
+          <a:p>
+            <a:pPr marL="0" indent="0"/>
+            <a:r>
+              <a:rPr lang="fr-FR" dirty="0" smtClean="0"/>
+              <a:t>Hystérésis en sortie du décodeur;</a:t>
+            </a:r>
+          </a:p>
+          <a:p>
+            <a:pPr marL="0" indent="0"/>
+            <a:r>
+              <a:rPr lang="fr-FR" dirty="0" smtClean="0"/>
+              <a:t>Antenne bobinée en plusieurs boucles pour maximiser la variation du flux magnétique.</a:t>
+            </a:r>
+          </a:p>
+          <a:p>
+            <a:pPr marL="0" indent="0"/>
+            <a:endParaRPr lang="fr-FR" dirty="0" smtClean="0"/>
+          </a:p>
+          <a:p>
+            <a:pPr marL="0" indent="0"/>
+            <a:endParaRPr lang="fr-FR" dirty="0"/>
+          </a:p>
+        </p:txBody>
+      </p:sp>
+    </p:spTree>
+    <p:extLst>
+      <p:ext uri="{BB962C8B-B14F-4D97-AF65-F5344CB8AC3E}">
+        <p14:creationId xmlns:p14="http://schemas.microsoft.com/office/powerpoint/2010/main" val="2852072829"/>
+      </p:ext>
+    </p:extLst>
+  </p:cSld>
+  <p:clrMapOvr>
+    <a:masterClrMapping/>
+  </p:clrMapOvr>
+  <mc:AlternateContent xmlns:mc="http://schemas.openxmlformats.org/markup-compatibility/2006" xmlns:p14="http://schemas.microsoft.com/office/powerpoint/2010/main">
+    <mc:Choice Requires="p14">
+      <p:transition p14:dur="0"/>
+    </mc:Choice>
+    <mc:Fallback xmlns="">
+      <p:transition/>
+    </mc:Fallback>
+  </mc:AlternateContent>
+  <p:timing>
+    <p:tnLst>
+      <p:par>
+        <p:cTn id="1" dur="indefinite" restart="never" nodeType="tmRoot"/>
+      </p:par>
+    </p:tnLst>
+  </p:timing>
+</p:sld>
+</file>
+
+<file path=ppt/slides/slide7.xml><?xml version="1.0" encoding="utf-8"?>
+<p:sld xmlns:a="http://schemas.openxmlformats.org/drawingml/2006/main" xmlns:r="http://schemas.openxmlformats.org/officeDocument/2006/relationships" xmlns:p="http://schemas.openxmlformats.org/presentationml/2006/main">
+  <p:cSld>
+    <p:spTree>
+      <p:nvGrpSpPr>
+        <p:cNvPr id="1" name=""/>
+        <p:cNvGrpSpPr/>
+        <p:nvPr/>
+      </p:nvGrpSpPr>
+      <p:grpSpPr>
+        <a:xfrm>
+          <a:off x="0" y="0"/>
+          <a:ext cx="0" cy="0"/>
+          <a:chOff x="0" y="0"/>
+          <a:chExt cx="0" cy="0"/>
+        </a:xfrm>
+      </p:grpSpPr>
+      <p:sp>
+        <p:nvSpPr>
+          <p:cNvPr id="2" name="Titre 1"/>
+          <p:cNvSpPr>
+            <a:spLocks noGrp="1"/>
+          </p:cNvSpPr>
+          <p:nvPr>
+            <p:ph type="title"/>
+            <p:custDataLst>
+              <p:tags r:id="rId1"/>
+            </p:custDataLst>
+          </p:nvPr>
+        </p:nvSpPr>
+        <p:spPr/>
+        <p:txBody>
+          <a:bodyPr/>
+          <a:lstStyle/>
+          <a:p>
+            <a:r>
+              <a:rPr lang="fr-FR" dirty="0" smtClean="0"/>
+              <a:t>Préhenseur </a:t>
+            </a:r>
+            <a:endParaRPr lang="fr-FR" dirty="0"/>
+          </a:p>
+        </p:txBody>
+      </p:sp>
+      <p:sp>
+        <p:nvSpPr>
+          <p:cNvPr id="3" name="Espace réservé du contenu 2"/>
+          <p:cNvSpPr>
+            <a:spLocks noGrp="1"/>
+          </p:cNvSpPr>
+          <p:nvPr>
+            <p:ph idx="1"/>
+            <p:custDataLst>
+              <p:tags r:id="rId2"/>
+            </p:custDataLst>
+          </p:nvPr>
+        </p:nvSpPr>
+        <p:spPr/>
+        <p:txBody>
+          <a:bodyPr>
+            <a:normAutofit/>
+          </a:bodyPr>
+          <a:lstStyle/>
+          <a:p>
+            <a:pPr marL="0" indent="0"/>
+            <a:r>
+              <a:rPr lang="fr-FR" dirty="0" smtClean="0"/>
+              <a:t>Simplicité de commande (0 ou 5 volts);</a:t>
+            </a:r>
+          </a:p>
+          <a:p>
+            <a:pPr marL="0" indent="0"/>
+            <a:r>
+              <a:rPr lang="fr-FR" dirty="0" smtClean="0"/>
+              <a:t>Faible consommation énergétique (24V 150 ohms);</a:t>
+            </a:r>
+          </a:p>
+          <a:p>
+            <a:pPr marL="0" indent="0"/>
+            <a:r>
+              <a:rPr lang="fr-FR" dirty="0" smtClean="0"/>
+              <a:t>Meilleure </a:t>
+            </a:r>
+            <a:r>
+              <a:rPr lang="fr-FR" dirty="0" smtClean="0"/>
+              <a:t>précision possible lors du changement de direction;</a:t>
+            </a:r>
+          </a:p>
+          <a:p>
+            <a:pPr marL="0" indent="0"/>
+            <a:r>
+              <a:rPr lang="fr-FR" dirty="0" smtClean="0"/>
+              <a:t>Actionneur magnétique;</a:t>
+            </a:r>
+          </a:p>
+          <a:p>
+            <a:pPr marL="0" indent="0">
+              <a:buNone/>
+            </a:pPr>
+            <a:endParaRPr lang="fr-FR" dirty="0"/>
+          </a:p>
+        </p:txBody>
+      </p:sp>
+    </p:spTree>
+    <p:extLst>
+      <p:ext uri="{BB962C8B-B14F-4D97-AF65-F5344CB8AC3E}">
+        <p14:creationId xmlns:p14="http://schemas.microsoft.com/office/powerpoint/2010/main" val="1687826767"/>
+      </p:ext>
+    </p:extLst>
+  </p:cSld>
+  <p:clrMapOvr>
+    <a:masterClrMapping/>
+  </p:clrMapOvr>
+  <mc:AlternateContent xmlns:mc="http://schemas.openxmlformats.org/markup-compatibility/2006" xmlns:p14="http://schemas.microsoft.com/office/powerpoint/2010/main">
+    <mc:Choice Requires="p14">
+      <p:transition p14:dur="0"/>
+    </mc:Choice>
+    <mc:Fallback xmlns="">
+      <p:transition/>
+    </mc:Fallback>
+  </mc:AlternateContent>
+  <p:timing>
+    <p:tnLst>
+      <p:par>
+        <p:cTn id="1" dur="indefinite" restart="never" nodeType="tmRoot"/>
+      </p:par>
+    </p:tnLst>
+  </p:timing>
+</p:sld>
+</file>
+
+<file path=ppt/slides/slide8.xml><?xml version="1.0" encoding="utf-8"?>
+<p:sld xmlns:a="http://schemas.openxmlformats.org/drawingml/2006/main" xmlns:r="http://schemas.openxmlformats.org/officeDocument/2006/relationships" xmlns:p="http://schemas.openxmlformats.org/presentationml/2006/main">
+  <p:cSld>
+    <p:spTree>
+      <p:nvGrpSpPr>
+        <p:cNvPr id="1" name=""/>
+        <p:cNvGrpSpPr/>
+        <p:nvPr/>
+      </p:nvGrpSpPr>
+      <p:grpSpPr>
+        <a:xfrm>
+          <a:off x="0" y="0"/>
+          <a:ext cx="0" cy="0"/>
+          <a:chOff x="0" y="0"/>
+          <a:chExt cx="0" cy="0"/>
+        </a:xfrm>
+      </p:grpSpPr>
+      <p:sp>
+        <p:nvSpPr>
+          <p:cNvPr id="2" name="Titre 1"/>
+          <p:cNvSpPr>
+            <a:spLocks noGrp="1"/>
+          </p:cNvSpPr>
+          <p:nvPr>
+            <p:ph type="title"/>
+            <p:custDataLst>
+              <p:tags r:id="rId1"/>
+            </p:custDataLst>
+          </p:nvPr>
+        </p:nvSpPr>
+        <p:spPr/>
+        <p:txBody>
+          <a:bodyPr>
+            <a:normAutofit/>
+          </a:bodyPr>
+          <a:lstStyle/>
+          <a:p>
+            <a:r>
+              <a:rPr lang="fr-FR" sz="2800" dirty="0" smtClean="0"/>
+              <a:t>Circuit d’alimentation et de protection</a:t>
+            </a:r>
+            <a:endParaRPr lang="fr-FR" sz="2800" dirty="0"/>
+          </a:p>
+        </p:txBody>
+      </p:sp>
+      <p:sp>
+        <p:nvSpPr>
+          <p:cNvPr id="3" name="Espace réservé du contenu 2"/>
+          <p:cNvSpPr>
+            <a:spLocks noGrp="1"/>
+          </p:cNvSpPr>
+          <p:nvPr>
+            <p:ph idx="1"/>
+            <p:custDataLst>
+              <p:tags r:id="rId2"/>
+            </p:custDataLst>
+          </p:nvPr>
+        </p:nvSpPr>
+        <p:spPr/>
+        <p:txBody>
+          <a:bodyPr>
+            <a:normAutofit/>
+          </a:bodyPr>
+          <a:lstStyle/>
+          <a:p>
+            <a:pPr marL="0" indent="0"/>
+            <a:r>
+              <a:rPr lang="fr-FR" dirty="0" smtClean="0"/>
+              <a:t>Batterie Li-Po 11.1V  de 5.0Ah;</a:t>
+            </a:r>
+          </a:p>
+          <a:p>
+            <a:pPr marL="0" indent="0"/>
+            <a:r>
+              <a:rPr lang="fr-FR" dirty="0" smtClean="0"/>
+              <a:t> 3 interrupteurs avec témoins lumineux;</a:t>
+            </a:r>
+          </a:p>
+          <a:p>
+            <a:pPr marL="0" indent="0"/>
+            <a:r>
+              <a:rPr lang="fr-FR" dirty="0" smtClean="0"/>
+              <a:t> 3 </a:t>
+            </a:r>
+            <a:r>
+              <a:rPr lang="fr-FR" dirty="0" smtClean="0"/>
+              <a:t>fusibles </a:t>
+            </a:r>
+            <a:r>
+              <a:rPr lang="fr-FR" dirty="0" smtClean="0"/>
+              <a:t>de protection devant les transformateurs de tension</a:t>
+            </a:r>
+            <a:r>
+              <a:rPr lang="fr-FR" dirty="0"/>
+              <a:t>;</a:t>
+            </a:r>
+            <a:endParaRPr lang="fr-FR" dirty="0" smtClean="0"/>
+          </a:p>
+          <a:p>
+            <a:pPr marL="0" indent="0">
+              <a:buNone/>
+            </a:pPr>
+            <a:endParaRPr lang="fr-FR" dirty="0"/>
+          </a:p>
+        </p:txBody>
+      </p:sp>
+    </p:spTree>
+    <p:extLst>
+      <p:ext uri="{BB962C8B-B14F-4D97-AF65-F5344CB8AC3E}">
+        <p14:creationId xmlns:p14="http://schemas.microsoft.com/office/powerpoint/2010/main" val="2576077268"/>
+      </p:ext>
+    </p:extLst>
+  </p:cSld>
+  <p:clrMapOvr>
+    <a:masterClrMapping/>
+  </p:clrMapOvr>
+  <mc:AlternateContent xmlns:mc="http://schemas.openxmlformats.org/markup-compatibility/2006" xmlns:p14="http://schemas.microsoft.com/office/powerpoint/2010/main">
+    <mc:Choice Requires="p14">
+      <p:transition p14:dur="0"/>
+    </mc:Choice>
+    <mc:Fallback xmlns="">
+      <p:transition/>
+    </mc:Fallback>
+  </mc:AlternateContent>
+  <p:timing>
+    <p:tnLst>
+      <p:par>
+        <p:cTn id="1" dur="indefinite" restart="never" nodeType="tmRoot"/>
+      </p:par>
+    </p:tnLst>
+  </p:timing>
+</p:sld>
+</file>
+
+<file path=ppt/slides/slide9.xml><?xml version="1.0" encoding="utf-8"?>
+<p:sld xmlns:a="http://schemas.openxmlformats.org/drawingml/2006/main" xmlns:r="http://schemas.openxmlformats.org/officeDocument/2006/relationships" xmlns:p="http://schemas.openxmlformats.org/presentationml/2006/main">
+  <p:cSld>
+    <p:spTree>
+      <p:nvGrpSpPr>
+        <p:cNvPr id="1" name=""/>
+        <p:cNvGrpSpPr/>
+        <p:nvPr/>
+      </p:nvGrpSpPr>
+      <p:grpSpPr>
+        <a:xfrm>
+          <a:off x="0" y="0"/>
+          <a:ext cx="0" cy="0"/>
+          <a:chOff x="0" y="0"/>
+          <a:chExt cx="0" cy="0"/>
+        </a:xfrm>
+      </p:grpSpPr>
+      <p:sp>
+        <p:nvSpPr>
+          <p:cNvPr id="2" name="Titre 1"/>
+          <p:cNvSpPr>
+            <a:spLocks noGrp="1"/>
+          </p:cNvSpPr>
+          <p:nvPr>
+            <p:ph type="title"/>
+            <p:custDataLst>
+              <p:tags r:id="rId1"/>
+            </p:custDataLst>
+          </p:nvPr>
+        </p:nvSpPr>
+        <p:spPr/>
+        <p:txBody>
+          <a:bodyPr/>
+          <a:lstStyle/>
+          <a:p>
+            <a:r>
+              <a:rPr lang="fr-FR" dirty="0" smtClean="0"/>
+              <a:t>Asservissement</a:t>
+            </a:r>
+            <a:endParaRPr lang="fr-FR" dirty="0"/>
+          </a:p>
+        </p:txBody>
+      </p:sp>
+      <p:sp>
+        <p:nvSpPr>
+          <p:cNvPr id="4" name="Espace réservé du contenu 2"/>
+          <p:cNvSpPr>
+            <a:spLocks noGrp="1"/>
+          </p:cNvSpPr>
+          <p:nvPr>
+            <p:ph idx="1"/>
+            <p:custDataLst>
+              <p:tags r:id="rId2"/>
+            </p:custDataLst>
+          </p:nvPr>
+        </p:nvSpPr>
+        <p:spPr>
+          <a:xfrm>
+            <a:off x="1114424" y="2595562"/>
+            <a:ext cx="7610476" cy="3670767"/>
+          </a:xfrm>
+        </p:spPr>
+        <p:txBody>
+          <a:bodyPr/>
+          <a:lstStyle/>
+          <a:p>
+            <a:r>
+              <a:rPr lang="fr-FR" dirty="0" smtClean="0"/>
+              <a:t>Commandes des moteurs</a:t>
+            </a:r>
+          </a:p>
+          <a:p>
+            <a:r>
+              <a:rPr lang="fr-FR" dirty="0" smtClean="0"/>
+              <a:t>Asservissement des roues – </a:t>
+            </a:r>
+            <a:r>
+              <a:rPr lang="fr-FR" dirty="0" smtClean="0"/>
+              <a:t>côté </a:t>
+            </a:r>
+            <a:r>
+              <a:rPr lang="fr-FR" dirty="0" smtClean="0"/>
+              <a:t>électronique</a:t>
+            </a:r>
+          </a:p>
+          <a:p>
+            <a:r>
+              <a:rPr lang="fr-FR" dirty="0" smtClean="0"/>
+              <a:t>Asservissement des roues – </a:t>
+            </a:r>
+            <a:r>
+              <a:rPr lang="fr-FR" dirty="0" smtClean="0"/>
+              <a:t>côté </a:t>
+            </a:r>
+            <a:r>
+              <a:rPr lang="fr-FR" dirty="0" smtClean="0"/>
+              <a:t>modélisation</a:t>
+            </a:r>
+          </a:p>
+          <a:p>
+            <a:r>
+              <a:rPr lang="fr-FR" dirty="0" smtClean="0"/>
+              <a:t>Asservissement des roues – </a:t>
+            </a:r>
+            <a:r>
+              <a:rPr lang="fr-FR" dirty="0" smtClean="0"/>
+              <a:t>Tests pratiques</a:t>
+            </a:r>
+            <a:endParaRPr lang="fr-FR" dirty="0" smtClean="0"/>
           </a:p>
         </p:txBody>
       </p:sp>
@@ -6296,370 +13684,509 @@
   <p:timing>
     <p:tnLst>
       <p:par>
-        <p:cTn xmlns:p14="http://schemas.microsoft.com/office/powerpoint/2010/main" id="1" dur="indefinite" restart="never" nodeType="tmRoot"/>
+        <p:cTn id="1" dur="indefinite" restart="never" nodeType="tmRoot"/>
       </p:par>
     </p:tnLst>
   </p:timing>
 </p:sld>
 </file>
 
-<file path=ppt/slides/slide6.xml><?xml version="1.0" encoding="utf-8"?>
-<p:sld xmlns:a="http://schemas.openxmlformats.org/drawingml/2006/main" xmlns:r="http://schemas.openxmlformats.org/officeDocument/2006/relationships" xmlns:p="http://schemas.openxmlformats.org/presentationml/2006/main">
-  <p:cSld>
-    <p:spTree>
-      <p:nvGrpSpPr>
-        <p:cNvPr id="1" name=""/>
-        <p:cNvGrpSpPr/>
-        <p:nvPr/>
-      </p:nvGrpSpPr>
-      <p:grpSpPr>
-        <a:xfrm>
-          <a:off x="0" y="0"/>
-          <a:ext cx="0" cy="0"/>
-          <a:chOff x="0" y="0"/>
-          <a:chExt cx="0" cy="0"/>
-        </a:xfrm>
-      </p:grpSpPr>
-      <p:sp>
-        <p:nvSpPr>
-          <p:cNvPr id="2" name="Titre 1"/>
-          <p:cNvSpPr>
-            <a:spLocks noGrp="1"/>
-          </p:cNvSpPr>
-          <p:nvPr>
-            <p:ph type="title"/>
-          </p:nvPr>
-        </p:nvSpPr>
-        <p:spPr/>
-        <p:txBody>
-          <a:bodyPr/>
-          <a:lstStyle/>
-          <a:p>
-            <a:r>
-              <a:rPr lang="fr-FR" dirty="0" smtClean="0"/>
-              <a:t>Traitement numérique</a:t>
-            </a:r>
-            <a:endParaRPr lang="fr-FR" dirty="0"/>
-          </a:p>
-        </p:txBody>
-      </p:sp>
-      <p:sp>
-        <p:nvSpPr>
-          <p:cNvPr id="3" name="Espace réservé du contenu 2"/>
-          <p:cNvSpPr>
-            <a:spLocks noGrp="1"/>
-          </p:cNvSpPr>
-          <p:nvPr>
-            <p:ph idx="1"/>
-          </p:nvPr>
-        </p:nvSpPr>
-        <p:spPr/>
-        <p:txBody>
-          <a:bodyPr>
-            <a:normAutofit/>
-          </a:bodyPr>
-          <a:lstStyle/>
-          <a:p>
-            <a:pPr marL="0" indent="0">
-              <a:buNone/>
-            </a:pPr>
-            <a:endParaRPr lang="fr-FR" dirty="0"/>
-          </a:p>
-        </p:txBody>
-      </p:sp>
-    </p:spTree>
-    <p:extLst>
-      <p:ext uri="{BB962C8B-B14F-4D97-AF65-F5344CB8AC3E}">
-        <p14:creationId xmlns:p14="http://schemas.microsoft.com/office/powerpoint/2010/main" val="1143801389"/>
-      </p:ext>
-    </p:extLst>
-  </p:cSld>
-  <p:clrMapOvr>
-    <a:masterClrMapping/>
-  </p:clrMapOvr>
-  <mc:AlternateContent xmlns:mc="http://schemas.openxmlformats.org/markup-compatibility/2006" xmlns:p14="http://schemas.microsoft.com/office/powerpoint/2010/main">
-    <mc:Choice Requires="p14">
-      <p:transition p14:dur="0"/>
-    </mc:Choice>
-    <mc:Fallback xmlns="">
-      <p:transition spd="slow">
-        <p:fade/>
-      </p:transition>
-    </mc:Fallback>
-  </mc:AlternateContent>
-  <p:timing>
-    <p:tnLst>
-      <p:par>
-        <p:cTn xmlns:p14="http://schemas.microsoft.com/office/powerpoint/2010/main" id="1" dur="indefinite" restart="never" nodeType="tmRoot"/>
-      </p:par>
-    </p:tnLst>
-  </p:timing>
-</p:sld>
-</file>
-
-<file path=ppt/slides/slide7.xml><?xml version="1.0" encoding="utf-8"?>
-<p:sld xmlns:a="http://schemas.openxmlformats.org/drawingml/2006/main" xmlns:r="http://schemas.openxmlformats.org/officeDocument/2006/relationships" xmlns:p="http://schemas.openxmlformats.org/presentationml/2006/main">
-  <p:cSld>
-    <p:spTree>
-      <p:nvGrpSpPr>
-        <p:cNvPr id="1" name=""/>
-        <p:cNvGrpSpPr/>
-        <p:nvPr/>
-      </p:nvGrpSpPr>
-      <p:grpSpPr>
-        <a:xfrm>
-          <a:off x="0" y="0"/>
-          <a:ext cx="0" cy="0"/>
-          <a:chOff x="0" y="0"/>
-          <a:chExt cx="0" cy="0"/>
-        </a:xfrm>
-      </p:grpSpPr>
-      <p:sp>
-        <p:nvSpPr>
-          <p:cNvPr id="2" name="Titre 1"/>
-          <p:cNvSpPr>
-            <a:spLocks noGrp="1"/>
-          </p:cNvSpPr>
-          <p:nvPr>
-            <p:ph type="title"/>
-          </p:nvPr>
-        </p:nvSpPr>
-        <p:spPr/>
-        <p:txBody>
-          <a:bodyPr/>
-          <a:lstStyle/>
-          <a:p>
-            <a:r>
-              <a:rPr lang="fr-FR" dirty="0" smtClean="0"/>
-              <a:t>Communication</a:t>
-            </a:r>
-            <a:endParaRPr lang="fr-FR" dirty="0"/>
-          </a:p>
-        </p:txBody>
-      </p:sp>
-      <p:sp>
-        <p:nvSpPr>
-          <p:cNvPr id="3" name="Espace réservé du contenu 2"/>
-          <p:cNvSpPr>
-            <a:spLocks noGrp="1"/>
-          </p:cNvSpPr>
-          <p:nvPr>
-            <p:ph idx="1"/>
-          </p:nvPr>
-        </p:nvSpPr>
-        <p:spPr/>
-        <p:txBody>
-          <a:bodyPr>
-            <a:normAutofit/>
-          </a:bodyPr>
-          <a:lstStyle/>
-          <a:p>
-            <a:pPr marL="0" indent="0">
-              <a:buNone/>
-            </a:pPr>
-            <a:endParaRPr lang="fr-FR" dirty="0"/>
-          </a:p>
-        </p:txBody>
-      </p:sp>
-    </p:spTree>
-    <p:extLst>
-      <p:ext uri="{BB962C8B-B14F-4D97-AF65-F5344CB8AC3E}">
-        <p14:creationId xmlns:p14="http://schemas.microsoft.com/office/powerpoint/2010/main" val="1143801389"/>
-      </p:ext>
-    </p:extLst>
-  </p:cSld>
-  <p:clrMapOvr>
-    <a:masterClrMapping/>
-  </p:clrMapOvr>
-  <mc:AlternateContent xmlns:mc="http://schemas.openxmlformats.org/markup-compatibility/2006" xmlns:p14="http://schemas.microsoft.com/office/powerpoint/2010/main">
-    <mc:Choice Requires="p14">
-      <p:transition p14:dur="0"/>
-    </mc:Choice>
-    <mc:Fallback xmlns="">
-      <p:transition spd="slow">
-        <p:fade/>
-      </p:transition>
-    </mc:Fallback>
-  </mc:AlternateContent>
-  <p:timing>
-    <p:tnLst>
-      <p:par>
-        <p:cTn xmlns:p14="http://schemas.microsoft.com/office/powerpoint/2010/main" id="1" dur="indefinite" restart="never" nodeType="tmRoot"/>
-      </p:par>
-    </p:tnLst>
-  </p:timing>
-</p:sld>
-</file>
-
-<file path=ppt/slides/slide8.xml><?xml version="1.0" encoding="utf-8"?>
-<p:sld xmlns:a="http://schemas.openxmlformats.org/drawingml/2006/main" xmlns:r="http://schemas.openxmlformats.org/officeDocument/2006/relationships" xmlns:p="http://schemas.openxmlformats.org/presentationml/2006/main">
-  <p:cSld>
-    <p:spTree>
-      <p:nvGrpSpPr>
-        <p:cNvPr id="1" name=""/>
-        <p:cNvGrpSpPr/>
-        <p:nvPr/>
-      </p:nvGrpSpPr>
-      <p:grpSpPr>
-        <a:xfrm>
-          <a:off x="0" y="0"/>
-          <a:ext cx="0" cy="0"/>
-          <a:chOff x="0" y="0"/>
-          <a:chExt cx="0" cy="0"/>
-        </a:xfrm>
-      </p:grpSpPr>
-      <p:sp>
-        <p:nvSpPr>
-          <p:cNvPr id="2" name="Titre 1"/>
-          <p:cNvSpPr>
-            <a:spLocks noGrp="1"/>
-          </p:cNvSpPr>
-          <p:nvPr>
-            <p:ph type="title"/>
-          </p:nvPr>
-        </p:nvSpPr>
-        <p:spPr/>
-        <p:txBody>
-          <a:bodyPr/>
-          <a:lstStyle/>
-          <a:p>
-            <a:r>
-              <a:rPr lang="fr-FR" dirty="0" smtClean="0"/>
-              <a:t>Conclusion</a:t>
-            </a:r>
-            <a:endParaRPr lang="fr-FR" dirty="0"/>
-          </a:p>
-        </p:txBody>
-      </p:sp>
-      <p:sp>
-        <p:nvSpPr>
-          <p:cNvPr id="3" name="Espace réservé du contenu 2"/>
-          <p:cNvSpPr>
-            <a:spLocks noGrp="1"/>
-          </p:cNvSpPr>
-          <p:nvPr>
-            <p:ph idx="1"/>
-          </p:nvPr>
-        </p:nvSpPr>
-        <p:spPr/>
-        <p:txBody>
-          <a:bodyPr>
-            <a:normAutofit/>
-          </a:bodyPr>
-          <a:lstStyle/>
-          <a:p>
-            <a:pPr marL="0" indent="0">
-              <a:buNone/>
-            </a:pPr>
-            <a:endParaRPr lang="fr-FR" dirty="0"/>
-          </a:p>
-        </p:txBody>
-      </p:sp>
-    </p:spTree>
-    <p:extLst>
-      <p:ext uri="{BB962C8B-B14F-4D97-AF65-F5344CB8AC3E}">
-        <p14:creationId xmlns:p14="http://schemas.microsoft.com/office/powerpoint/2010/main" val="3873861001"/>
-      </p:ext>
-    </p:extLst>
-  </p:cSld>
-  <p:clrMapOvr>
-    <a:masterClrMapping/>
-  </p:clrMapOvr>
-  <mc:AlternateContent xmlns:mc="http://schemas.openxmlformats.org/markup-compatibility/2006" xmlns:p14="http://schemas.microsoft.com/office/powerpoint/2010/main">
-    <mc:Choice Requires="p14">
-      <p:transition p14:dur="0"/>
-    </mc:Choice>
-    <mc:Fallback xmlns="">
-      <p:transition spd="slow">
-        <p:fade/>
-      </p:transition>
-    </mc:Fallback>
-  </mc:AlternateContent>
-  <p:timing>
-    <p:tnLst>
-      <p:par>
-        <p:cTn xmlns:p14="http://schemas.microsoft.com/office/powerpoint/2010/main" id="1" dur="indefinite" restart="never" nodeType="tmRoot"/>
-      </p:par>
-    </p:tnLst>
-  </p:timing>
-</p:sld>
-</file>
-
-<file path=ppt/slides/slide9.xml><?xml version="1.0" encoding="utf-8"?>
-<p:sld xmlns:a="http://schemas.openxmlformats.org/drawingml/2006/main" xmlns:r="http://schemas.openxmlformats.org/officeDocument/2006/relationships" xmlns:p="http://schemas.openxmlformats.org/presentationml/2006/main">
-  <p:cSld>
-    <p:spTree>
-      <p:nvGrpSpPr>
-        <p:cNvPr id="1" name=""/>
-        <p:cNvGrpSpPr/>
-        <p:nvPr/>
-      </p:nvGrpSpPr>
-      <p:grpSpPr>
-        <a:xfrm>
-          <a:off x="0" y="0"/>
-          <a:ext cx="0" cy="0"/>
-          <a:chOff x="0" y="0"/>
-          <a:chExt cx="0" cy="0"/>
-        </a:xfrm>
-      </p:grpSpPr>
-      <p:sp>
-        <p:nvSpPr>
-          <p:cNvPr id="2" name="Title 1"/>
-          <p:cNvSpPr>
-            <a:spLocks noGrp="1"/>
-          </p:cNvSpPr>
-          <p:nvPr>
-            <p:ph type="ctrTitle"/>
-          </p:nvPr>
-        </p:nvSpPr>
-        <p:spPr>
-          <a:xfrm>
-            <a:off x="0" y="2596231"/>
-            <a:ext cx="9144000" cy="877824"/>
-          </a:xfrm>
-        </p:spPr>
-        <p:txBody>
-          <a:bodyPr/>
-          <a:lstStyle/>
-          <a:p>
-            <a:r>
-              <a:rPr lang="en-US" dirty="0" err="1" smtClean="0"/>
-              <a:t>Période</a:t>
-            </a:r>
-            <a:r>
-              <a:rPr lang="en-US" dirty="0" smtClean="0"/>
-              <a:t> de questions</a:t>
-            </a:r>
-            <a:endParaRPr lang="en-US" dirty="0"/>
-          </a:p>
-        </p:txBody>
-      </p:sp>
-    </p:spTree>
-    <p:extLst>
-      <p:ext uri="{BB962C8B-B14F-4D97-AF65-F5344CB8AC3E}">
-        <p14:creationId xmlns:p14="http://schemas.microsoft.com/office/powerpoint/2010/main" val="2971021721"/>
-      </p:ext>
-    </p:extLst>
-  </p:cSld>
-  <p:clrMapOvr>
-    <a:masterClrMapping/>
-  </p:clrMapOvr>
-  <mc:AlternateContent xmlns:mc="http://schemas.openxmlformats.org/markup-compatibility/2006" xmlns:p14="http://schemas.microsoft.com/office/powerpoint/2010/main">
-    <mc:Choice Requires="p14">
-      <p:transition p14:dur="0"/>
-    </mc:Choice>
-    <mc:Fallback xmlns="">
-      <p:transition/>
-    </mc:Fallback>
-  </mc:AlternateContent>
-  <p:timing>
-    <p:tnLst>
-      <p:par>
-        <p:cTn xmlns:p14="http://schemas.microsoft.com/office/powerpoint/2010/main" id="1" dur="indefinite" restart="never" nodeType="tmRoot"/>
-      </p:par>
-    </p:tnLst>
-  </p:timing>
-</p:sld>
+<file path=ppt/tags/tag1.xml><?xml version="1.0" encoding="utf-8"?>
+<p:tagLst xmlns:a="http://schemas.openxmlformats.org/drawingml/2006/main" xmlns:r="http://schemas.openxmlformats.org/officeDocument/2006/relationships" xmlns:p="http://schemas.openxmlformats.org/presentationml/2006/main">
+  <p:tag name="NUM" val="1"/>
+</p:tagLst>
+</file>
+
+<file path=ppt/tags/tag10.xml><?xml version="1.0" encoding="utf-8"?>
+<p:tagLst xmlns:a="http://schemas.openxmlformats.org/drawingml/2006/main" xmlns:r="http://schemas.openxmlformats.org/officeDocument/2006/relationships" xmlns:p="http://schemas.openxmlformats.org/presentationml/2006/main">
+  <p:tag name="NUM" val="4"/>
+</p:tagLst>
+</file>
+
+<file path=ppt/tags/tag11.xml><?xml version="1.0" encoding="utf-8"?>
+<p:tagLst xmlns:a="http://schemas.openxmlformats.org/drawingml/2006/main" xmlns:r="http://schemas.openxmlformats.org/officeDocument/2006/relationships" xmlns:p="http://schemas.openxmlformats.org/presentationml/2006/main">
+  <p:tag name="NUM" val="1"/>
+</p:tagLst>
+</file>
+
+<file path=ppt/tags/tag12.xml><?xml version="1.0" encoding="utf-8"?>
+<p:tagLst xmlns:a="http://schemas.openxmlformats.org/drawingml/2006/main" xmlns:r="http://schemas.openxmlformats.org/officeDocument/2006/relationships" xmlns:p="http://schemas.openxmlformats.org/presentationml/2006/main">
+  <p:tag name="NUM" val="2"/>
+</p:tagLst>
+</file>
+
+<file path=ppt/tags/tag13.xml><?xml version="1.0" encoding="utf-8"?>
+<p:tagLst xmlns:a="http://schemas.openxmlformats.org/drawingml/2006/main" xmlns:r="http://schemas.openxmlformats.org/officeDocument/2006/relationships" xmlns:p="http://schemas.openxmlformats.org/presentationml/2006/main">
+  <p:tag name="NUM" val="3"/>
+</p:tagLst>
+</file>
+
+<file path=ppt/tags/tag14.xml><?xml version="1.0" encoding="utf-8"?>
+<p:tagLst xmlns:a="http://schemas.openxmlformats.org/drawingml/2006/main" xmlns:r="http://schemas.openxmlformats.org/officeDocument/2006/relationships" xmlns:p="http://schemas.openxmlformats.org/presentationml/2006/main">
+  <p:tag name="NUM" val="1"/>
+</p:tagLst>
+</file>
+
+<file path=ppt/tags/tag15.xml><?xml version="1.0" encoding="utf-8"?>
+<p:tagLst xmlns:a="http://schemas.openxmlformats.org/drawingml/2006/main" xmlns:r="http://schemas.openxmlformats.org/officeDocument/2006/relationships" xmlns:p="http://schemas.openxmlformats.org/presentationml/2006/main">
+  <p:tag name="NUM" val="2"/>
+</p:tagLst>
+</file>
+
+<file path=ppt/tags/tag16.xml><?xml version="1.0" encoding="utf-8"?>
+<p:tagLst xmlns:a="http://schemas.openxmlformats.org/drawingml/2006/main" xmlns:r="http://schemas.openxmlformats.org/officeDocument/2006/relationships" xmlns:p="http://schemas.openxmlformats.org/presentationml/2006/main">
+  <p:tag name="NUM" val="1"/>
+</p:tagLst>
+</file>
+
+<file path=ppt/tags/tag17.xml><?xml version="1.0" encoding="utf-8"?>
+<p:tagLst xmlns:a="http://schemas.openxmlformats.org/drawingml/2006/main" xmlns:r="http://schemas.openxmlformats.org/officeDocument/2006/relationships" xmlns:p="http://schemas.openxmlformats.org/presentationml/2006/main">
+  <p:tag name="NUM" val="2"/>
+</p:tagLst>
+</file>
+
+<file path=ppt/tags/tag18.xml><?xml version="1.0" encoding="utf-8"?>
+<p:tagLst xmlns:a="http://schemas.openxmlformats.org/drawingml/2006/main" xmlns:r="http://schemas.openxmlformats.org/officeDocument/2006/relationships" xmlns:p="http://schemas.openxmlformats.org/presentationml/2006/main">
+  <p:tag name="NUM" val="1"/>
+</p:tagLst>
+</file>
+
+<file path=ppt/tags/tag19.xml><?xml version="1.0" encoding="utf-8"?>
+<p:tagLst xmlns:a="http://schemas.openxmlformats.org/drawingml/2006/main" xmlns:r="http://schemas.openxmlformats.org/officeDocument/2006/relationships" xmlns:p="http://schemas.openxmlformats.org/presentationml/2006/main">
+  <p:tag name="NUM" val="2"/>
+</p:tagLst>
+</file>
+
+<file path=ppt/tags/tag2.xml><?xml version="1.0" encoding="utf-8"?>
+<p:tagLst xmlns:a="http://schemas.openxmlformats.org/drawingml/2006/main" xmlns:r="http://schemas.openxmlformats.org/officeDocument/2006/relationships" xmlns:p="http://schemas.openxmlformats.org/presentationml/2006/main">
+  <p:tag name="NUM" val="2"/>
+</p:tagLst>
+</file>
+
+<file path=ppt/tags/tag20.xml><?xml version="1.0" encoding="utf-8"?>
+<p:tagLst xmlns:a="http://schemas.openxmlformats.org/drawingml/2006/main" xmlns:r="http://schemas.openxmlformats.org/officeDocument/2006/relationships" xmlns:p="http://schemas.openxmlformats.org/presentationml/2006/main">
+  <p:tag name="NUM" val="1"/>
+</p:tagLst>
+</file>
+
+<file path=ppt/tags/tag21.xml><?xml version="1.0" encoding="utf-8"?>
+<p:tagLst xmlns:a="http://schemas.openxmlformats.org/drawingml/2006/main" xmlns:r="http://schemas.openxmlformats.org/officeDocument/2006/relationships" xmlns:p="http://schemas.openxmlformats.org/presentationml/2006/main">
+  <p:tag name="NUM" val="2"/>
+</p:tagLst>
+</file>
+
+<file path=ppt/tags/tag22.xml><?xml version="1.0" encoding="utf-8"?>
+<p:tagLst xmlns:a="http://schemas.openxmlformats.org/drawingml/2006/main" xmlns:r="http://schemas.openxmlformats.org/officeDocument/2006/relationships" xmlns:p="http://schemas.openxmlformats.org/presentationml/2006/main">
+  <p:tag name="NUM" val="1"/>
+</p:tagLst>
+</file>
+
+<file path=ppt/tags/tag23.xml><?xml version="1.0" encoding="utf-8"?>
+<p:tagLst xmlns:a="http://schemas.openxmlformats.org/drawingml/2006/main" xmlns:r="http://schemas.openxmlformats.org/officeDocument/2006/relationships" xmlns:p="http://schemas.openxmlformats.org/presentationml/2006/main">
+  <p:tag name="NUM" val="2"/>
+</p:tagLst>
+</file>
+
+<file path=ppt/tags/tag24.xml><?xml version="1.0" encoding="utf-8"?>
+<p:tagLst xmlns:a="http://schemas.openxmlformats.org/drawingml/2006/main" xmlns:r="http://schemas.openxmlformats.org/officeDocument/2006/relationships" xmlns:p="http://schemas.openxmlformats.org/presentationml/2006/main">
+  <p:tag name="NUM" val="1"/>
+</p:tagLst>
+</file>
+
+<file path=ppt/tags/tag25.xml><?xml version="1.0" encoding="utf-8"?>
+<p:tagLst xmlns:a="http://schemas.openxmlformats.org/drawingml/2006/main" xmlns:r="http://schemas.openxmlformats.org/officeDocument/2006/relationships" xmlns:p="http://schemas.openxmlformats.org/presentationml/2006/main">
+  <p:tag name="NUM" val="2"/>
+</p:tagLst>
+</file>
+
+<file path=ppt/tags/tag26.xml><?xml version="1.0" encoding="utf-8"?>
+<p:tagLst xmlns:a="http://schemas.openxmlformats.org/drawingml/2006/main" xmlns:r="http://schemas.openxmlformats.org/officeDocument/2006/relationships" xmlns:p="http://schemas.openxmlformats.org/presentationml/2006/main">
+  <p:tag name="NUM" val="3"/>
+</p:tagLst>
+</file>
+
+<file path=ppt/tags/tag27.xml><?xml version="1.0" encoding="utf-8"?>
+<p:tagLst xmlns:a="http://schemas.openxmlformats.org/drawingml/2006/main" xmlns:r="http://schemas.openxmlformats.org/officeDocument/2006/relationships" xmlns:p="http://schemas.openxmlformats.org/presentationml/2006/main">
+  <p:tag name="NUM" val="1"/>
+</p:tagLst>
+</file>
+
+<file path=ppt/tags/tag28.xml><?xml version="1.0" encoding="utf-8"?>
+<p:tagLst xmlns:a="http://schemas.openxmlformats.org/drawingml/2006/main" xmlns:r="http://schemas.openxmlformats.org/officeDocument/2006/relationships" xmlns:p="http://schemas.openxmlformats.org/presentationml/2006/main">
+  <p:tag name="NUM" val="2"/>
+</p:tagLst>
+</file>
+
+<file path=ppt/tags/tag29.xml><?xml version="1.0" encoding="utf-8"?>
+<p:tagLst xmlns:a="http://schemas.openxmlformats.org/drawingml/2006/main" xmlns:r="http://schemas.openxmlformats.org/officeDocument/2006/relationships" xmlns:p="http://schemas.openxmlformats.org/presentationml/2006/main">
+  <p:tag name="NUM" val="3"/>
+</p:tagLst>
+</file>
+
+<file path=ppt/tags/tag3.xml><?xml version="1.0" encoding="utf-8"?>
+<p:tagLst xmlns:a="http://schemas.openxmlformats.org/drawingml/2006/main" xmlns:r="http://schemas.openxmlformats.org/officeDocument/2006/relationships" xmlns:p="http://schemas.openxmlformats.org/presentationml/2006/main">
+  <p:tag name="NUM" val="1"/>
+</p:tagLst>
+</file>
+
+<file path=ppt/tags/tag30.xml><?xml version="1.0" encoding="utf-8"?>
+<p:tagLst xmlns:a="http://schemas.openxmlformats.org/drawingml/2006/main" xmlns:r="http://schemas.openxmlformats.org/officeDocument/2006/relationships" xmlns:p="http://schemas.openxmlformats.org/presentationml/2006/main">
+  <p:tag name="NUM" val="1"/>
+</p:tagLst>
+</file>
+
+<file path=ppt/tags/tag31.xml><?xml version="1.0" encoding="utf-8"?>
+<p:tagLst xmlns:a="http://schemas.openxmlformats.org/drawingml/2006/main" xmlns:r="http://schemas.openxmlformats.org/officeDocument/2006/relationships" xmlns:p="http://schemas.openxmlformats.org/presentationml/2006/main">
+  <p:tag name="NUM" val="2"/>
+</p:tagLst>
+</file>
+
+<file path=ppt/tags/tag32.xml><?xml version="1.0" encoding="utf-8"?>
+<p:tagLst xmlns:a="http://schemas.openxmlformats.org/drawingml/2006/main" xmlns:r="http://schemas.openxmlformats.org/officeDocument/2006/relationships" xmlns:p="http://schemas.openxmlformats.org/presentationml/2006/main">
+  <p:tag name="NUM" val="3"/>
+</p:tagLst>
+</file>
+
+<file path=ppt/tags/tag33.xml><?xml version="1.0" encoding="utf-8"?>
+<p:tagLst xmlns:a="http://schemas.openxmlformats.org/drawingml/2006/main" xmlns:r="http://schemas.openxmlformats.org/officeDocument/2006/relationships" xmlns:p="http://schemas.openxmlformats.org/presentationml/2006/main">
+  <p:tag name="NUM" val="4"/>
+</p:tagLst>
+</file>
+
+<file path=ppt/tags/tag34.xml><?xml version="1.0" encoding="utf-8"?>
+<p:tagLst xmlns:a="http://schemas.openxmlformats.org/drawingml/2006/main" xmlns:r="http://schemas.openxmlformats.org/officeDocument/2006/relationships" xmlns:p="http://schemas.openxmlformats.org/presentationml/2006/main">
+  <p:tag name="NUM" val="5"/>
+</p:tagLst>
+</file>
+
+<file path=ppt/tags/tag35.xml><?xml version="1.0" encoding="utf-8"?>
+<p:tagLst xmlns:a="http://schemas.openxmlformats.org/drawingml/2006/main" xmlns:r="http://schemas.openxmlformats.org/officeDocument/2006/relationships" xmlns:p="http://schemas.openxmlformats.org/presentationml/2006/main">
+  <p:tag name="NUM" val="1"/>
+</p:tagLst>
+</file>
+
+<file path=ppt/tags/tag36.xml><?xml version="1.0" encoding="utf-8"?>
+<p:tagLst xmlns:a="http://schemas.openxmlformats.org/drawingml/2006/main" xmlns:r="http://schemas.openxmlformats.org/officeDocument/2006/relationships" xmlns:p="http://schemas.openxmlformats.org/presentationml/2006/main">
+  <p:tag name="NUM" val="2"/>
+</p:tagLst>
+</file>
+
+<file path=ppt/tags/tag37.xml><?xml version="1.0" encoding="utf-8"?>
+<p:tagLst xmlns:a="http://schemas.openxmlformats.org/drawingml/2006/main" xmlns:r="http://schemas.openxmlformats.org/officeDocument/2006/relationships" xmlns:p="http://schemas.openxmlformats.org/presentationml/2006/main">
+  <p:tag name="NUM" val="1"/>
+</p:tagLst>
+</file>
+
+<file path=ppt/tags/tag38.xml><?xml version="1.0" encoding="utf-8"?>
+<p:tagLst xmlns:a="http://schemas.openxmlformats.org/drawingml/2006/main" xmlns:r="http://schemas.openxmlformats.org/officeDocument/2006/relationships" xmlns:p="http://schemas.openxmlformats.org/presentationml/2006/main">
+  <p:tag name="NUM" val="2"/>
+</p:tagLst>
+</file>
+
+<file path=ppt/tags/tag39.xml><?xml version="1.0" encoding="utf-8"?>
+<p:tagLst xmlns:a="http://schemas.openxmlformats.org/drawingml/2006/main" xmlns:r="http://schemas.openxmlformats.org/officeDocument/2006/relationships" xmlns:p="http://schemas.openxmlformats.org/presentationml/2006/main">
+  <p:tag name="NUM" val="3"/>
+</p:tagLst>
+</file>
+
+<file path=ppt/tags/tag4.xml><?xml version="1.0" encoding="utf-8"?>
+<p:tagLst xmlns:a="http://schemas.openxmlformats.org/drawingml/2006/main" xmlns:r="http://schemas.openxmlformats.org/officeDocument/2006/relationships" xmlns:p="http://schemas.openxmlformats.org/presentationml/2006/main">
+  <p:tag name="NUM" val="2"/>
+</p:tagLst>
+</file>
+
+<file path=ppt/tags/tag40.xml><?xml version="1.0" encoding="utf-8"?>
+<p:tagLst xmlns:a="http://schemas.openxmlformats.org/drawingml/2006/main" xmlns:r="http://schemas.openxmlformats.org/officeDocument/2006/relationships" xmlns:p="http://schemas.openxmlformats.org/presentationml/2006/main">
+  <p:tag name="NUM" val="1"/>
+</p:tagLst>
+</file>
+
+<file path=ppt/tags/tag41.xml><?xml version="1.0" encoding="utf-8"?>
+<p:tagLst xmlns:a="http://schemas.openxmlformats.org/drawingml/2006/main" xmlns:r="http://schemas.openxmlformats.org/officeDocument/2006/relationships" xmlns:p="http://schemas.openxmlformats.org/presentationml/2006/main">
+  <p:tag name="NUM" val="2"/>
+</p:tagLst>
+</file>
+
+<file path=ppt/tags/tag42.xml><?xml version="1.0" encoding="utf-8"?>
+<p:tagLst xmlns:a="http://schemas.openxmlformats.org/drawingml/2006/main" xmlns:r="http://schemas.openxmlformats.org/officeDocument/2006/relationships" xmlns:p="http://schemas.openxmlformats.org/presentationml/2006/main">
+  <p:tag name="NUM" val="3"/>
+</p:tagLst>
+</file>
+
+<file path=ppt/tags/tag43.xml><?xml version="1.0" encoding="utf-8"?>
+<p:tagLst xmlns:a="http://schemas.openxmlformats.org/drawingml/2006/main" xmlns:r="http://schemas.openxmlformats.org/officeDocument/2006/relationships" xmlns:p="http://schemas.openxmlformats.org/presentationml/2006/main">
+  <p:tag name="NUM" val="1"/>
+</p:tagLst>
+</file>
+
+<file path=ppt/tags/tag44.xml><?xml version="1.0" encoding="utf-8"?>
+<p:tagLst xmlns:a="http://schemas.openxmlformats.org/drawingml/2006/main" xmlns:r="http://schemas.openxmlformats.org/officeDocument/2006/relationships" xmlns:p="http://schemas.openxmlformats.org/presentationml/2006/main">
+  <p:tag name="NUM" val="2"/>
+</p:tagLst>
+</file>
+
+<file path=ppt/tags/tag45.xml><?xml version="1.0" encoding="utf-8"?>
+<p:tagLst xmlns:a="http://schemas.openxmlformats.org/drawingml/2006/main" xmlns:r="http://schemas.openxmlformats.org/officeDocument/2006/relationships" xmlns:p="http://schemas.openxmlformats.org/presentationml/2006/main">
+  <p:tag name="NUM" val="1"/>
+</p:tagLst>
+</file>
+
+<file path=ppt/tags/tag46.xml><?xml version="1.0" encoding="utf-8"?>
+<p:tagLst xmlns:a="http://schemas.openxmlformats.org/drawingml/2006/main" xmlns:r="http://schemas.openxmlformats.org/officeDocument/2006/relationships" xmlns:p="http://schemas.openxmlformats.org/presentationml/2006/main">
+  <p:tag name="NUM" val="2"/>
+</p:tagLst>
+</file>
+
+<file path=ppt/tags/tag47.xml><?xml version="1.0" encoding="utf-8"?>
+<p:tagLst xmlns:a="http://schemas.openxmlformats.org/drawingml/2006/main" xmlns:r="http://schemas.openxmlformats.org/officeDocument/2006/relationships" xmlns:p="http://schemas.openxmlformats.org/presentationml/2006/main">
+  <p:tag name="NUM" val="1"/>
+</p:tagLst>
+</file>
+
+<file path=ppt/tags/tag48.xml><?xml version="1.0" encoding="utf-8"?>
+<p:tagLst xmlns:a="http://schemas.openxmlformats.org/drawingml/2006/main" xmlns:r="http://schemas.openxmlformats.org/officeDocument/2006/relationships" xmlns:p="http://schemas.openxmlformats.org/presentationml/2006/main">
+  <p:tag name="NUM" val="2"/>
+</p:tagLst>
+</file>
+
+<file path=ppt/tags/tag49.xml><?xml version="1.0" encoding="utf-8"?>
+<p:tagLst xmlns:a="http://schemas.openxmlformats.org/drawingml/2006/main" xmlns:r="http://schemas.openxmlformats.org/officeDocument/2006/relationships" xmlns:p="http://schemas.openxmlformats.org/presentationml/2006/main">
+  <p:tag name="NUM" val="1"/>
+</p:tagLst>
+</file>
+
+<file path=ppt/tags/tag5.xml><?xml version="1.0" encoding="utf-8"?>
+<p:tagLst xmlns:a="http://schemas.openxmlformats.org/drawingml/2006/main" xmlns:r="http://schemas.openxmlformats.org/officeDocument/2006/relationships" xmlns:p="http://schemas.openxmlformats.org/presentationml/2006/main">
+  <p:tag name="NUM" val="1"/>
+</p:tagLst>
+</file>
+
+<file path=ppt/tags/tag50.xml><?xml version="1.0" encoding="utf-8"?>
+<p:tagLst xmlns:a="http://schemas.openxmlformats.org/drawingml/2006/main" xmlns:r="http://schemas.openxmlformats.org/officeDocument/2006/relationships" xmlns:p="http://schemas.openxmlformats.org/presentationml/2006/main">
+  <p:tag name="NUM" val="2"/>
+</p:tagLst>
+</file>
+
+<file path=ppt/tags/tag51.xml><?xml version="1.0" encoding="utf-8"?>
+<p:tagLst xmlns:a="http://schemas.openxmlformats.org/drawingml/2006/main" xmlns:r="http://schemas.openxmlformats.org/officeDocument/2006/relationships" xmlns:p="http://schemas.openxmlformats.org/presentationml/2006/main">
+  <p:tag name="NUM" val="3"/>
+</p:tagLst>
+</file>
+
+<file path=ppt/tags/tag52.xml><?xml version="1.0" encoding="utf-8"?>
+<p:tagLst xmlns:a="http://schemas.openxmlformats.org/drawingml/2006/main" xmlns:r="http://schemas.openxmlformats.org/officeDocument/2006/relationships" xmlns:p="http://schemas.openxmlformats.org/presentationml/2006/main">
+  <p:tag name="NUM" val="4"/>
+</p:tagLst>
+</file>
+
+<file path=ppt/tags/tag53.xml><?xml version="1.0" encoding="utf-8"?>
+<p:tagLst xmlns:a="http://schemas.openxmlformats.org/drawingml/2006/main" xmlns:r="http://schemas.openxmlformats.org/officeDocument/2006/relationships" xmlns:p="http://schemas.openxmlformats.org/presentationml/2006/main">
+  <p:tag name="NUM" val="5"/>
+</p:tagLst>
+</file>
+
+<file path=ppt/tags/tag54.xml><?xml version="1.0" encoding="utf-8"?>
+<p:tagLst xmlns:a="http://schemas.openxmlformats.org/drawingml/2006/main" xmlns:r="http://schemas.openxmlformats.org/officeDocument/2006/relationships" xmlns:p="http://schemas.openxmlformats.org/presentationml/2006/main">
+  <p:tag name="NUM" val="6"/>
+</p:tagLst>
+</file>
+
+<file path=ppt/tags/tag55.xml><?xml version="1.0" encoding="utf-8"?>
+<p:tagLst xmlns:a="http://schemas.openxmlformats.org/drawingml/2006/main" xmlns:r="http://schemas.openxmlformats.org/officeDocument/2006/relationships" xmlns:p="http://schemas.openxmlformats.org/presentationml/2006/main">
+  <p:tag name="NUM" val="7"/>
+</p:tagLst>
+</file>
+
+<file path=ppt/tags/tag56.xml><?xml version="1.0" encoding="utf-8"?>
+<p:tagLst xmlns:a="http://schemas.openxmlformats.org/drawingml/2006/main" xmlns:r="http://schemas.openxmlformats.org/officeDocument/2006/relationships" xmlns:p="http://schemas.openxmlformats.org/presentationml/2006/main">
+  <p:tag name="NUM" val="8"/>
+</p:tagLst>
+</file>
+
+<file path=ppt/tags/tag57.xml><?xml version="1.0" encoding="utf-8"?>
+<p:tagLst xmlns:a="http://schemas.openxmlformats.org/drawingml/2006/main" xmlns:r="http://schemas.openxmlformats.org/officeDocument/2006/relationships" xmlns:p="http://schemas.openxmlformats.org/presentationml/2006/main">
+  <p:tag name="NUM" val="9"/>
+</p:tagLst>
+</file>
+
+<file path=ppt/tags/tag58.xml><?xml version="1.0" encoding="utf-8"?>
+<p:tagLst xmlns:a="http://schemas.openxmlformats.org/drawingml/2006/main" xmlns:r="http://schemas.openxmlformats.org/officeDocument/2006/relationships" xmlns:p="http://schemas.openxmlformats.org/presentationml/2006/main">
+  <p:tag name="NUM" val="10"/>
+</p:tagLst>
+</file>
+
+<file path=ppt/tags/tag59.xml><?xml version="1.0" encoding="utf-8"?>
+<p:tagLst xmlns:a="http://schemas.openxmlformats.org/drawingml/2006/main" xmlns:r="http://schemas.openxmlformats.org/officeDocument/2006/relationships" xmlns:p="http://schemas.openxmlformats.org/presentationml/2006/main">
+  <p:tag name="NUM" val="11"/>
+</p:tagLst>
+</file>
+
+<file path=ppt/tags/tag6.xml><?xml version="1.0" encoding="utf-8"?>
+<p:tagLst xmlns:a="http://schemas.openxmlformats.org/drawingml/2006/main" xmlns:r="http://schemas.openxmlformats.org/officeDocument/2006/relationships" xmlns:p="http://schemas.openxmlformats.org/presentationml/2006/main">
+  <p:tag name="NUM" val="2"/>
+</p:tagLst>
+</file>
+
+<file path=ppt/tags/tag60.xml><?xml version="1.0" encoding="utf-8"?>
+<p:tagLst xmlns:a="http://schemas.openxmlformats.org/drawingml/2006/main" xmlns:r="http://schemas.openxmlformats.org/officeDocument/2006/relationships" xmlns:p="http://schemas.openxmlformats.org/presentationml/2006/main">
+  <p:tag name="NUM" val="12"/>
+</p:tagLst>
+</file>
+
+<file path=ppt/tags/tag61.xml><?xml version="1.0" encoding="utf-8"?>
+<p:tagLst xmlns:a="http://schemas.openxmlformats.org/drawingml/2006/main" xmlns:r="http://schemas.openxmlformats.org/officeDocument/2006/relationships" xmlns:p="http://schemas.openxmlformats.org/presentationml/2006/main">
+  <p:tag name="NUM" val="13"/>
+</p:tagLst>
+</file>
+
+<file path=ppt/tags/tag62.xml><?xml version="1.0" encoding="utf-8"?>
+<p:tagLst xmlns:a="http://schemas.openxmlformats.org/drawingml/2006/main" xmlns:r="http://schemas.openxmlformats.org/officeDocument/2006/relationships" xmlns:p="http://schemas.openxmlformats.org/presentationml/2006/main">
+  <p:tag name="NUM" val="1"/>
+</p:tagLst>
+</file>
+
+<file path=ppt/tags/tag63.xml><?xml version="1.0" encoding="utf-8"?>
+<p:tagLst xmlns:a="http://schemas.openxmlformats.org/drawingml/2006/main" xmlns:r="http://schemas.openxmlformats.org/officeDocument/2006/relationships" xmlns:p="http://schemas.openxmlformats.org/presentationml/2006/main">
+  <p:tag name="NUM" val="2"/>
+</p:tagLst>
+</file>
+
+<file path=ppt/tags/tag64.xml><?xml version="1.0" encoding="utf-8"?>
+<p:tagLst xmlns:a="http://schemas.openxmlformats.org/drawingml/2006/main" xmlns:r="http://schemas.openxmlformats.org/officeDocument/2006/relationships" xmlns:p="http://schemas.openxmlformats.org/presentationml/2006/main">
+  <p:tag name="NUM" val="1"/>
+</p:tagLst>
+</file>
+
+<file path=ppt/tags/tag65.xml><?xml version="1.0" encoding="utf-8"?>
+<p:tagLst xmlns:a="http://schemas.openxmlformats.org/drawingml/2006/main" xmlns:r="http://schemas.openxmlformats.org/officeDocument/2006/relationships" xmlns:p="http://schemas.openxmlformats.org/presentationml/2006/main">
+  <p:tag name="NUM" val="2"/>
+</p:tagLst>
+</file>
+
+<file path=ppt/tags/tag66.xml><?xml version="1.0" encoding="utf-8"?>
+<p:tagLst xmlns:a="http://schemas.openxmlformats.org/drawingml/2006/main" xmlns:r="http://schemas.openxmlformats.org/officeDocument/2006/relationships" xmlns:p="http://schemas.openxmlformats.org/presentationml/2006/main">
+  <p:tag name="NUM" val="1"/>
+</p:tagLst>
+</file>
+
+<file path=ppt/tags/tag67.xml><?xml version="1.0" encoding="utf-8"?>
+<p:tagLst xmlns:a="http://schemas.openxmlformats.org/drawingml/2006/main" xmlns:r="http://schemas.openxmlformats.org/officeDocument/2006/relationships" xmlns:p="http://schemas.openxmlformats.org/presentationml/2006/main">
+  <p:tag name="NUM" val="2"/>
+</p:tagLst>
+</file>
+
+<file path=ppt/tags/tag68.xml><?xml version="1.0" encoding="utf-8"?>
+<p:tagLst xmlns:a="http://schemas.openxmlformats.org/drawingml/2006/main" xmlns:r="http://schemas.openxmlformats.org/officeDocument/2006/relationships" xmlns:p="http://schemas.openxmlformats.org/presentationml/2006/main">
+  <p:tag name="NUM" val="3"/>
+</p:tagLst>
+</file>
+
+<file path=ppt/tags/tag69.xml><?xml version="1.0" encoding="utf-8"?>
+<p:tagLst xmlns:a="http://schemas.openxmlformats.org/drawingml/2006/main" xmlns:r="http://schemas.openxmlformats.org/officeDocument/2006/relationships" xmlns:p="http://schemas.openxmlformats.org/presentationml/2006/main">
+  <p:tag name="NUM" val="1"/>
+</p:tagLst>
+</file>
+
+<file path=ppt/tags/tag7.xml><?xml version="1.0" encoding="utf-8"?>
+<p:tagLst xmlns:a="http://schemas.openxmlformats.org/drawingml/2006/main" xmlns:r="http://schemas.openxmlformats.org/officeDocument/2006/relationships" xmlns:p="http://schemas.openxmlformats.org/presentationml/2006/main">
+  <p:tag name="NUM" val="1"/>
+</p:tagLst>
+</file>
+
+<file path=ppt/tags/tag70.xml><?xml version="1.0" encoding="utf-8"?>
+<p:tagLst xmlns:a="http://schemas.openxmlformats.org/drawingml/2006/main" xmlns:r="http://schemas.openxmlformats.org/officeDocument/2006/relationships" xmlns:p="http://schemas.openxmlformats.org/presentationml/2006/main">
+  <p:tag name="NUM" val="2"/>
+</p:tagLst>
+</file>
+
+<file path=ppt/tags/tag71.xml><?xml version="1.0" encoding="utf-8"?>
+<p:tagLst xmlns:a="http://schemas.openxmlformats.org/drawingml/2006/main" xmlns:r="http://schemas.openxmlformats.org/officeDocument/2006/relationships" xmlns:p="http://schemas.openxmlformats.org/presentationml/2006/main">
+  <p:tag name="NUM" val="1"/>
+</p:tagLst>
+</file>
+
+<file path=ppt/tags/tag72.xml><?xml version="1.0" encoding="utf-8"?>
+<p:tagLst xmlns:a="http://schemas.openxmlformats.org/drawingml/2006/main" xmlns:r="http://schemas.openxmlformats.org/officeDocument/2006/relationships" xmlns:p="http://schemas.openxmlformats.org/presentationml/2006/main">
+  <p:tag name="NUM" val="2"/>
+</p:tagLst>
+</file>
+
+<file path=ppt/tags/tag73.xml><?xml version="1.0" encoding="utf-8"?>
+<p:tagLst xmlns:a="http://schemas.openxmlformats.org/drawingml/2006/main" xmlns:r="http://schemas.openxmlformats.org/officeDocument/2006/relationships" xmlns:p="http://schemas.openxmlformats.org/presentationml/2006/main">
+  <p:tag name="NUM" val="1"/>
+</p:tagLst>
+</file>
+
+<file path=ppt/tags/tag74.xml><?xml version="1.0" encoding="utf-8"?>
+<p:tagLst xmlns:a="http://schemas.openxmlformats.org/drawingml/2006/main" xmlns:r="http://schemas.openxmlformats.org/officeDocument/2006/relationships" xmlns:p="http://schemas.openxmlformats.org/presentationml/2006/main">
+  <p:tag name="NUM" val="2"/>
+</p:tagLst>
+</file>
+
+<file path=ppt/tags/tag75.xml><?xml version="1.0" encoding="utf-8"?>
+<p:tagLst xmlns:a="http://schemas.openxmlformats.org/drawingml/2006/main" xmlns:r="http://schemas.openxmlformats.org/officeDocument/2006/relationships" xmlns:p="http://schemas.openxmlformats.org/presentationml/2006/main">
+  <p:tag name="NUM" val="1"/>
+</p:tagLst>
+</file>
+
+<file path=ppt/tags/tag76.xml><?xml version="1.0" encoding="utf-8"?>
+<p:tagLst xmlns:a="http://schemas.openxmlformats.org/drawingml/2006/main" xmlns:r="http://schemas.openxmlformats.org/officeDocument/2006/relationships" xmlns:p="http://schemas.openxmlformats.org/presentationml/2006/main">
+  <p:tag name="NUM" val="2"/>
+</p:tagLst>
+</file>
+
+<file path=ppt/tags/tag77.xml><?xml version="1.0" encoding="utf-8"?>
+<p:tagLst xmlns:a="http://schemas.openxmlformats.org/drawingml/2006/main" xmlns:r="http://schemas.openxmlformats.org/officeDocument/2006/relationships" xmlns:p="http://schemas.openxmlformats.org/presentationml/2006/main">
+  <p:tag name="NUM" val="1"/>
+</p:tagLst>
+</file>
+
+<file path=ppt/tags/tag78.xml><?xml version="1.0" encoding="utf-8"?>
+<p:tagLst xmlns:a="http://schemas.openxmlformats.org/drawingml/2006/main" xmlns:r="http://schemas.openxmlformats.org/officeDocument/2006/relationships" xmlns:p="http://schemas.openxmlformats.org/presentationml/2006/main">
+  <p:tag name="NUM" val="2"/>
+</p:tagLst>
+</file>
+
+<file path=ppt/tags/tag79.xml><?xml version="1.0" encoding="utf-8"?>
+<p:tagLst xmlns:a="http://schemas.openxmlformats.org/drawingml/2006/main" xmlns:r="http://schemas.openxmlformats.org/officeDocument/2006/relationships" xmlns:p="http://schemas.openxmlformats.org/presentationml/2006/main">
+  <p:tag name="NUM" val="1"/>
+</p:tagLst>
+</file>
+
+<file path=ppt/tags/tag8.xml><?xml version="1.0" encoding="utf-8"?>
+<p:tagLst xmlns:a="http://schemas.openxmlformats.org/drawingml/2006/main" xmlns:r="http://schemas.openxmlformats.org/officeDocument/2006/relationships" xmlns:p="http://schemas.openxmlformats.org/presentationml/2006/main">
+  <p:tag name="NUM" val="2"/>
+</p:tagLst>
+</file>
+
+<file path=ppt/tags/tag80.xml><?xml version="1.0" encoding="utf-8"?>
+<p:tagLst xmlns:a="http://schemas.openxmlformats.org/drawingml/2006/main" xmlns:r="http://schemas.openxmlformats.org/officeDocument/2006/relationships" xmlns:p="http://schemas.openxmlformats.org/presentationml/2006/main">
+  <p:tag name="NUM" val="2"/>
+</p:tagLst>
+</file>
+
+<file path=ppt/tags/tag81.xml><?xml version="1.0" encoding="utf-8"?>
+<p:tagLst xmlns:a="http://schemas.openxmlformats.org/drawingml/2006/main" xmlns:r="http://schemas.openxmlformats.org/officeDocument/2006/relationships" xmlns:p="http://schemas.openxmlformats.org/presentationml/2006/main">
+  <p:tag name="NUM" val="1"/>
+</p:tagLst>
+</file>
+
+<file path=ppt/tags/tag82.xml><?xml version="1.0" encoding="utf-8"?>
+<p:tagLst xmlns:a="http://schemas.openxmlformats.org/drawingml/2006/main" xmlns:r="http://schemas.openxmlformats.org/officeDocument/2006/relationships" xmlns:p="http://schemas.openxmlformats.org/presentationml/2006/main">
+  <p:tag name="NUM" val="2"/>
+</p:tagLst>
+</file>
+
+<file path=ppt/tags/tag83.xml><?xml version="1.0" encoding="utf-8"?>
+<p:tagLst xmlns:a="http://schemas.openxmlformats.org/drawingml/2006/main" xmlns:r="http://schemas.openxmlformats.org/officeDocument/2006/relationships" xmlns:p="http://schemas.openxmlformats.org/presentationml/2006/main">
+  <p:tag name="NUM" val="1"/>
+</p:tagLst>
+</file>
+
+<file path=ppt/tags/tag9.xml><?xml version="1.0" encoding="utf-8"?>
+<p:tagLst xmlns:a="http://schemas.openxmlformats.org/drawingml/2006/main" xmlns:r="http://schemas.openxmlformats.org/officeDocument/2006/relationships" xmlns:p="http://schemas.openxmlformats.org/presentationml/2006/main">
+  <p:tag name="NUM" val="3"/>
+</p:tagLst>
 </file>
 
 <file path=ppt/theme/theme1.xml><?xml version="1.0" encoding="utf-8"?>
